--- a/Weather_App.pptx
+++ b/Weather_App.pptx
@@ -9,12 +9,15 @@
     <p:sldId id="257" r:id="rId3"/>
     <p:sldId id="258" r:id="rId4"/>
     <p:sldId id="259" r:id="rId5"/>
-    <p:sldId id="262" r:id="rId6"/>
-    <p:sldId id="263" r:id="rId7"/>
-    <p:sldId id="264" r:id="rId8"/>
-    <p:sldId id="265" r:id="rId9"/>
-    <p:sldId id="261" r:id="rId10"/>
-    <p:sldId id="260" r:id="rId11"/>
+    <p:sldId id="266" r:id="rId6"/>
+    <p:sldId id="262" r:id="rId7"/>
+    <p:sldId id="263" r:id="rId8"/>
+    <p:sldId id="264" r:id="rId9"/>
+    <p:sldId id="265" r:id="rId10"/>
+    <p:sldId id="267" r:id="rId11"/>
+    <p:sldId id="268" r:id="rId12"/>
+    <p:sldId id="261" r:id="rId13"/>
+    <p:sldId id="260" r:id="rId14"/>
   </p:sldIdLst>
   <p:sldSz cx="12192000" cy="6858000"/>
   <p:notesSz cx="6858000" cy="9144000"/>
@@ -4911,7 +4914,7 @@
           <a:p>
             <a:fld id="{12241623-A064-4BED-B073-BA4D61433402}" type="datetime1">
               <a:rPr lang="en-US" smtClean="0"/>
-              <a:t>12/8/2023</a:t>
+              <a:t>1/21/2024</a:t>
             </a:fld>
             <a:endParaRPr lang="en-US" dirty="0"/>
           </a:p>
@@ -5722,7 +5725,7 @@
           <a:p>
             <a:fld id="{6F86ED0C-1DA7-41F0-94CF-6218B1FEDFF1}" type="datetime1">
               <a:rPr lang="en-US" smtClean="0"/>
-              <a:t>12/8/2023</a:t>
+              <a:t>1/21/2024</a:t>
             </a:fld>
             <a:endParaRPr lang="en-US" dirty="0"/>
           </a:p>
@@ -5921,7 +5924,7 @@
           <a:p>
             <a:fld id="{EECF02AB-6034-4B88-BC5A-7C17CB0EF809}" type="datetime1">
               <a:rPr lang="en-US" smtClean="0"/>
-              <a:t>12/8/2023</a:t>
+              <a:t>1/21/2024</a:t>
             </a:fld>
             <a:endParaRPr lang="en-US" dirty="0"/>
           </a:p>
@@ -6156,7 +6159,7 @@
           <a:p>
             <a:fld id="{22F3E5F3-28EE-488F-BD53-B744C06C3DEC}" type="datetime1">
               <a:rPr lang="en-US" smtClean="0"/>
-              <a:t>12/8/2023</a:t>
+              <a:t>1/21/2024</a:t>
             </a:fld>
             <a:endParaRPr lang="en-US" dirty="0"/>
           </a:p>
@@ -8849,7 +8852,7 @@
           <a:p>
             <a:fld id="{E72EB70D-CD01-44DA-83B3-8FEB3383D307}" type="datetime1">
               <a:rPr lang="en-US" smtClean="0"/>
-              <a:t>12/8/2023</a:t>
+              <a:t>1/21/2024</a:t>
             </a:fld>
             <a:endParaRPr lang="en-US" dirty="0"/>
           </a:p>
@@ -9045,7 +9048,7 @@
           <a:p>
             <a:fld id="{D0158CFD-9357-46BE-A189-D637A67C8730}" type="datetime1">
               <a:rPr lang="en-US" smtClean="0"/>
-              <a:t>12/8/2023</a:t>
+              <a:t>1/21/2024</a:t>
             </a:fld>
             <a:endParaRPr lang="en-US" dirty="0"/>
           </a:p>
@@ -9434,7 +9437,7 @@
           <a:p>
             <a:fld id="{7B4742EE-B331-4632-BD10-A82FED6B6FC0}" type="datetime1">
               <a:rPr lang="en-US" smtClean="0"/>
-              <a:t>12/8/2023</a:t>
+              <a:t>1/21/2024</a:t>
             </a:fld>
             <a:endParaRPr lang="en-US" dirty="0"/>
           </a:p>
@@ -9600,7 +9603,7 @@
           <a:p>
             <a:fld id="{451BA835-D13F-49F4-8F11-5D576AC65FAD}" type="datetime1">
               <a:rPr lang="en-US" smtClean="0"/>
-              <a:t>12/8/2023</a:t>
+              <a:t>1/21/2024</a:t>
             </a:fld>
             <a:endParaRPr lang="en-US" dirty="0"/>
           </a:p>
@@ -9723,7 +9726,7 @@
           <a:p>
             <a:fld id="{ADBD1799-ACB5-4CB2-86A2-5C574F1C8706}" type="datetime1">
               <a:rPr lang="en-US" smtClean="0"/>
-              <a:t>12/8/2023</a:t>
+              <a:t>1/21/2024</a:t>
             </a:fld>
             <a:endParaRPr lang="en-US" dirty="0"/>
           </a:p>
@@ -10033,7 +10036,7 @@
           <a:p>
             <a:fld id="{ED5DD0D6-7A82-473E-879B-C6ECD6CCCFEC}" type="datetime1">
               <a:rPr lang="en-US" smtClean="0"/>
-              <a:t>12/8/2023</a:t>
+              <a:t>1/21/2024</a:t>
             </a:fld>
             <a:endParaRPr lang="en-US" dirty="0"/>
           </a:p>
@@ -10333,7 +10336,7 @@
           <a:p>
             <a:fld id="{D4605E03-BC17-41A7-854C-DFAB672737DC}" type="datetime1">
               <a:rPr lang="en-US" smtClean="0"/>
-              <a:t>12/8/2023</a:t>
+              <a:t>1/21/2024</a:t>
             </a:fld>
             <a:endParaRPr lang="en-US" dirty="0"/>
           </a:p>
@@ -10585,7 +10588,7 @@
           <a:p>
             <a:fld id="{C4408324-A84C-4A45-93B6-78D079CCE772}" type="datetime1">
               <a:rPr lang="en-US" smtClean="0"/>
-              <a:t>12/8/2023</a:t>
+              <a:t>1/21/2024</a:t>
             </a:fld>
             <a:endParaRPr lang="en-US" dirty="0"/>
           </a:p>
@@ -11863,6 +11866,3527 @@
 <file path=ppt/slides/slide10.xml><?xml version="1.0" encoding="utf-8"?>
 <p:sld xmlns:a="http://schemas.openxmlformats.org/drawingml/2006/main" xmlns:r="http://schemas.openxmlformats.org/officeDocument/2006/relationships" xmlns:p="http://schemas.openxmlformats.org/presentationml/2006/main">
   <p:cSld>
+    <p:bg>
+      <p:bgPr>
+        <a:solidFill>
+          <a:schemeClr val="bg2"/>
+        </a:solidFill>
+        <a:effectLst/>
+      </p:bgPr>
+    </p:bg>
+    <p:spTree>
+      <p:nvGrpSpPr>
+        <p:cNvPr id="1" name=""/>
+        <p:cNvGrpSpPr/>
+        <p:nvPr/>
+      </p:nvGrpSpPr>
+      <p:grpSpPr>
+        <a:xfrm>
+          <a:off x="0" y="0"/>
+          <a:ext cx="0" cy="0"/>
+          <a:chOff x="0" y="0"/>
+          <a:chExt cx="0" cy="0"/>
+        </a:xfrm>
+      </p:grpSpPr>
+      <p:sp>
+        <p:nvSpPr>
+          <p:cNvPr id="52" name="Freeform: Shape 51">
+            <a:extLst>
+              <a:ext uri="{FF2B5EF4-FFF2-40B4-BE49-F238E27FC236}">
+                <a16:creationId xmlns:a16="http://schemas.microsoft.com/office/drawing/2014/main" id="{9B0F7D69-D93C-4C38-A23D-76E000D691CD}"/>
+              </a:ext>
+              <a:ext uri="{C183D7F6-B498-43B3-948B-1728B52AA6E4}">
+                <adec:decorative xmlns:adec="http://schemas.microsoft.com/office/drawing/2017/decorative" val="1"/>
+              </a:ext>
+            </a:extLst>
+          </p:cNvPr>
+          <p:cNvSpPr>
+            <a:spLocks noGrp="1" noRot="1" noChangeAspect="1" noMove="1" noResize="1" noEditPoints="1" noAdjustHandles="1" noChangeArrowheads="1" noChangeShapeType="1" noTextEdit="1"/>
+          </p:cNvSpPr>
+          <p:nvPr>
+            <p:extLst>
+              <p:ext uri="{386F3935-93C4-4BCD-93E2-E3B085C9AB24}">
+                <p16:designElem xmlns:p16="http://schemas.microsoft.com/office/powerpoint/2015/main" val="1"/>
+              </p:ext>
+            </p:extLst>
+          </p:nvPr>
+        </p:nvSpPr>
+        <p:spPr>
+          <a:xfrm>
+            <a:off x="0" y="0"/>
+            <a:ext cx="3496422" cy="6858000"/>
+          </a:xfrm>
+          <a:custGeom>
+            <a:avLst/>
+            <a:gdLst/>
+            <a:ahLst/>
+            <a:cxnLst/>
+            <a:rect l="l" t="t" r="r" b="b"/>
+            <a:pathLst>
+              <a:path w="3496422" h="6858000">
+                <a:moveTo>
+                  <a:pt x="0" y="0"/>
+                </a:moveTo>
+                <a:lnTo>
+                  <a:pt x="1873399" y="0"/>
+                </a:lnTo>
+                <a:lnTo>
+                  <a:pt x="1895523" y="14997"/>
+                </a:lnTo>
+                <a:cubicBezTo>
+                  <a:pt x="2922686" y="754641"/>
+                  <a:pt x="3496422" y="2093192"/>
+                  <a:pt x="3496422" y="3621656"/>
+                </a:cubicBezTo>
+                <a:cubicBezTo>
+                  <a:pt x="3496422" y="4969131"/>
+                  <a:pt x="2567697" y="5602839"/>
+                  <a:pt x="1622072" y="6374814"/>
+                </a:cubicBezTo>
+                <a:cubicBezTo>
+                  <a:pt x="1449869" y="6515397"/>
+                  <a:pt x="1279242" y="6653108"/>
+                  <a:pt x="1105424" y="6780599"/>
+                </a:cubicBezTo>
+                <a:lnTo>
+                  <a:pt x="993668" y="6858000"/>
+                </a:lnTo>
+                <a:lnTo>
+                  <a:pt x="0" y="6858000"/>
+                </a:lnTo>
+                <a:close/>
+              </a:path>
+            </a:pathLst>
+          </a:custGeom>
+          <a:solidFill>
+            <a:srgbClr val="FFFFFF">
+              <a:alpha val="60000"/>
+            </a:srgbClr>
+          </a:solidFill>
+          <a:ln>
+            <a:noFill/>
+          </a:ln>
+        </p:spPr>
+        <p:style>
+          <a:lnRef idx="2">
+            <a:schemeClr val="accent1">
+              <a:shade val="50000"/>
+            </a:schemeClr>
+          </a:lnRef>
+          <a:fillRef idx="1">
+            <a:schemeClr val="accent1"/>
+          </a:fillRef>
+          <a:effectRef idx="0">
+            <a:schemeClr val="accent1"/>
+          </a:effectRef>
+          <a:fontRef idx="minor">
+            <a:schemeClr val="lt1"/>
+          </a:fontRef>
+        </p:style>
+        <p:txBody>
+          <a:bodyPr wrap="square" rtlCol="0" anchor="ctr">
+            <a:noAutofit/>
+          </a:bodyPr>
+          <a:lstStyle/>
+          <a:p>
+            <a:pPr algn="ctr"/>
+            <a:endParaRPr lang="en-US" dirty="0"/>
+          </a:p>
+        </p:txBody>
+      </p:sp>
+      <p:sp>
+        <p:nvSpPr>
+          <p:cNvPr id="54" name="Freeform: Shape 53">
+            <a:extLst>
+              <a:ext uri="{FF2B5EF4-FFF2-40B4-BE49-F238E27FC236}">
+                <a16:creationId xmlns:a16="http://schemas.microsoft.com/office/drawing/2014/main" id="{8CD419D4-EA9D-42D9-BF62-B07F0B7B672B}"/>
+              </a:ext>
+              <a:ext uri="{C183D7F6-B498-43B3-948B-1728B52AA6E4}">
+                <adec:decorative xmlns:adec="http://schemas.microsoft.com/office/drawing/2017/decorative" val="1"/>
+              </a:ext>
+            </a:extLst>
+          </p:cNvPr>
+          <p:cNvSpPr>
+            <a:spLocks noGrp="1" noRot="1" noChangeAspect="1" noMove="1" noResize="1" noEditPoints="1" noAdjustHandles="1" noChangeArrowheads="1" noChangeShapeType="1" noTextEdit="1"/>
+          </p:cNvSpPr>
+          <p:nvPr>
+            <p:extLst>
+              <p:ext uri="{386F3935-93C4-4BCD-93E2-E3B085C9AB24}">
+                <p16:designElem xmlns:p16="http://schemas.microsoft.com/office/powerpoint/2015/main" val="1"/>
+              </p:ext>
+            </p:extLst>
+          </p:nvPr>
+        </p:nvSpPr>
+        <p:spPr>
+          <a:xfrm>
+            <a:off x="1375409" y="0"/>
+            <a:ext cx="2529723" cy="6858000"/>
+          </a:xfrm>
+          <a:custGeom>
+            <a:avLst/>
+            <a:gdLst/>
+            <a:ahLst/>
+            <a:cxnLst/>
+            <a:rect l="l" t="t" r="r" b="b"/>
+            <a:pathLst>
+              <a:path w="2529723" h="6858000">
+                <a:moveTo>
+                  <a:pt x="1258269" y="0"/>
+                </a:moveTo>
+                <a:lnTo>
+                  <a:pt x="1275627" y="0"/>
+                </a:lnTo>
+                <a:lnTo>
+                  <a:pt x="1302560" y="24338"/>
+                </a:lnTo>
+                <a:cubicBezTo>
+                  <a:pt x="2156831" y="855667"/>
+                  <a:pt x="2590622" y="2191755"/>
+                  <a:pt x="2522825" y="3678515"/>
+                </a:cubicBezTo>
+                <a:cubicBezTo>
+                  <a:pt x="2459072" y="5076606"/>
+                  <a:pt x="1519830" y="5692656"/>
+                  <a:pt x="557500" y="6451411"/>
+                </a:cubicBezTo>
+                <a:cubicBezTo>
+                  <a:pt x="382255" y="6589587"/>
+                  <a:pt x="208689" y="6724853"/>
+                  <a:pt x="32482" y="6849373"/>
+                </a:cubicBezTo>
+                <a:lnTo>
+                  <a:pt x="19531" y="6858000"/>
+                </a:lnTo>
+                <a:lnTo>
+                  <a:pt x="0" y="6858000"/>
+                </a:lnTo>
+                <a:lnTo>
+                  <a:pt x="14202" y="6848540"/>
+                </a:lnTo>
+                <a:cubicBezTo>
+                  <a:pt x="190409" y="6724020"/>
+                  <a:pt x="363976" y="6588754"/>
+                  <a:pt x="539221" y="6450578"/>
+                </a:cubicBezTo>
+                <a:cubicBezTo>
+                  <a:pt x="1501550" y="5691822"/>
+                  <a:pt x="2440792" y="5075773"/>
+                  <a:pt x="2504546" y="3677682"/>
+                </a:cubicBezTo>
+                <a:cubicBezTo>
+                  <a:pt x="2572343" y="2190921"/>
+                  <a:pt x="2138551" y="854834"/>
+                  <a:pt x="1284280" y="23504"/>
+                </a:cubicBezTo>
+                <a:close/>
+              </a:path>
+            </a:pathLst>
+          </a:custGeom>
+          <a:solidFill>
+            <a:srgbClr val="FFFFFF"/>
+          </a:solidFill>
+          <a:ln>
+            <a:noFill/>
+          </a:ln>
+        </p:spPr>
+        <p:style>
+          <a:lnRef idx="2">
+            <a:schemeClr val="accent1">
+              <a:shade val="50000"/>
+            </a:schemeClr>
+          </a:lnRef>
+          <a:fillRef idx="1">
+            <a:schemeClr val="accent1"/>
+          </a:fillRef>
+          <a:effectRef idx="0">
+            <a:schemeClr val="accent1"/>
+          </a:effectRef>
+          <a:fontRef idx="minor">
+            <a:schemeClr val="lt1"/>
+          </a:fontRef>
+        </p:style>
+        <p:txBody>
+          <a:bodyPr wrap="square" rtlCol="0" anchor="ctr">
+            <a:noAutofit/>
+          </a:bodyPr>
+          <a:lstStyle/>
+          <a:p>
+            <a:pPr marL="0" marR="0" lvl="0" indent="0" algn="ctr" defTabSz="457200" rtl="0" eaLnBrk="1" fontAlgn="auto" latinLnBrk="0" hangingPunct="1">
+              <a:lnSpc>
+                <a:spcPct val="100000"/>
+              </a:lnSpc>
+              <a:spcBef>
+                <a:spcPts val="0"/>
+              </a:spcBef>
+              <a:spcAft>
+                <a:spcPts val="0"/>
+              </a:spcAft>
+              <a:buClrTx/>
+              <a:buSzTx/>
+              <a:buFontTx/>
+              <a:buNone/>
+              <a:tabLst/>
+              <a:defRPr/>
+            </a:pPr>
+            <a:endParaRPr kumimoji="0" lang="en-US" sz="1800" b="0" i="0" u="none" strike="noStrike" kern="1200" cap="none" spc="0" normalizeH="0" baseline="0" noProof="0" dirty="0">
+              <a:ln>
+                <a:noFill/>
+              </a:ln>
+              <a:solidFill>
+                <a:prstClr val="white"/>
+              </a:solidFill>
+              <a:effectLst/>
+              <a:uLnTx/>
+              <a:uFillTx/>
+              <a:latin typeface="Meiryo"/>
+              <a:ea typeface="+mn-ea"/>
+              <a:cs typeface="+mn-cs"/>
+            </a:endParaRPr>
+          </a:p>
+        </p:txBody>
+      </p:sp>
+      <p:sp>
+        <p:nvSpPr>
+          <p:cNvPr id="56" name="Freeform: Shape 55">
+            <a:extLst>
+              <a:ext uri="{FF2B5EF4-FFF2-40B4-BE49-F238E27FC236}">
+                <a16:creationId xmlns:a16="http://schemas.microsoft.com/office/drawing/2014/main" id="{1C6FEC9B-9608-4181-A9E5-A1B80E72021C}"/>
+              </a:ext>
+              <a:ext uri="{C183D7F6-B498-43B3-948B-1728B52AA6E4}">
+                <adec:decorative xmlns:adec="http://schemas.microsoft.com/office/drawing/2017/decorative" val="1"/>
+              </a:ext>
+            </a:extLst>
+          </p:cNvPr>
+          <p:cNvSpPr>
+            <a:spLocks noGrp="1" noRot="1" noChangeAspect="1" noMove="1" noResize="1" noEditPoints="1" noAdjustHandles="1" noChangeArrowheads="1" noChangeShapeType="1" noTextEdit="1"/>
+          </p:cNvSpPr>
+          <p:nvPr>
+            <p:extLst>
+              <p:ext uri="{386F3935-93C4-4BCD-93E2-E3B085C9AB24}">
+                <p16:designElem xmlns:p16="http://schemas.microsoft.com/office/powerpoint/2015/main" val="1"/>
+              </p:ext>
+            </p:extLst>
+          </p:nvPr>
+        </p:nvSpPr>
+        <p:spPr>
+          <a:xfrm>
+            <a:off x="1155402" y="0"/>
+            <a:ext cx="2536434" cy="6858000"/>
+          </a:xfrm>
+          <a:custGeom>
+            <a:avLst/>
+            <a:gdLst/>
+            <a:ahLst/>
+            <a:cxnLst/>
+            <a:rect l="l" t="t" r="r" b="b"/>
+            <a:pathLst>
+              <a:path w="2536434" h="6858000">
+                <a:moveTo>
+                  <a:pt x="879731" y="0"/>
+                </a:moveTo>
+                <a:lnTo>
+                  <a:pt x="913411" y="0"/>
+                </a:lnTo>
+                <a:lnTo>
+                  <a:pt x="935535" y="14997"/>
+                </a:lnTo>
+                <a:cubicBezTo>
+                  <a:pt x="1962698" y="754641"/>
+                  <a:pt x="2536434" y="2093192"/>
+                  <a:pt x="2536434" y="3621656"/>
+                </a:cubicBezTo>
+                <a:cubicBezTo>
+                  <a:pt x="2536434" y="4969131"/>
+                  <a:pt x="1607709" y="5602839"/>
+                  <a:pt x="662084" y="6374814"/>
+                </a:cubicBezTo>
+                <a:cubicBezTo>
+                  <a:pt x="489881" y="6515397"/>
+                  <a:pt x="319254" y="6653108"/>
+                  <a:pt x="145436" y="6780599"/>
+                </a:cubicBezTo>
+                <a:lnTo>
+                  <a:pt x="33680" y="6858000"/>
+                </a:lnTo>
+                <a:lnTo>
+                  <a:pt x="0" y="6858000"/>
+                </a:lnTo>
+                <a:lnTo>
+                  <a:pt x="111756" y="6780599"/>
+                </a:lnTo>
+                <a:cubicBezTo>
+                  <a:pt x="285574" y="6653108"/>
+                  <a:pt x="456201" y="6515397"/>
+                  <a:pt x="628404" y="6374814"/>
+                </a:cubicBezTo>
+                <a:cubicBezTo>
+                  <a:pt x="1574029" y="5602839"/>
+                  <a:pt x="2502754" y="4969131"/>
+                  <a:pt x="2502754" y="3621656"/>
+                </a:cubicBezTo>
+                <a:cubicBezTo>
+                  <a:pt x="2502754" y="2093192"/>
+                  <a:pt x="1929018" y="754641"/>
+                  <a:pt x="901855" y="14997"/>
+                </a:cubicBezTo>
+                <a:close/>
+              </a:path>
+            </a:pathLst>
+          </a:custGeom>
+          <a:solidFill>
+            <a:schemeClr val="bg1"/>
+          </a:solidFill>
+          <a:ln>
+            <a:noFill/>
+          </a:ln>
+        </p:spPr>
+        <p:style>
+          <a:lnRef idx="2">
+            <a:schemeClr val="accent1">
+              <a:shade val="50000"/>
+            </a:schemeClr>
+          </a:lnRef>
+          <a:fillRef idx="1">
+            <a:schemeClr val="accent1"/>
+          </a:fillRef>
+          <a:effectRef idx="0">
+            <a:schemeClr val="accent1"/>
+          </a:effectRef>
+          <a:fontRef idx="minor">
+            <a:schemeClr val="lt1"/>
+          </a:fontRef>
+        </p:style>
+        <p:txBody>
+          <a:bodyPr wrap="square" rtlCol="0" anchor="ctr">
+            <a:noAutofit/>
+          </a:bodyPr>
+          <a:lstStyle/>
+          <a:p>
+            <a:pPr marL="0" marR="0" lvl="0" indent="0" algn="ctr" defTabSz="914400" rtl="0" eaLnBrk="1" fontAlgn="auto" latinLnBrk="0" hangingPunct="1">
+              <a:lnSpc>
+                <a:spcPct val="100000"/>
+              </a:lnSpc>
+              <a:spcBef>
+                <a:spcPts val="0"/>
+              </a:spcBef>
+              <a:spcAft>
+                <a:spcPts val="0"/>
+              </a:spcAft>
+              <a:buClrTx/>
+              <a:buSzTx/>
+              <a:buFontTx/>
+              <a:buNone/>
+              <a:tabLst/>
+              <a:defRPr/>
+            </a:pPr>
+            <a:endParaRPr kumimoji="0" lang="en-US" sz="1800" b="0" i="0" u="none" strike="noStrike" kern="1200" cap="none" spc="0" normalizeH="0" baseline="0" noProof="0" dirty="0">
+              <a:ln>
+                <a:noFill/>
+              </a:ln>
+              <a:solidFill>
+                <a:prstClr val="white"/>
+              </a:solidFill>
+              <a:effectLst/>
+              <a:uLnTx/>
+              <a:uFillTx/>
+              <a:latin typeface="Meiryo"/>
+              <a:ea typeface="+mn-ea"/>
+              <a:cs typeface="+mn-cs"/>
+            </a:endParaRPr>
+          </a:p>
+        </p:txBody>
+      </p:sp>
+      <p:sp>
+        <p:nvSpPr>
+          <p:cNvPr id="58" name="Freeform: Shape 57">
+            <a:extLst>
+              <a:ext uri="{FF2B5EF4-FFF2-40B4-BE49-F238E27FC236}">
+                <a16:creationId xmlns:a16="http://schemas.microsoft.com/office/drawing/2014/main" id="{AB1564ED-F26F-451D-97D6-A6EC3E83FD55}"/>
+              </a:ext>
+              <a:ext uri="{C183D7F6-B498-43B3-948B-1728B52AA6E4}">
+                <adec:decorative xmlns:adec="http://schemas.microsoft.com/office/drawing/2017/decorative" val="1"/>
+              </a:ext>
+            </a:extLst>
+          </p:cNvPr>
+          <p:cNvSpPr>
+            <a:spLocks noGrp="1" noRot="1" noChangeAspect="1" noMove="1" noResize="1" noEditPoints="1" noAdjustHandles="1" noChangeArrowheads="1" noChangeShapeType="1" noTextEdit="1"/>
+          </p:cNvSpPr>
+          <p:nvPr>
+            <p:extLst>
+              <p:ext uri="{386F3935-93C4-4BCD-93E2-E3B085C9AB24}">
+                <p16:designElem xmlns:p16="http://schemas.microsoft.com/office/powerpoint/2015/main" val="1"/>
+              </p:ext>
+            </p:extLst>
+          </p:nvPr>
+        </p:nvSpPr>
+        <p:spPr>
+          <a:xfrm>
+            <a:off x="924161" y="0"/>
+            <a:ext cx="2261351" cy="6858000"/>
+          </a:xfrm>
+          <a:custGeom>
+            <a:avLst/>
+            <a:gdLst/>
+            <a:ahLst/>
+            <a:cxnLst/>
+            <a:rect l="l" t="t" r="r" b="b"/>
+            <a:pathLst>
+              <a:path w="2521425" h="6858000">
+                <a:moveTo>
+                  <a:pt x="879731" y="0"/>
+                </a:moveTo>
+                <a:lnTo>
+                  <a:pt x="898402" y="0"/>
+                </a:lnTo>
+                <a:lnTo>
+                  <a:pt x="920526" y="14997"/>
+                </a:lnTo>
+                <a:cubicBezTo>
+                  <a:pt x="1947689" y="754641"/>
+                  <a:pt x="2521425" y="2093192"/>
+                  <a:pt x="2521425" y="3621656"/>
+                </a:cubicBezTo>
+                <a:cubicBezTo>
+                  <a:pt x="2521425" y="4969131"/>
+                  <a:pt x="1592700" y="5602839"/>
+                  <a:pt x="647075" y="6374814"/>
+                </a:cubicBezTo>
+                <a:cubicBezTo>
+                  <a:pt x="474872" y="6515397"/>
+                  <a:pt x="304245" y="6653108"/>
+                  <a:pt x="130427" y="6780599"/>
+                </a:cubicBezTo>
+                <a:lnTo>
+                  <a:pt x="18671" y="6858000"/>
+                </a:lnTo>
+                <a:lnTo>
+                  <a:pt x="0" y="6858000"/>
+                </a:lnTo>
+                <a:lnTo>
+                  <a:pt x="111756" y="6780599"/>
+                </a:lnTo>
+                <a:cubicBezTo>
+                  <a:pt x="285574" y="6653108"/>
+                  <a:pt x="456201" y="6515397"/>
+                  <a:pt x="628404" y="6374814"/>
+                </a:cubicBezTo>
+                <a:cubicBezTo>
+                  <a:pt x="1574029" y="5602839"/>
+                  <a:pt x="2502754" y="4969131"/>
+                  <a:pt x="2502754" y="3621656"/>
+                </a:cubicBezTo>
+                <a:cubicBezTo>
+                  <a:pt x="2502754" y="2093192"/>
+                  <a:pt x="1929018" y="754641"/>
+                  <a:pt x="901855" y="14997"/>
+                </a:cubicBezTo>
+                <a:close/>
+              </a:path>
+            </a:pathLst>
+          </a:custGeom>
+          <a:solidFill>
+            <a:schemeClr val="bg2">
+              <a:lumMod val="90000"/>
+            </a:schemeClr>
+          </a:solidFill>
+          <a:ln>
+            <a:noFill/>
+          </a:ln>
+        </p:spPr>
+        <p:style>
+          <a:lnRef idx="2">
+            <a:schemeClr val="accent1">
+              <a:shade val="50000"/>
+            </a:schemeClr>
+          </a:lnRef>
+          <a:fillRef idx="1">
+            <a:schemeClr val="accent1"/>
+          </a:fillRef>
+          <a:effectRef idx="0">
+            <a:schemeClr val="accent1"/>
+          </a:effectRef>
+          <a:fontRef idx="minor">
+            <a:schemeClr val="lt1"/>
+          </a:fontRef>
+        </p:style>
+        <p:txBody>
+          <a:bodyPr wrap="square" rtlCol="0" anchor="ctr">
+            <a:noAutofit/>
+          </a:bodyPr>
+          <a:lstStyle/>
+          <a:p>
+            <a:pPr marL="0" marR="0" lvl="0" indent="0" algn="ctr" defTabSz="914400" rtl="0" eaLnBrk="1" fontAlgn="auto" latinLnBrk="0" hangingPunct="1">
+              <a:lnSpc>
+                <a:spcPct val="100000"/>
+              </a:lnSpc>
+              <a:spcBef>
+                <a:spcPts val="0"/>
+              </a:spcBef>
+              <a:spcAft>
+                <a:spcPts val="0"/>
+              </a:spcAft>
+              <a:buClrTx/>
+              <a:buSzTx/>
+              <a:buFontTx/>
+              <a:buNone/>
+              <a:tabLst/>
+              <a:defRPr/>
+            </a:pPr>
+            <a:endParaRPr kumimoji="0" lang="en-US" sz="1800" b="0" i="0" u="none" strike="noStrike" kern="1200" cap="none" spc="0" normalizeH="0" baseline="0" noProof="0">
+              <a:ln>
+                <a:noFill/>
+              </a:ln>
+              <a:solidFill>
+                <a:prstClr val="white"/>
+              </a:solidFill>
+              <a:effectLst/>
+              <a:uLnTx/>
+              <a:uFillTx/>
+              <a:latin typeface="Meiryo"/>
+              <a:ea typeface="+mn-ea"/>
+              <a:cs typeface="+mn-cs"/>
+            </a:endParaRPr>
+          </a:p>
+        </p:txBody>
+      </p:sp>
+      <p:sp>
+        <p:nvSpPr>
+          <p:cNvPr id="60" name="Freeform: Shape 59">
+            <a:extLst>
+              <a:ext uri="{FF2B5EF4-FFF2-40B4-BE49-F238E27FC236}">
+                <a16:creationId xmlns:a16="http://schemas.microsoft.com/office/drawing/2014/main" id="{0CA184B6-3482-4F43-87F0-BC765DCFD8A8}"/>
+              </a:ext>
+              <a:ext uri="{C183D7F6-B498-43B3-948B-1728B52AA6E4}">
+                <adec:decorative xmlns:adec="http://schemas.microsoft.com/office/drawing/2017/decorative" val="1"/>
+              </a:ext>
+            </a:extLst>
+          </p:cNvPr>
+          <p:cNvSpPr>
+            <a:spLocks noGrp="1" noRot="1" noChangeAspect="1" noMove="1" noResize="1" noEditPoints="1" noAdjustHandles="1" noChangeArrowheads="1" noChangeShapeType="1" noTextEdit="1"/>
+          </p:cNvSpPr>
+          <p:nvPr>
+            <p:extLst>
+              <p:ext uri="{386F3935-93C4-4BCD-93E2-E3B085C9AB24}">
+                <p16:designElem xmlns:p16="http://schemas.microsoft.com/office/powerpoint/2015/main" val="1"/>
+              </p:ext>
+            </p:extLst>
+          </p:nvPr>
+        </p:nvSpPr>
+        <p:spPr>
+          <a:xfrm>
+            <a:off x="0" y="0"/>
+            <a:ext cx="3496422" cy="6858000"/>
+          </a:xfrm>
+          <a:custGeom>
+            <a:avLst/>
+            <a:gdLst/>
+            <a:ahLst/>
+            <a:cxnLst/>
+            <a:rect l="l" t="t" r="r" b="b"/>
+            <a:pathLst>
+              <a:path w="3496422" h="6858000">
+                <a:moveTo>
+                  <a:pt x="0" y="0"/>
+                </a:moveTo>
+                <a:lnTo>
+                  <a:pt x="1873399" y="0"/>
+                </a:lnTo>
+                <a:lnTo>
+                  <a:pt x="1895523" y="14997"/>
+                </a:lnTo>
+                <a:cubicBezTo>
+                  <a:pt x="2922686" y="754641"/>
+                  <a:pt x="3496422" y="2093192"/>
+                  <a:pt x="3496422" y="3621656"/>
+                </a:cubicBezTo>
+                <a:cubicBezTo>
+                  <a:pt x="3496422" y="4969131"/>
+                  <a:pt x="2567697" y="5602839"/>
+                  <a:pt x="1622072" y="6374814"/>
+                </a:cubicBezTo>
+                <a:cubicBezTo>
+                  <a:pt x="1449869" y="6515397"/>
+                  <a:pt x="1279242" y="6653108"/>
+                  <a:pt x="1105424" y="6780599"/>
+                </a:cubicBezTo>
+                <a:lnTo>
+                  <a:pt x="993668" y="6858000"/>
+                </a:lnTo>
+                <a:lnTo>
+                  <a:pt x="0" y="6858000"/>
+                </a:lnTo>
+                <a:close/>
+              </a:path>
+            </a:pathLst>
+          </a:custGeom>
+          <a:solidFill>
+            <a:srgbClr val="FFFFFF">
+              <a:alpha val="60000"/>
+            </a:srgbClr>
+          </a:solidFill>
+          <a:ln>
+            <a:noFill/>
+          </a:ln>
+        </p:spPr>
+        <p:style>
+          <a:lnRef idx="2">
+            <a:schemeClr val="accent1">
+              <a:shade val="50000"/>
+            </a:schemeClr>
+          </a:lnRef>
+          <a:fillRef idx="1">
+            <a:schemeClr val="accent1"/>
+          </a:fillRef>
+          <a:effectRef idx="0">
+            <a:schemeClr val="accent1"/>
+          </a:effectRef>
+          <a:fontRef idx="minor">
+            <a:schemeClr val="lt1"/>
+          </a:fontRef>
+        </p:style>
+        <p:txBody>
+          <a:bodyPr wrap="square" rtlCol="0" anchor="ctr">
+            <a:noAutofit/>
+          </a:bodyPr>
+          <a:lstStyle/>
+          <a:p>
+            <a:pPr algn="ctr"/>
+            <a:endParaRPr lang="en-US" dirty="0"/>
+          </a:p>
+        </p:txBody>
+      </p:sp>
+      <p:sp>
+        <p:nvSpPr>
+          <p:cNvPr id="62" name="Freeform: Shape 61">
+            <a:extLst>
+              <a:ext uri="{FF2B5EF4-FFF2-40B4-BE49-F238E27FC236}">
+                <a16:creationId xmlns:a16="http://schemas.microsoft.com/office/drawing/2014/main" id="{6C869923-8380-4244-9548-802C330638A0}"/>
+              </a:ext>
+              <a:ext uri="{C183D7F6-B498-43B3-948B-1728B52AA6E4}">
+                <adec:decorative xmlns:adec="http://schemas.microsoft.com/office/drawing/2017/decorative" val="1"/>
+              </a:ext>
+            </a:extLst>
+          </p:cNvPr>
+          <p:cNvSpPr>
+            <a:spLocks noGrp="1" noRot="1" noChangeAspect="1" noMove="1" noResize="1" noEditPoints="1" noAdjustHandles="1" noChangeArrowheads="1" noChangeShapeType="1" noTextEdit="1"/>
+          </p:cNvSpPr>
+          <p:nvPr>
+            <p:extLst>
+              <p:ext uri="{386F3935-93C4-4BCD-93E2-E3B085C9AB24}">
+                <p16:designElem xmlns:p16="http://schemas.microsoft.com/office/powerpoint/2015/main" val="1"/>
+              </p:ext>
+            </p:extLst>
+          </p:nvPr>
+        </p:nvSpPr>
+        <p:spPr>
+          <a:xfrm>
+            <a:off x="1375409" y="0"/>
+            <a:ext cx="2529723" cy="6858000"/>
+          </a:xfrm>
+          <a:custGeom>
+            <a:avLst/>
+            <a:gdLst/>
+            <a:ahLst/>
+            <a:cxnLst/>
+            <a:rect l="l" t="t" r="r" b="b"/>
+            <a:pathLst>
+              <a:path w="2529723" h="6858000">
+                <a:moveTo>
+                  <a:pt x="1258269" y="0"/>
+                </a:moveTo>
+                <a:lnTo>
+                  <a:pt x="1275627" y="0"/>
+                </a:lnTo>
+                <a:lnTo>
+                  <a:pt x="1302560" y="24338"/>
+                </a:lnTo>
+                <a:cubicBezTo>
+                  <a:pt x="2156831" y="855667"/>
+                  <a:pt x="2590622" y="2191755"/>
+                  <a:pt x="2522825" y="3678515"/>
+                </a:cubicBezTo>
+                <a:cubicBezTo>
+                  <a:pt x="2459072" y="5076606"/>
+                  <a:pt x="1519830" y="5692656"/>
+                  <a:pt x="557500" y="6451411"/>
+                </a:cubicBezTo>
+                <a:cubicBezTo>
+                  <a:pt x="382255" y="6589587"/>
+                  <a:pt x="208689" y="6724853"/>
+                  <a:pt x="32482" y="6849373"/>
+                </a:cubicBezTo>
+                <a:lnTo>
+                  <a:pt x="19531" y="6858000"/>
+                </a:lnTo>
+                <a:lnTo>
+                  <a:pt x="0" y="6858000"/>
+                </a:lnTo>
+                <a:lnTo>
+                  <a:pt x="14202" y="6848540"/>
+                </a:lnTo>
+                <a:cubicBezTo>
+                  <a:pt x="190409" y="6724020"/>
+                  <a:pt x="363976" y="6588754"/>
+                  <a:pt x="539221" y="6450578"/>
+                </a:cubicBezTo>
+                <a:cubicBezTo>
+                  <a:pt x="1501550" y="5691822"/>
+                  <a:pt x="2440792" y="5075773"/>
+                  <a:pt x="2504546" y="3677682"/>
+                </a:cubicBezTo>
+                <a:cubicBezTo>
+                  <a:pt x="2572343" y="2190921"/>
+                  <a:pt x="2138551" y="854834"/>
+                  <a:pt x="1284280" y="23504"/>
+                </a:cubicBezTo>
+                <a:close/>
+              </a:path>
+            </a:pathLst>
+          </a:custGeom>
+          <a:solidFill>
+            <a:srgbClr val="FFFFFF"/>
+          </a:solidFill>
+          <a:ln>
+            <a:noFill/>
+          </a:ln>
+        </p:spPr>
+        <p:style>
+          <a:lnRef idx="2">
+            <a:schemeClr val="accent1">
+              <a:shade val="50000"/>
+            </a:schemeClr>
+          </a:lnRef>
+          <a:fillRef idx="1">
+            <a:schemeClr val="accent1"/>
+          </a:fillRef>
+          <a:effectRef idx="0">
+            <a:schemeClr val="accent1"/>
+          </a:effectRef>
+          <a:fontRef idx="minor">
+            <a:schemeClr val="lt1"/>
+          </a:fontRef>
+        </p:style>
+        <p:txBody>
+          <a:bodyPr wrap="square" rtlCol="0" anchor="ctr">
+            <a:noAutofit/>
+          </a:bodyPr>
+          <a:lstStyle/>
+          <a:p>
+            <a:pPr marL="0" marR="0" lvl="0" indent="0" algn="ctr" defTabSz="457200" rtl="0" eaLnBrk="1" fontAlgn="auto" latinLnBrk="0" hangingPunct="1">
+              <a:lnSpc>
+                <a:spcPct val="100000"/>
+              </a:lnSpc>
+              <a:spcBef>
+                <a:spcPts val="0"/>
+              </a:spcBef>
+              <a:spcAft>
+                <a:spcPts val="0"/>
+              </a:spcAft>
+              <a:buClrTx/>
+              <a:buSzTx/>
+              <a:buFontTx/>
+              <a:buNone/>
+              <a:tabLst/>
+              <a:defRPr/>
+            </a:pPr>
+            <a:endParaRPr kumimoji="0" lang="en-US" sz="1800" b="0" i="0" u="none" strike="noStrike" kern="1200" cap="none" spc="0" normalizeH="0" baseline="0" noProof="0" dirty="0">
+              <a:ln>
+                <a:noFill/>
+              </a:ln>
+              <a:solidFill>
+                <a:prstClr val="white"/>
+              </a:solidFill>
+              <a:effectLst/>
+              <a:uLnTx/>
+              <a:uFillTx/>
+              <a:latin typeface="Meiryo"/>
+              <a:ea typeface="+mn-ea"/>
+              <a:cs typeface="+mn-cs"/>
+            </a:endParaRPr>
+          </a:p>
+        </p:txBody>
+      </p:sp>
+      <p:sp>
+        <p:nvSpPr>
+          <p:cNvPr id="64" name="Freeform: Shape 63">
+            <a:extLst>
+              <a:ext uri="{FF2B5EF4-FFF2-40B4-BE49-F238E27FC236}">
+                <a16:creationId xmlns:a16="http://schemas.microsoft.com/office/drawing/2014/main" id="{C06255F2-BC67-4DDE-B34E-AC4BA21838CC}"/>
+              </a:ext>
+              <a:ext uri="{C183D7F6-B498-43B3-948B-1728B52AA6E4}">
+                <adec:decorative xmlns:adec="http://schemas.microsoft.com/office/drawing/2017/decorative" val="1"/>
+              </a:ext>
+            </a:extLst>
+          </p:cNvPr>
+          <p:cNvSpPr>
+            <a:spLocks noGrp="1" noRot="1" noChangeAspect="1" noMove="1" noResize="1" noEditPoints="1" noAdjustHandles="1" noChangeArrowheads="1" noChangeShapeType="1" noTextEdit="1"/>
+          </p:cNvSpPr>
+          <p:nvPr>
+            <p:extLst>
+              <p:ext uri="{386F3935-93C4-4BCD-93E2-E3B085C9AB24}">
+                <p16:designElem xmlns:p16="http://schemas.microsoft.com/office/powerpoint/2015/main" val="1"/>
+              </p:ext>
+            </p:extLst>
+          </p:nvPr>
+        </p:nvSpPr>
+        <p:spPr>
+          <a:xfrm>
+            <a:off x="1155402" y="0"/>
+            <a:ext cx="2536434" cy="6858000"/>
+          </a:xfrm>
+          <a:custGeom>
+            <a:avLst/>
+            <a:gdLst/>
+            <a:ahLst/>
+            <a:cxnLst/>
+            <a:rect l="l" t="t" r="r" b="b"/>
+            <a:pathLst>
+              <a:path w="2536434" h="6858000">
+                <a:moveTo>
+                  <a:pt x="879731" y="0"/>
+                </a:moveTo>
+                <a:lnTo>
+                  <a:pt x="913411" y="0"/>
+                </a:lnTo>
+                <a:lnTo>
+                  <a:pt x="935535" y="14997"/>
+                </a:lnTo>
+                <a:cubicBezTo>
+                  <a:pt x="1962698" y="754641"/>
+                  <a:pt x="2536434" y="2093192"/>
+                  <a:pt x="2536434" y="3621656"/>
+                </a:cubicBezTo>
+                <a:cubicBezTo>
+                  <a:pt x="2536434" y="4969131"/>
+                  <a:pt x="1607709" y="5602839"/>
+                  <a:pt x="662084" y="6374814"/>
+                </a:cubicBezTo>
+                <a:cubicBezTo>
+                  <a:pt x="489881" y="6515397"/>
+                  <a:pt x="319254" y="6653108"/>
+                  <a:pt x="145436" y="6780599"/>
+                </a:cubicBezTo>
+                <a:lnTo>
+                  <a:pt x="33680" y="6858000"/>
+                </a:lnTo>
+                <a:lnTo>
+                  <a:pt x="0" y="6858000"/>
+                </a:lnTo>
+                <a:lnTo>
+                  <a:pt x="111756" y="6780599"/>
+                </a:lnTo>
+                <a:cubicBezTo>
+                  <a:pt x="285574" y="6653108"/>
+                  <a:pt x="456201" y="6515397"/>
+                  <a:pt x="628404" y="6374814"/>
+                </a:cubicBezTo>
+                <a:cubicBezTo>
+                  <a:pt x="1574029" y="5602839"/>
+                  <a:pt x="2502754" y="4969131"/>
+                  <a:pt x="2502754" y="3621656"/>
+                </a:cubicBezTo>
+                <a:cubicBezTo>
+                  <a:pt x="2502754" y="2093192"/>
+                  <a:pt x="1929018" y="754641"/>
+                  <a:pt x="901855" y="14997"/>
+                </a:cubicBezTo>
+                <a:close/>
+              </a:path>
+            </a:pathLst>
+          </a:custGeom>
+          <a:solidFill>
+            <a:schemeClr val="bg1"/>
+          </a:solidFill>
+          <a:ln>
+            <a:noFill/>
+          </a:ln>
+        </p:spPr>
+        <p:style>
+          <a:lnRef idx="2">
+            <a:schemeClr val="accent1">
+              <a:shade val="50000"/>
+            </a:schemeClr>
+          </a:lnRef>
+          <a:fillRef idx="1">
+            <a:schemeClr val="accent1"/>
+          </a:fillRef>
+          <a:effectRef idx="0">
+            <a:schemeClr val="accent1"/>
+          </a:effectRef>
+          <a:fontRef idx="minor">
+            <a:schemeClr val="lt1"/>
+          </a:fontRef>
+        </p:style>
+        <p:txBody>
+          <a:bodyPr wrap="square" rtlCol="0" anchor="ctr">
+            <a:noAutofit/>
+          </a:bodyPr>
+          <a:lstStyle/>
+          <a:p>
+            <a:pPr marL="0" marR="0" lvl="0" indent="0" algn="ctr" defTabSz="914400" rtl="0" eaLnBrk="1" fontAlgn="auto" latinLnBrk="0" hangingPunct="1">
+              <a:lnSpc>
+                <a:spcPct val="100000"/>
+              </a:lnSpc>
+              <a:spcBef>
+                <a:spcPts val="0"/>
+              </a:spcBef>
+              <a:spcAft>
+                <a:spcPts val="0"/>
+              </a:spcAft>
+              <a:buClrTx/>
+              <a:buSzTx/>
+              <a:buFontTx/>
+              <a:buNone/>
+              <a:tabLst/>
+              <a:defRPr/>
+            </a:pPr>
+            <a:endParaRPr kumimoji="0" lang="en-US" sz="1800" b="0" i="0" u="none" strike="noStrike" kern="1200" cap="none" spc="0" normalizeH="0" baseline="0" noProof="0" dirty="0">
+              <a:ln>
+                <a:noFill/>
+              </a:ln>
+              <a:solidFill>
+                <a:prstClr val="white"/>
+              </a:solidFill>
+              <a:effectLst/>
+              <a:uLnTx/>
+              <a:uFillTx/>
+              <a:latin typeface="Meiryo"/>
+              <a:ea typeface="+mn-ea"/>
+              <a:cs typeface="+mn-cs"/>
+            </a:endParaRPr>
+          </a:p>
+        </p:txBody>
+      </p:sp>
+      <p:sp>
+        <p:nvSpPr>
+          <p:cNvPr id="66" name="Freeform: Shape 65">
+            <a:extLst>
+              <a:ext uri="{FF2B5EF4-FFF2-40B4-BE49-F238E27FC236}">
+                <a16:creationId xmlns:a16="http://schemas.microsoft.com/office/drawing/2014/main" id="{55169443-FCCD-4C0A-8C69-18CD3FA0968D}"/>
+              </a:ext>
+              <a:ext uri="{C183D7F6-B498-43B3-948B-1728B52AA6E4}">
+                <adec:decorative xmlns:adec="http://schemas.microsoft.com/office/drawing/2017/decorative" val="1"/>
+              </a:ext>
+            </a:extLst>
+          </p:cNvPr>
+          <p:cNvSpPr>
+            <a:spLocks noGrp="1" noRot="1" noChangeAspect="1" noMove="1" noResize="1" noEditPoints="1" noAdjustHandles="1" noChangeArrowheads="1" noChangeShapeType="1" noTextEdit="1"/>
+          </p:cNvSpPr>
+          <p:nvPr>
+            <p:extLst>
+              <p:ext uri="{386F3935-93C4-4BCD-93E2-E3B085C9AB24}">
+                <p16:designElem xmlns:p16="http://schemas.microsoft.com/office/powerpoint/2015/main" val="1"/>
+              </p:ext>
+            </p:extLst>
+          </p:nvPr>
+        </p:nvSpPr>
+        <p:spPr>
+          <a:xfrm>
+            <a:off x="924161" y="0"/>
+            <a:ext cx="2261351" cy="6858000"/>
+          </a:xfrm>
+          <a:custGeom>
+            <a:avLst/>
+            <a:gdLst/>
+            <a:ahLst/>
+            <a:cxnLst/>
+            <a:rect l="l" t="t" r="r" b="b"/>
+            <a:pathLst>
+              <a:path w="2521425" h="6858000">
+                <a:moveTo>
+                  <a:pt x="879731" y="0"/>
+                </a:moveTo>
+                <a:lnTo>
+                  <a:pt x="898402" y="0"/>
+                </a:lnTo>
+                <a:lnTo>
+                  <a:pt x="920526" y="14997"/>
+                </a:lnTo>
+                <a:cubicBezTo>
+                  <a:pt x="1947689" y="754641"/>
+                  <a:pt x="2521425" y="2093192"/>
+                  <a:pt x="2521425" y="3621656"/>
+                </a:cubicBezTo>
+                <a:cubicBezTo>
+                  <a:pt x="2521425" y="4969131"/>
+                  <a:pt x="1592700" y="5602839"/>
+                  <a:pt x="647075" y="6374814"/>
+                </a:cubicBezTo>
+                <a:cubicBezTo>
+                  <a:pt x="474872" y="6515397"/>
+                  <a:pt x="304245" y="6653108"/>
+                  <a:pt x="130427" y="6780599"/>
+                </a:cubicBezTo>
+                <a:lnTo>
+                  <a:pt x="18671" y="6858000"/>
+                </a:lnTo>
+                <a:lnTo>
+                  <a:pt x="0" y="6858000"/>
+                </a:lnTo>
+                <a:lnTo>
+                  <a:pt x="111756" y="6780599"/>
+                </a:lnTo>
+                <a:cubicBezTo>
+                  <a:pt x="285574" y="6653108"/>
+                  <a:pt x="456201" y="6515397"/>
+                  <a:pt x="628404" y="6374814"/>
+                </a:cubicBezTo>
+                <a:cubicBezTo>
+                  <a:pt x="1574029" y="5602839"/>
+                  <a:pt x="2502754" y="4969131"/>
+                  <a:pt x="2502754" y="3621656"/>
+                </a:cubicBezTo>
+                <a:cubicBezTo>
+                  <a:pt x="2502754" y="2093192"/>
+                  <a:pt x="1929018" y="754641"/>
+                  <a:pt x="901855" y="14997"/>
+                </a:cubicBezTo>
+                <a:close/>
+              </a:path>
+            </a:pathLst>
+          </a:custGeom>
+          <a:solidFill>
+            <a:schemeClr val="bg2">
+              <a:lumMod val="90000"/>
+            </a:schemeClr>
+          </a:solidFill>
+          <a:ln>
+            <a:noFill/>
+          </a:ln>
+        </p:spPr>
+        <p:style>
+          <a:lnRef idx="2">
+            <a:schemeClr val="accent1">
+              <a:shade val="50000"/>
+            </a:schemeClr>
+          </a:lnRef>
+          <a:fillRef idx="1">
+            <a:schemeClr val="accent1"/>
+          </a:fillRef>
+          <a:effectRef idx="0">
+            <a:schemeClr val="accent1"/>
+          </a:effectRef>
+          <a:fontRef idx="minor">
+            <a:schemeClr val="lt1"/>
+          </a:fontRef>
+        </p:style>
+        <p:txBody>
+          <a:bodyPr wrap="square" rtlCol="0" anchor="ctr">
+            <a:noAutofit/>
+          </a:bodyPr>
+          <a:lstStyle/>
+          <a:p>
+            <a:pPr marL="0" marR="0" lvl="0" indent="0" algn="ctr" defTabSz="914400" rtl="0" eaLnBrk="1" fontAlgn="auto" latinLnBrk="0" hangingPunct="1">
+              <a:lnSpc>
+                <a:spcPct val="100000"/>
+              </a:lnSpc>
+              <a:spcBef>
+                <a:spcPts val="0"/>
+              </a:spcBef>
+              <a:spcAft>
+                <a:spcPts val="0"/>
+              </a:spcAft>
+              <a:buClrTx/>
+              <a:buSzTx/>
+              <a:buFontTx/>
+              <a:buNone/>
+              <a:tabLst/>
+              <a:defRPr/>
+            </a:pPr>
+            <a:endParaRPr kumimoji="0" lang="en-US" sz="1800" b="0" i="0" u="none" strike="noStrike" kern="1200" cap="none" spc="0" normalizeH="0" baseline="0" noProof="0">
+              <a:ln>
+                <a:noFill/>
+              </a:ln>
+              <a:solidFill>
+                <a:prstClr val="white"/>
+              </a:solidFill>
+              <a:effectLst/>
+              <a:uLnTx/>
+              <a:uFillTx/>
+              <a:latin typeface="Meiryo"/>
+              <a:ea typeface="+mn-ea"/>
+              <a:cs typeface="+mn-cs"/>
+            </a:endParaRPr>
+          </a:p>
+        </p:txBody>
+      </p:sp>
+      <p:sp useBgFill="1">
+        <p:nvSpPr>
+          <p:cNvPr id="68" name="Rectangle 67">
+            <a:extLst>
+              <a:ext uri="{FF2B5EF4-FFF2-40B4-BE49-F238E27FC236}">
+                <a16:creationId xmlns:a16="http://schemas.microsoft.com/office/drawing/2014/main" id="{0DBF1ABE-8590-450D-BB49-BDDCCF3EEA9E}"/>
+              </a:ext>
+              <a:ext uri="{C183D7F6-B498-43B3-948B-1728B52AA6E4}">
+                <adec:decorative xmlns:adec="http://schemas.microsoft.com/office/drawing/2017/decorative" val="1"/>
+              </a:ext>
+            </a:extLst>
+          </p:cNvPr>
+          <p:cNvSpPr>
+            <a:spLocks noGrp="1" noRot="1" noChangeAspect="1" noMove="1" noResize="1" noEditPoints="1" noAdjustHandles="1" noChangeArrowheads="1" noChangeShapeType="1" noTextEdit="1"/>
+          </p:cNvSpPr>
+          <p:nvPr>
+            <p:extLst>
+              <p:ext uri="{386F3935-93C4-4BCD-93E2-E3B085C9AB24}">
+                <p16:designElem xmlns:p16="http://schemas.microsoft.com/office/powerpoint/2015/main" val="1"/>
+              </p:ext>
+            </p:extLst>
+          </p:nvPr>
+        </p:nvSpPr>
+        <p:spPr>
+          <a:xfrm>
+            <a:off x="305" y="0"/>
+            <a:ext cx="12191695" cy="6858000"/>
+          </a:xfrm>
+          <a:prstGeom prst="rect">
+            <a:avLst/>
+          </a:prstGeom>
+          <a:ln>
+            <a:noFill/>
+          </a:ln>
+        </p:spPr>
+        <p:style>
+          <a:lnRef idx="2">
+            <a:schemeClr val="accent1">
+              <a:shade val="50000"/>
+            </a:schemeClr>
+          </a:lnRef>
+          <a:fillRef idx="1">
+            <a:schemeClr val="accent1"/>
+          </a:fillRef>
+          <a:effectRef idx="0">
+            <a:schemeClr val="accent1"/>
+          </a:effectRef>
+          <a:fontRef idx="minor">
+            <a:schemeClr val="lt1"/>
+          </a:fontRef>
+        </p:style>
+        <p:txBody>
+          <a:bodyPr rtlCol="0" anchor="ctr"/>
+          <a:lstStyle/>
+          <a:p>
+            <a:pPr marL="0" marR="0" lvl="0" indent="0" algn="ctr" defTabSz="457200" rtl="0" eaLnBrk="1" fontAlgn="auto" latinLnBrk="0" hangingPunct="1">
+              <a:lnSpc>
+                <a:spcPct val="100000"/>
+              </a:lnSpc>
+              <a:spcBef>
+                <a:spcPts val="0"/>
+              </a:spcBef>
+              <a:spcAft>
+                <a:spcPts val="0"/>
+              </a:spcAft>
+              <a:buClrTx/>
+              <a:buSzTx/>
+              <a:buFontTx/>
+              <a:buNone/>
+              <a:tabLst/>
+              <a:defRPr/>
+            </a:pPr>
+            <a:endParaRPr kumimoji="0" lang="en-US" sz="1800" b="0" i="0" u="none" strike="noStrike" kern="1200" cap="none" spc="0" normalizeH="0" baseline="0" noProof="0" dirty="0">
+              <a:ln>
+                <a:noFill/>
+              </a:ln>
+              <a:solidFill>
+                <a:prstClr val="white"/>
+              </a:solidFill>
+              <a:effectLst/>
+              <a:uLnTx/>
+              <a:uFillTx/>
+              <a:latin typeface="Meiryo"/>
+              <a:ea typeface="+mn-ea"/>
+              <a:cs typeface="+mn-cs"/>
+            </a:endParaRPr>
+          </a:p>
+        </p:txBody>
+      </p:sp>
+      <p:sp>
+        <p:nvSpPr>
+          <p:cNvPr id="70" name="Freeform: Shape 69">
+            <a:extLst>
+              <a:ext uri="{FF2B5EF4-FFF2-40B4-BE49-F238E27FC236}">
+                <a16:creationId xmlns:a16="http://schemas.microsoft.com/office/drawing/2014/main" id="{391F8D69-709A-4575-A393-B4C26481AF3B}"/>
+              </a:ext>
+              <a:ext uri="{C183D7F6-B498-43B3-948B-1728B52AA6E4}">
+                <adec:decorative xmlns:adec="http://schemas.microsoft.com/office/drawing/2017/decorative" val="1"/>
+              </a:ext>
+            </a:extLst>
+          </p:cNvPr>
+          <p:cNvSpPr>
+            <a:spLocks noGrp="1" noRot="1" noChangeAspect="1" noMove="1" noResize="1" noEditPoints="1" noAdjustHandles="1" noChangeArrowheads="1" noChangeShapeType="1" noTextEdit="1"/>
+          </p:cNvSpPr>
+          <p:nvPr>
+            <p:extLst>
+              <p:ext uri="{386F3935-93C4-4BCD-93E2-E3B085C9AB24}">
+                <p16:designElem xmlns:p16="http://schemas.microsoft.com/office/powerpoint/2015/main" val="1"/>
+              </p:ext>
+            </p:extLst>
+          </p:nvPr>
+        </p:nvSpPr>
+        <p:spPr>
+          <a:xfrm flipH="1">
+            <a:off x="966083" y="0"/>
+            <a:ext cx="9841377" cy="6858000"/>
+          </a:xfrm>
+          <a:custGeom>
+            <a:avLst/>
+            <a:gdLst>
+              <a:gd name="connsiteX0" fmla="*/ 8218354 w 9841377"/>
+              <a:gd name="connsiteY0" fmla="*/ 0 h 6858000"/>
+              <a:gd name="connsiteX1" fmla="*/ 5551962 w 9841377"/>
+              <a:gd name="connsiteY1" fmla="*/ 0 h 6858000"/>
+              <a:gd name="connsiteX2" fmla="*/ 5482342 w 9841377"/>
+              <a:gd name="connsiteY2" fmla="*/ 0 h 6858000"/>
+              <a:gd name="connsiteX3" fmla="*/ 4359035 w 9841377"/>
+              <a:gd name="connsiteY3" fmla="*/ 0 h 6858000"/>
+              <a:gd name="connsiteX4" fmla="*/ 4289415 w 9841377"/>
+              <a:gd name="connsiteY4" fmla="*/ 0 h 6858000"/>
+              <a:gd name="connsiteX5" fmla="*/ 1623023 w 9841377"/>
+              <a:gd name="connsiteY5" fmla="*/ 0 h 6858000"/>
+              <a:gd name="connsiteX6" fmla="*/ 1600899 w 9841377"/>
+              <a:gd name="connsiteY6" fmla="*/ 14997 h 6858000"/>
+              <a:gd name="connsiteX7" fmla="*/ 0 w 9841377"/>
+              <a:gd name="connsiteY7" fmla="*/ 3621656 h 6858000"/>
+              <a:gd name="connsiteX8" fmla="*/ 1874350 w 9841377"/>
+              <a:gd name="connsiteY8" fmla="*/ 6374814 h 6858000"/>
+              <a:gd name="connsiteX9" fmla="*/ 2390998 w 9841377"/>
+              <a:gd name="connsiteY9" fmla="*/ 6780599 h 6858000"/>
+              <a:gd name="connsiteX10" fmla="*/ 2502754 w 9841377"/>
+              <a:gd name="connsiteY10" fmla="*/ 6858000 h 6858000"/>
+              <a:gd name="connsiteX11" fmla="*/ 4289415 w 9841377"/>
+              <a:gd name="connsiteY11" fmla="*/ 6858000 h 6858000"/>
+              <a:gd name="connsiteX12" fmla="*/ 4359035 w 9841377"/>
+              <a:gd name="connsiteY12" fmla="*/ 6858000 h 6858000"/>
+              <a:gd name="connsiteX13" fmla="*/ 5482342 w 9841377"/>
+              <a:gd name="connsiteY13" fmla="*/ 6858000 h 6858000"/>
+              <a:gd name="connsiteX14" fmla="*/ 5551962 w 9841377"/>
+              <a:gd name="connsiteY14" fmla="*/ 6858000 h 6858000"/>
+              <a:gd name="connsiteX15" fmla="*/ 7338623 w 9841377"/>
+              <a:gd name="connsiteY15" fmla="*/ 6858000 h 6858000"/>
+              <a:gd name="connsiteX16" fmla="*/ 7450379 w 9841377"/>
+              <a:gd name="connsiteY16" fmla="*/ 6780599 h 6858000"/>
+              <a:gd name="connsiteX17" fmla="*/ 7967027 w 9841377"/>
+              <a:gd name="connsiteY17" fmla="*/ 6374814 h 6858000"/>
+              <a:gd name="connsiteX18" fmla="*/ 9841377 w 9841377"/>
+              <a:gd name="connsiteY18" fmla="*/ 3621656 h 6858000"/>
+              <a:gd name="connsiteX19" fmla="*/ 8240478 w 9841377"/>
+              <a:gd name="connsiteY19" fmla="*/ 14997 h 6858000"/>
+            </a:gdLst>
+            <a:ahLst/>
+            <a:cxnLst>
+              <a:cxn ang="0">
+                <a:pos x="connsiteX0" y="connsiteY0"/>
+              </a:cxn>
+              <a:cxn ang="0">
+                <a:pos x="connsiteX1" y="connsiteY1"/>
+              </a:cxn>
+              <a:cxn ang="0">
+                <a:pos x="connsiteX2" y="connsiteY2"/>
+              </a:cxn>
+              <a:cxn ang="0">
+                <a:pos x="connsiteX3" y="connsiteY3"/>
+              </a:cxn>
+              <a:cxn ang="0">
+                <a:pos x="connsiteX4" y="connsiteY4"/>
+              </a:cxn>
+              <a:cxn ang="0">
+                <a:pos x="connsiteX5" y="connsiteY5"/>
+              </a:cxn>
+              <a:cxn ang="0">
+                <a:pos x="connsiteX6" y="connsiteY6"/>
+              </a:cxn>
+              <a:cxn ang="0">
+                <a:pos x="connsiteX7" y="connsiteY7"/>
+              </a:cxn>
+              <a:cxn ang="0">
+                <a:pos x="connsiteX8" y="connsiteY8"/>
+              </a:cxn>
+              <a:cxn ang="0">
+                <a:pos x="connsiteX9" y="connsiteY9"/>
+              </a:cxn>
+              <a:cxn ang="0">
+                <a:pos x="connsiteX10" y="connsiteY10"/>
+              </a:cxn>
+              <a:cxn ang="0">
+                <a:pos x="connsiteX11" y="connsiteY11"/>
+              </a:cxn>
+              <a:cxn ang="0">
+                <a:pos x="connsiteX12" y="connsiteY12"/>
+              </a:cxn>
+              <a:cxn ang="0">
+                <a:pos x="connsiteX13" y="connsiteY13"/>
+              </a:cxn>
+              <a:cxn ang="0">
+                <a:pos x="connsiteX14" y="connsiteY14"/>
+              </a:cxn>
+              <a:cxn ang="0">
+                <a:pos x="connsiteX15" y="connsiteY15"/>
+              </a:cxn>
+              <a:cxn ang="0">
+                <a:pos x="connsiteX16" y="connsiteY16"/>
+              </a:cxn>
+              <a:cxn ang="0">
+                <a:pos x="connsiteX17" y="connsiteY17"/>
+              </a:cxn>
+              <a:cxn ang="0">
+                <a:pos x="connsiteX18" y="connsiteY18"/>
+              </a:cxn>
+              <a:cxn ang="0">
+                <a:pos x="connsiteX19" y="connsiteY19"/>
+              </a:cxn>
+            </a:cxnLst>
+            <a:rect l="l" t="t" r="r" b="b"/>
+            <a:pathLst>
+              <a:path w="9841377" h="6858000">
+                <a:moveTo>
+                  <a:pt x="8218354" y="0"/>
+                </a:moveTo>
+                <a:lnTo>
+                  <a:pt x="5551962" y="0"/>
+                </a:lnTo>
+                <a:lnTo>
+                  <a:pt x="5482342" y="0"/>
+                </a:lnTo>
+                <a:lnTo>
+                  <a:pt x="4359035" y="0"/>
+                </a:lnTo>
+                <a:lnTo>
+                  <a:pt x="4289415" y="0"/>
+                </a:lnTo>
+                <a:lnTo>
+                  <a:pt x="1623023" y="0"/>
+                </a:lnTo>
+                <a:lnTo>
+                  <a:pt x="1600899" y="14997"/>
+                </a:lnTo>
+                <a:cubicBezTo>
+                  <a:pt x="573736" y="754641"/>
+                  <a:pt x="0" y="2093192"/>
+                  <a:pt x="0" y="3621656"/>
+                </a:cubicBezTo>
+                <a:cubicBezTo>
+                  <a:pt x="0" y="4969131"/>
+                  <a:pt x="928725" y="5602839"/>
+                  <a:pt x="1874350" y="6374814"/>
+                </a:cubicBezTo>
+                <a:cubicBezTo>
+                  <a:pt x="2046553" y="6515397"/>
+                  <a:pt x="2217180" y="6653108"/>
+                  <a:pt x="2390998" y="6780599"/>
+                </a:cubicBezTo>
+                <a:lnTo>
+                  <a:pt x="2502754" y="6858000"/>
+                </a:lnTo>
+                <a:lnTo>
+                  <a:pt x="4289415" y="6858000"/>
+                </a:lnTo>
+                <a:lnTo>
+                  <a:pt x="4359035" y="6858000"/>
+                </a:lnTo>
+                <a:lnTo>
+                  <a:pt x="5482342" y="6858000"/>
+                </a:lnTo>
+                <a:lnTo>
+                  <a:pt x="5551962" y="6858000"/>
+                </a:lnTo>
+                <a:lnTo>
+                  <a:pt x="7338623" y="6858000"/>
+                </a:lnTo>
+                <a:lnTo>
+                  <a:pt x="7450379" y="6780599"/>
+                </a:lnTo>
+                <a:cubicBezTo>
+                  <a:pt x="7624197" y="6653108"/>
+                  <a:pt x="7794824" y="6515397"/>
+                  <a:pt x="7967027" y="6374814"/>
+                </a:cubicBezTo>
+                <a:cubicBezTo>
+                  <a:pt x="8912652" y="5602839"/>
+                  <a:pt x="9841377" y="4969131"/>
+                  <a:pt x="9841377" y="3621656"/>
+                </a:cubicBezTo>
+                <a:cubicBezTo>
+                  <a:pt x="9841377" y="2093192"/>
+                  <a:pt x="9267641" y="754641"/>
+                  <a:pt x="8240478" y="14997"/>
+                </a:cubicBezTo>
+                <a:close/>
+              </a:path>
+            </a:pathLst>
+          </a:custGeom>
+          <a:solidFill>
+            <a:schemeClr val="bg1">
+              <a:alpha val="60000"/>
+            </a:schemeClr>
+          </a:solidFill>
+          <a:ln>
+            <a:noFill/>
+          </a:ln>
+        </p:spPr>
+        <p:style>
+          <a:lnRef idx="2">
+            <a:schemeClr val="accent1">
+              <a:shade val="50000"/>
+            </a:schemeClr>
+          </a:lnRef>
+          <a:fillRef idx="1">
+            <a:schemeClr val="accent1"/>
+          </a:fillRef>
+          <a:effectRef idx="0">
+            <a:schemeClr val="accent1"/>
+          </a:effectRef>
+          <a:fontRef idx="minor">
+            <a:schemeClr val="lt1"/>
+          </a:fontRef>
+        </p:style>
+        <p:txBody>
+          <a:bodyPr wrap="square" rtlCol="0" anchor="ctr">
+            <a:noAutofit/>
+          </a:bodyPr>
+          <a:lstStyle/>
+          <a:p>
+            <a:pPr algn="ctr"/>
+            <a:endParaRPr lang="en-US"/>
+          </a:p>
+        </p:txBody>
+      </p:sp>
+      <p:sp>
+        <p:nvSpPr>
+          <p:cNvPr id="72" name="Freeform: Shape 71">
+            <a:extLst>
+              <a:ext uri="{FF2B5EF4-FFF2-40B4-BE49-F238E27FC236}">
+                <a16:creationId xmlns:a16="http://schemas.microsoft.com/office/drawing/2014/main" id="{C87A50C4-1191-461A-9E09-C8057F2AF01F}"/>
+              </a:ext>
+              <a:ext uri="{C183D7F6-B498-43B3-948B-1728B52AA6E4}">
+                <adec:decorative xmlns:adec="http://schemas.microsoft.com/office/drawing/2017/decorative" val="1"/>
+              </a:ext>
+            </a:extLst>
+          </p:cNvPr>
+          <p:cNvSpPr>
+            <a:spLocks noGrp="1" noRot="1" noChangeAspect="1" noMove="1" noResize="1" noEditPoints="1" noAdjustHandles="1" noChangeArrowheads="1" noChangeShapeType="1" noTextEdit="1"/>
+          </p:cNvSpPr>
+          <p:nvPr>
+            <p:extLst>
+              <p:ext uri="{386F3935-93C4-4BCD-93E2-E3B085C9AB24}">
+                <p16:designElem xmlns:p16="http://schemas.microsoft.com/office/powerpoint/2015/main" val="1"/>
+              </p:ext>
+            </p:extLst>
+          </p:nvPr>
+        </p:nvSpPr>
+        <p:spPr>
+          <a:xfrm flipH="1">
+            <a:off x="643035" y="0"/>
+            <a:ext cx="2265453" cy="6858000"/>
+          </a:xfrm>
+          <a:custGeom>
+            <a:avLst/>
+            <a:gdLst>
+              <a:gd name="connsiteX0" fmla="*/ 1117108 w 2265453"/>
+              <a:gd name="connsiteY0" fmla="*/ 0 h 6858000"/>
+              <a:gd name="connsiteX1" fmla="*/ 1099628 w 2265453"/>
+              <a:gd name="connsiteY1" fmla="*/ 0 h 6858000"/>
+              <a:gd name="connsiteX2" fmla="*/ 1175238 w 2265453"/>
+              <a:gd name="connsiteY2" fmla="*/ 82371 h 6858000"/>
+              <a:gd name="connsiteX3" fmla="*/ 2240276 w 2265453"/>
+              <a:gd name="connsiteY3" fmla="*/ 3734791 h 6858000"/>
+              <a:gd name="connsiteX4" fmla="*/ 274951 w 2265453"/>
+              <a:gd name="connsiteY4" fmla="*/ 6634678 h 6858000"/>
+              <a:gd name="connsiteX5" fmla="*/ 12802 w 2265453"/>
+              <a:gd name="connsiteY5" fmla="*/ 6848127 h 6858000"/>
+              <a:gd name="connsiteX6" fmla="*/ 0 w 2265453"/>
+              <a:gd name="connsiteY6" fmla="*/ 6858000 h 6858000"/>
+              <a:gd name="connsiteX7" fmla="*/ 19410 w 2265453"/>
+              <a:gd name="connsiteY7" fmla="*/ 6858000 h 6858000"/>
+              <a:gd name="connsiteX8" fmla="*/ 31082 w 2265453"/>
+              <a:gd name="connsiteY8" fmla="*/ 6848998 h 6858000"/>
+              <a:gd name="connsiteX9" fmla="*/ 293230 w 2265453"/>
+              <a:gd name="connsiteY9" fmla="*/ 6635549 h 6858000"/>
+              <a:gd name="connsiteX10" fmla="*/ 2258555 w 2265453"/>
+              <a:gd name="connsiteY10" fmla="*/ 3735662 h 6858000"/>
+              <a:gd name="connsiteX11" fmla="*/ 1193518 w 2265453"/>
+              <a:gd name="connsiteY11" fmla="*/ 83243 h 6858000"/>
+            </a:gdLst>
+            <a:ahLst/>
+            <a:cxnLst>
+              <a:cxn ang="0">
+                <a:pos x="connsiteX0" y="connsiteY0"/>
+              </a:cxn>
+              <a:cxn ang="0">
+                <a:pos x="connsiteX1" y="connsiteY1"/>
+              </a:cxn>
+              <a:cxn ang="0">
+                <a:pos x="connsiteX2" y="connsiteY2"/>
+              </a:cxn>
+              <a:cxn ang="0">
+                <a:pos x="connsiteX3" y="connsiteY3"/>
+              </a:cxn>
+              <a:cxn ang="0">
+                <a:pos x="connsiteX4" y="connsiteY4"/>
+              </a:cxn>
+              <a:cxn ang="0">
+                <a:pos x="connsiteX5" y="connsiteY5"/>
+              </a:cxn>
+              <a:cxn ang="0">
+                <a:pos x="connsiteX6" y="connsiteY6"/>
+              </a:cxn>
+              <a:cxn ang="0">
+                <a:pos x="connsiteX7" y="connsiteY7"/>
+              </a:cxn>
+              <a:cxn ang="0">
+                <a:pos x="connsiteX8" y="connsiteY8"/>
+              </a:cxn>
+              <a:cxn ang="0">
+                <a:pos x="connsiteX9" y="connsiteY9"/>
+              </a:cxn>
+              <a:cxn ang="0">
+                <a:pos x="connsiteX10" y="connsiteY10"/>
+              </a:cxn>
+              <a:cxn ang="0">
+                <a:pos x="connsiteX11" y="connsiteY11"/>
+              </a:cxn>
+            </a:cxnLst>
+            <a:rect l="l" t="t" r="r" b="b"/>
+            <a:pathLst>
+              <a:path w="2265453" h="6858000">
+                <a:moveTo>
+                  <a:pt x="1117108" y="0"/>
+                </a:moveTo>
+                <a:lnTo>
+                  <a:pt x="1099628" y="0"/>
+                </a:lnTo>
+                <a:lnTo>
+                  <a:pt x="1175238" y="82371"/>
+                </a:lnTo>
+                <a:cubicBezTo>
+                  <a:pt x="1926546" y="957940"/>
+                  <a:pt x="2303836" y="2277119"/>
+                  <a:pt x="2240276" y="3734791"/>
+                </a:cubicBezTo>
+                <a:cubicBezTo>
+                  <a:pt x="2176522" y="5196911"/>
+                  <a:pt x="1237280" y="5841173"/>
+                  <a:pt x="274951" y="6634678"/>
+                </a:cubicBezTo>
+                <a:cubicBezTo>
+                  <a:pt x="187328" y="6706930"/>
+                  <a:pt x="100126" y="6778421"/>
+                  <a:pt x="12802" y="6848127"/>
+                </a:cubicBezTo>
+                <a:lnTo>
+                  <a:pt x="0" y="6858000"/>
+                </a:lnTo>
+                <a:lnTo>
+                  <a:pt x="19410" y="6858000"/>
+                </a:lnTo>
+                <a:lnTo>
+                  <a:pt x="31082" y="6848998"/>
+                </a:lnTo>
+                <a:cubicBezTo>
+                  <a:pt x="118405" y="6779292"/>
+                  <a:pt x="205608" y="6707801"/>
+                  <a:pt x="293230" y="6635549"/>
+                </a:cubicBezTo>
+                <a:cubicBezTo>
+                  <a:pt x="1255560" y="5842045"/>
+                  <a:pt x="2194802" y="5197782"/>
+                  <a:pt x="2258555" y="3735662"/>
+                </a:cubicBezTo>
+                <a:cubicBezTo>
+                  <a:pt x="2322115" y="2277991"/>
+                  <a:pt x="1944825" y="958811"/>
+                  <a:pt x="1193518" y="83243"/>
+                </a:cubicBezTo>
+                <a:close/>
+              </a:path>
+            </a:pathLst>
+          </a:custGeom>
+          <a:solidFill>
+            <a:srgbClr val="FFFFFF"/>
+          </a:solidFill>
+          <a:ln>
+            <a:noFill/>
+          </a:ln>
+        </p:spPr>
+        <p:style>
+          <a:lnRef idx="2">
+            <a:schemeClr val="accent1">
+              <a:shade val="50000"/>
+            </a:schemeClr>
+          </a:lnRef>
+          <a:fillRef idx="1">
+            <a:schemeClr val="accent1"/>
+          </a:fillRef>
+          <a:effectRef idx="0">
+            <a:schemeClr val="accent1"/>
+          </a:effectRef>
+          <a:fontRef idx="minor">
+            <a:schemeClr val="lt1"/>
+          </a:fontRef>
+        </p:style>
+        <p:txBody>
+          <a:bodyPr wrap="square" rtlCol="0" anchor="ctr">
+            <a:noAutofit/>
+          </a:bodyPr>
+          <a:lstStyle/>
+          <a:p>
+            <a:pPr marL="0" marR="0" lvl="0" indent="0" algn="ctr" defTabSz="457200" rtl="0" eaLnBrk="1" fontAlgn="auto" latinLnBrk="0" hangingPunct="1">
+              <a:lnSpc>
+                <a:spcPct val="100000"/>
+              </a:lnSpc>
+              <a:spcBef>
+                <a:spcPts val="0"/>
+              </a:spcBef>
+              <a:spcAft>
+                <a:spcPts val="0"/>
+              </a:spcAft>
+              <a:buClrTx/>
+              <a:buSzTx/>
+              <a:buFontTx/>
+              <a:buNone/>
+              <a:tabLst/>
+              <a:defRPr/>
+            </a:pPr>
+            <a:endParaRPr kumimoji="0" lang="en-US" sz="1800" b="0" i="0" u="none" strike="noStrike" kern="1200" cap="none" spc="0" normalizeH="0" baseline="0" noProof="0" dirty="0">
+              <a:ln>
+                <a:noFill/>
+              </a:ln>
+              <a:solidFill>
+                <a:prstClr val="white"/>
+              </a:solidFill>
+              <a:effectLst/>
+              <a:uLnTx/>
+              <a:uFillTx/>
+              <a:latin typeface="Meiryo"/>
+              <a:ea typeface="+mn-ea"/>
+              <a:cs typeface="+mn-cs"/>
+            </a:endParaRPr>
+          </a:p>
+        </p:txBody>
+      </p:sp>
+      <p:sp>
+        <p:nvSpPr>
+          <p:cNvPr id="74" name="Freeform: Shape 73">
+            <a:extLst>
+              <a:ext uri="{FF2B5EF4-FFF2-40B4-BE49-F238E27FC236}">
+                <a16:creationId xmlns:a16="http://schemas.microsoft.com/office/drawing/2014/main" id="{BC87DA9F-8DB2-4D48-8716-A928FBB8A5D2}"/>
+              </a:ext>
+              <a:ext uri="{C183D7F6-B498-43B3-948B-1728B52AA6E4}">
+                <adec:decorative xmlns:adec="http://schemas.microsoft.com/office/drawing/2017/decorative" val="1"/>
+              </a:ext>
+            </a:extLst>
+          </p:cNvPr>
+          <p:cNvSpPr>
+            <a:spLocks noGrp="1" noRot="1" noChangeAspect="1" noMove="1" noResize="1" noEditPoints="1" noAdjustHandles="1" noChangeArrowheads="1" noChangeShapeType="1" noTextEdit="1"/>
+          </p:cNvSpPr>
+          <p:nvPr>
+            <p:extLst>
+              <p:ext uri="{386F3935-93C4-4BCD-93E2-E3B085C9AB24}">
+                <p16:designElem xmlns:p16="http://schemas.microsoft.com/office/powerpoint/2015/main" val="1"/>
+              </p:ext>
+            </p:extLst>
+          </p:nvPr>
+        </p:nvSpPr>
+        <p:spPr>
+          <a:xfrm flipH="1">
+            <a:off x="811033" y="0"/>
+            <a:ext cx="2486322" cy="6858000"/>
+          </a:xfrm>
+          <a:custGeom>
+            <a:avLst/>
+            <a:gdLst>
+              <a:gd name="connsiteX0" fmla="*/ 879731 w 2521425"/>
+              <a:gd name="connsiteY0" fmla="*/ 0 h 6858000"/>
+              <a:gd name="connsiteX1" fmla="*/ 898402 w 2521425"/>
+              <a:gd name="connsiteY1" fmla="*/ 0 h 6858000"/>
+              <a:gd name="connsiteX2" fmla="*/ 920526 w 2521425"/>
+              <a:gd name="connsiteY2" fmla="*/ 14997 h 6858000"/>
+              <a:gd name="connsiteX3" fmla="*/ 2521425 w 2521425"/>
+              <a:gd name="connsiteY3" fmla="*/ 3621656 h 6858000"/>
+              <a:gd name="connsiteX4" fmla="*/ 647075 w 2521425"/>
+              <a:gd name="connsiteY4" fmla="*/ 6374814 h 6858000"/>
+              <a:gd name="connsiteX5" fmla="*/ 130427 w 2521425"/>
+              <a:gd name="connsiteY5" fmla="*/ 6780599 h 6858000"/>
+              <a:gd name="connsiteX6" fmla="*/ 18671 w 2521425"/>
+              <a:gd name="connsiteY6" fmla="*/ 6858000 h 6858000"/>
+              <a:gd name="connsiteX7" fmla="*/ 0 w 2521425"/>
+              <a:gd name="connsiteY7" fmla="*/ 6858000 h 6858000"/>
+              <a:gd name="connsiteX8" fmla="*/ 111756 w 2521425"/>
+              <a:gd name="connsiteY8" fmla="*/ 6780599 h 6858000"/>
+              <a:gd name="connsiteX9" fmla="*/ 628404 w 2521425"/>
+              <a:gd name="connsiteY9" fmla="*/ 6374814 h 6858000"/>
+              <a:gd name="connsiteX10" fmla="*/ 2502754 w 2521425"/>
+              <a:gd name="connsiteY10" fmla="*/ 3621656 h 6858000"/>
+              <a:gd name="connsiteX11" fmla="*/ 901855 w 2521425"/>
+              <a:gd name="connsiteY11" fmla="*/ 14997 h 6858000"/>
+            </a:gdLst>
+            <a:ahLst/>
+            <a:cxnLst>
+              <a:cxn ang="0">
+                <a:pos x="connsiteX0" y="connsiteY0"/>
+              </a:cxn>
+              <a:cxn ang="0">
+                <a:pos x="connsiteX1" y="connsiteY1"/>
+              </a:cxn>
+              <a:cxn ang="0">
+                <a:pos x="connsiteX2" y="connsiteY2"/>
+              </a:cxn>
+              <a:cxn ang="0">
+                <a:pos x="connsiteX3" y="connsiteY3"/>
+              </a:cxn>
+              <a:cxn ang="0">
+                <a:pos x="connsiteX4" y="connsiteY4"/>
+              </a:cxn>
+              <a:cxn ang="0">
+                <a:pos x="connsiteX5" y="connsiteY5"/>
+              </a:cxn>
+              <a:cxn ang="0">
+                <a:pos x="connsiteX6" y="connsiteY6"/>
+              </a:cxn>
+              <a:cxn ang="0">
+                <a:pos x="connsiteX7" y="connsiteY7"/>
+              </a:cxn>
+              <a:cxn ang="0">
+                <a:pos x="connsiteX8" y="connsiteY8"/>
+              </a:cxn>
+              <a:cxn ang="0">
+                <a:pos x="connsiteX9" y="connsiteY9"/>
+              </a:cxn>
+              <a:cxn ang="0">
+                <a:pos x="connsiteX10" y="connsiteY10"/>
+              </a:cxn>
+              <a:cxn ang="0">
+                <a:pos x="connsiteX11" y="connsiteY11"/>
+              </a:cxn>
+            </a:cxnLst>
+            <a:rect l="l" t="t" r="r" b="b"/>
+            <a:pathLst>
+              <a:path w="2521425" h="6858000">
+                <a:moveTo>
+                  <a:pt x="879731" y="0"/>
+                </a:moveTo>
+                <a:lnTo>
+                  <a:pt x="898402" y="0"/>
+                </a:lnTo>
+                <a:lnTo>
+                  <a:pt x="920526" y="14997"/>
+                </a:lnTo>
+                <a:cubicBezTo>
+                  <a:pt x="1947689" y="754641"/>
+                  <a:pt x="2521425" y="2093192"/>
+                  <a:pt x="2521425" y="3621656"/>
+                </a:cubicBezTo>
+                <a:cubicBezTo>
+                  <a:pt x="2521425" y="4969131"/>
+                  <a:pt x="1592700" y="5602839"/>
+                  <a:pt x="647075" y="6374814"/>
+                </a:cubicBezTo>
+                <a:cubicBezTo>
+                  <a:pt x="474872" y="6515397"/>
+                  <a:pt x="304245" y="6653108"/>
+                  <a:pt x="130427" y="6780599"/>
+                </a:cubicBezTo>
+                <a:lnTo>
+                  <a:pt x="18671" y="6858000"/>
+                </a:lnTo>
+                <a:lnTo>
+                  <a:pt x="0" y="6858000"/>
+                </a:lnTo>
+                <a:lnTo>
+                  <a:pt x="111756" y="6780599"/>
+                </a:lnTo>
+                <a:cubicBezTo>
+                  <a:pt x="285574" y="6653108"/>
+                  <a:pt x="456201" y="6515397"/>
+                  <a:pt x="628404" y="6374814"/>
+                </a:cubicBezTo>
+                <a:cubicBezTo>
+                  <a:pt x="1574029" y="5602839"/>
+                  <a:pt x="2502754" y="4969131"/>
+                  <a:pt x="2502754" y="3621656"/>
+                </a:cubicBezTo>
+                <a:cubicBezTo>
+                  <a:pt x="2502754" y="2093192"/>
+                  <a:pt x="1929018" y="754641"/>
+                  <a:pt x="901855" y="14997"/>
+                </a:cubicBezTo>
+                <a:close/>
+              </a:path>
+            </a:pathLst>
+          </a:custGeom>
+          <a:solidFill>
+            <a:srgbClr val="FFFFFF"/>
+          </a:solidFill>
+          <a:ln>
+            <a:noFill/>
+          </a:ln>
+        </p:spPr>
+        <p:style>
+          <a:lnRef idx="2">
+            <a:schemeClr val="accent1">
+              <a:shade val="50000"/>
+            </a:schemeClr>
+          </a:lnRef>
+          <a:fillRef idx="1">
+            <a:schemeClr val="accent1"/>
+          </a:fillRef>
+          <a:effectRef idx="0">
+            <a:schemeClr val="accent1"/>
+          </a:effectRef>
+          <a:fontRef idx="minor">
+            <a:schemeClr val="lt1"/>
+          </a:fontRef>
+        </p:style>
+        <p:txBody>
+          <a:bodyPr wrap="square" rtlCol="0" anchor="ctr">
+            <a:noAutofit/>
+          </a:bodyPr>
+          <a:lstStyle/>
+          <a:p>
+            <a:pPr marL="0" marR="0" lvl="0" indent="0" algn="ctr" defTabSz="914400" rtl="0" eaLnBrk="1" fontAlgn="auto" latinLnBrk="0" hangingPunct="1">
+              <a:lnSpc>
+                <a:spcPct val="100000"/>
+              </a:lnSpc>
+              <a:spcBef>
+                <a:spcPts val="0"/>
+              </a:spcBef>
+              <a:spcAft>
+                <a:spcPts val="0"/>
+              </a:spcAft>
+              <a:buClrTx/>
+              <a:buSzTx/>
+              <a:buFontTx/>
+              <a:buNone/>
+              <a:tabLst/>
+              <a:defRPr/>
+            </a:pPr>
+            <a:endParaRPr kumimoji="0" lang="en-US" sz="1800" b="0" i="0" u="none" strike="noStrike" kern="1200" cap="none" spc="0" normalizeH="0" baseline="0" noProof="0" dirty="0">
+              <a:ln>
+                <a:noFill/>
+              </a:ln>
+              <a:solidFill>
+                <a:prstClr val="white"/>
+              </a:solidFill>
+              <a:effectLst/>
+              <a:uLnTx/>
+              <a:uFillTx/>
+              <a:latin typeface="Meiryo"/>
+              <a:ea typeface="+mn-ea"/>
+              <a:cs typeface="+mn-cs"/>
+            </a:endParaRPr>
+          </a:p>
+        </p:txBody>
+      </p:sp>
+      <p:sp>
+        <p:nvSpPr>
+          <p:cNvPr id="76" name="Freeform: Shape 75">
+            <a:extLst>
+              <a:ext uri="{FF2B5EF4-FFF2-40B4-BE49-F238E27FC236}">
+                <a16:creationId xmlns:a16="http://schemas.microsoft.com/office/drawing/2014/main" id="{195EA065-AC5D-431D-927E-87FF05884866}"/>
+              </a:ext>
+              <a:ext uri="{C183D7F6-B498-43B3-948B-1728B52AA6E4}">
+                <adec:decorative xmlns:adec="http://schemas.microsoft.com/office/drawing/2017/decorative" val="1"/>
+              </a:ext>
+            </a:extLst>
+          </p:cNvPr>
+          <p:cNvSpPr>
+            <a:spLocks noGrp="1" noRot="1" noChangeAspect="1" noMove="1" noResize="1" noEditPoints="1" noAdjustHandles="1" noChangeArrowheads="1" noChangeShapeType="1" noTextEdit="1"/>
+          </p:cNvSpPr>
+          <p:nvPr>
+            <p:extLst>
+              <p:ext uri="{386F3935-93C4-4BCD-93E2-E3B085C9AB24}">
+                <p16:designElem xmlns:p16="http://schemas.microsoft.com/office/powerpoint/2015/main" val="1"/>
+              </p:ext>
+            </p:extLst>
+          </p:nvPr>
+        </p:nvSpPr>
+        <p:spPr>
+          <a:xfrm>
+            <a:off x="8696194" y="0"/>
+            <a:ext cx="2529723" cy="6858000"/>
+          </a:xfrm>
+          <a:custGeom>
+            <a:avLst/>
+            <a:gdLst>
+              <a:gd name="connsiteX0" fmla="*/ 1258269 w 2529723"/>
+              <a:gd name="connsiteY0" fmla="*/ 0 h 6858000"/>
+              <a:gd name="connsiteX1" fmla="*/ 1275627 w 2529723"/>
+              <a:gd name="connsiteY1" fmla="*/ 0 h 6858000"/>
+              <a:gd name="connsiteX2" fmla="*/ 1302560 w 2529723"/>
+              <a:gd name="connsiteY2" fmla="*/ 24338 h 6858000"/>
+              <a:gd name="connsiteX3" fmla="*/ 2522825 w 2529723"/>
+              <a:gd name="connsiteY3" fmla="*/ 3678515 h 6858000"/>
+              <a:gd name="connsiteX4" fmla="*/ 557500 w 2529723"/>
+              <a:gd name="connsiteY4" fmla="*/ 6451411 h 6858000"/>
+              <a:gd name="connsiteX5" fmla="*/ 32482 w 2529723"/>
+              <a:gd name="connsiteY5" fmla="*/ 6849373 h 6858000"/>
+              <a:gd name="connsiteX6" fmla="*/ 19531 w 2529723"/>
+              <a:gd name="connsiteY6" fmla="*/ 6858000 h 6858000"/>
+              <a:gd name="connsiteX7" fmla="*/ 0 w 2529723"/>
+              <a:gd name="connsiteY7" fmla="*/ 6858000 h 6858000"/>
+              <a:gd name="connsiteX8" fmla="*/ 14202 w 2529723"/>
+              <a:gd name="connsiteY8" fmla="*/ 6848540 h 6858000"/>
+              <a:gd name="connsiteX9" fmla="*/ 539221 w 2529723"/>
+              <a:gd name="connsiteY9" fmla="*/ 6450578 h 6858000"/>
+              <a:gd name="connsiteX10" fmla="*/ 2504546 w 2529723"/>
+              <a:gd name="connsiteY10" fmla="*/ 3677682 h 6858000"/>
+              <a:gd name="connsiteX11" fmla="*/ 1284280 w 2529723"/>
+              <a:gd name="connsiteY11" fmla="*/ 23504 h 6858000"/>
+            </a:gdLst>
+            <a:ahLst/>
+            <a:cxnLst>
+              <a:cxn ang="0">
+                <a:pos x="connsiteX0" y="connsiteY0"/>
+              </a:cxn>
+              <a:cxn ang="0">
+                <a:pos x="connsiteX1" y="connsiteY1"/>
+              </a:cxn>
+              <a:cxn ang="0">
+                <a:pos x="connsiteX2" y="connsiteY2"/>
+              </a:cxn>
+              <a:cxn ang="0">
+                <a:pos x="connsiteX3" y="connsiteY3"/>
+              </a:cxn>
+              <a:cxn ang="0">
+                <a:pos x="connsiteX4" y="connsiteY4"/>
+              </a:cxn>
+              <a:cxn ang="0">
+                <a:pos x="connsiteX5" y="connsiteY5"/>
+              </a:cxn>
+              <a:cxn ang="0">
+                <a:pos x="connsiteX6" y="connsiteY6"/>
+              </a:cxn>
+              <a:cxn ang="0">
+                <a:pos x="connsiteX7" y="connsiteY7"/>
+              </a:cxn>
+              <a:cxn ang="0">
+                <a:pos x="connsiteX8" y="connsiteY8"/>
+              </a:cxn>
+              <a:cxn ang="0">
+                <a:pos x="connsiteX9" y="connsiteY9"/>
+              </a:cxn>
+              <a:cxn ang="0">
+                <a:pos x="connsiteX10" y="connsiteY10"/>
+              </a:cxn>
+              <a:cxn ang="0">
+                <a:pos x="connsiteX11" y="connsiteY11"/>
+              </a:cxn>
+            </a:cxnLst>
+            <a:rect l="l" t="t" r="r" b="b"/>
+            <a:pathLst>
+              <a:path w="2529723" h="6858000">
+                <a:moveTo>
+                  <a:pt x="1258269" y="0"/>
+                </a:moveTo>
+                <a:lnTo>
+                  <a:pt x="1275627" y="0"/>
+                </a:lnTo>
+                <a:lnTo>
+                  <a:pt x="1302560" y="24338"/>
+                </a:lnTo>
+                <a:cubicBezTo>
+                  <a:pt x="2156831" y="855667"/>
+                  <a:pt x="2590622" y="2191755"/>
+                  <a:pt x="2522825" y="3678515"/>
+                </a:cubicBezTo>
+                <a:cubicBezTo>
+                  <a:pt x="2459072" y="5076606"/>
+                  <a:pt x="1519830" y="5692656"/>
+                  <a:pt x="557500" y="6451411"/>
+                </a:cubicBezTo>
+                <a:cubicBezTo>
+                  <a:pt x="382255" y="6589587"/>
+                  <a:pt x="208689" y="6724853"/>
+                  <a:pt x="32482" y="6849373"/>
+                </a:cubicBezTo>
+                <a:lnTo>
+                  <a:pt x="19531" y="6858000"/>
+                </a:lnTo>
+                <a:lnTo>
+                  <a:pt x="0" y="6858000"/>
+                </a:lnTo>
+                <a:lnTo>
+                  <a:pt x="14202" y="6848540"/>
+                </a:lnTo>
+                <a:cubicBezTo>
+                  <a:pt x="190409" y="6724020"/>
+                  <a:pt x="363976" y="6588754"/>
+                  <a:pt x="539221" y="6450578"/>
+                </a:cubicBezTo>
+                <a:cubicBezTo>
+                  <a:pt x="1501550" y="5691822"/>
+                  <a:pt x="2440792" y="5075773"/>
+                  <a:pt x="2504546" y="3677682"/>
+                </a:cubicBezTo>
+                <a:cubicBezTo>
+                  <a:pt x="2572343" y="2190921"/>
+                  <a:pt x="2138551" y="854834"/>
+                  <a:pt x="1284280" y="23504"/>
+                </a:cubicBezTo>
+                <a:close/>
+              </a:path>
+            </a:pathLst>
+          </a:custGeom>
+          <a:solidFill>
+            <a:srgbClr val="FFFFFF"/>
+          </a:solidFill>
+          <a:ln>
+            <a:noFill/>
+          </a:ln>
+        </p:spPr>
+        <p:style>
+          <a:lnRef idx="2">
+            <a:schemeClr val="accent1">
+              <a:shade val="50000"/>
+            </a:schemeClr>
+          </a:lnRef>
+          <a:fillRef idx="1">
+            <a:schemeClr val="accent1"/>
+          </a:fillRef>
+          <a:effectRef idx="0">
+            <a:schemeClr val="accent1"/>
+          </a:effectRef>
+          <a:fontRef idx="minor">
+            <a:schemeClr val="lt1"/>
+          </a:fontRef>
+        </p:style>
+        <p:txBody>
+          <a:bodyPr wrap="square" rtlCol="0" anchor="ctr">
+            <a:noAutofit/>
+          </a:bodyPr>
+          <a:lstStyle/>
+          <a:p>
+            <a:pPr marL="0" marR="0" lvl="0" indent="0" algn="ctr" defTabSz="457200" rtl="0" eaLnBrk="1" fontAlgn="auto" latinLnBrk="0" hangingPunct="1">
+              <a:lnSpc>
+                <a:spcPct val="100000"/>
+              </a:lnSpc>
+              <a:spcBef>
+                <a:spcPts val="0"/>
+              </a:spcBef>
+              <a:spcAft>
+                <a:spcPts val="0"/>
+              </a:spcAft>
+              <a:buClrTx/>
+              <a:buSzTx/>
+              <a:buFontTx/>
+              <a:buNone/>
+              <a:tabLst/>
+              <a:defRPr/>
+            </a:pPr>
+            <a:endParaRPr kumimoji="0" lang="en-US" sz="1800" b="0" i="0" u="none" strike="noStrike" kern="1200" cap="none" spc="0" normalizeH="0" baseline="0" noProof="0" dirty="0">
+              <a:ln>
+                <a:noFill/>
+              </a:ln>
+              <a:solidFill>
+                <a:prstClr val="white"/>
+              </a:solidFill>
+              <a:effectLst/>
+              <a:uLnTx/>
+              <a:uFillTx/>
+              <a:latin typeface="Meiryo"/>
+              <a:ea typeface="+mn-ea"/>
+              <a:cs typeface="+mn-cs"/>
+            </a:endParaRPr>
+          </a:p>
+        </p:txBody>
+      </p:sp>
+      <p:sp>
+        <p:nvSpPr>
+          <p:cNvPr id="78" name="Freeform: Shape 77">
+            <a:extLst>
+              <a:ext uri="{FF2B5EF4-FFF2-40B4-BE49-F238E27FC236}">
+                <a16:creationId xmlns:a16="http://schemas.microsoft.com/office/drawing/2014/main" id="{46934B3C-D73F-4CD0-95B1-0244D662D1C7}"/>
+              </a:ext>
+              <a:ext uri="{C183D7F6-B498-43B3-948B-1728B52AA6E4}">
+                <adec:decorative xmlns:adec="http://schemas.microsoft.com/office/drawing/2017/decorative" val="1"/>
+              </a:ext>
+            </a:extLst>
+          </p:cNvPr>
+          <p:cNvSpPr>
+            <a:spLocks noGrp="1" noRot="1" noChangeAspect="1" noMove="1" noResize="1" noEditPoints="1" noAdjustHandles="1" noChangeArrowheads="1" noChangeShapeType="1" noTextEdit="1"/>
+          </p:cNvSpPr>
+          <p:nvPr>
+            <p:extLst>
+              <p:ext uri="{386F3935-93C4-4BCD-93E2-E3B085C9AB24}">
+                <p16:designElem xmlns:p16="http://schemas.microsoft.com/office/powerpoint/2015/main" val="1"/>
+              </p:ext>
+            </p:extLst>
+          </p:nvPr>
+        </p:nvSpPr>
+        <p:spPr>
+          <a:xfrm>
+            <a:off x="8523292" y="0"/>
+            <a:ext cx="2486322" cy="6858000"/>
+          </a:xfrm>
+          <a:custGeom>
+            <a:avLst/>
+            <a:gdLst>
+              <a:gd name="connsiteX0" fmla="*/ 879731 w 2521425"/>
+              <a:gd name="connsiteY0" fmla="*/ 0 h 6858000"/>
+              <a:gd name="connsiteX1" fmla="*/ 898402 w 2521425"/>
+              <a:gd name="connsiteY1" fmla="*/ 0 h 6858000"/>
+              <a:gd name="connsiteX2" fmla="*/ 920526 w 2521425"/>
+              <a:gd name="connsiteY2" fmla="*/ 14997 h 6858000"/>
+              <a:gd name="connsiteX3" fmla="*/ 2521425 w 2521425"/>
+              <a:gd name="connsiteY3" fmla="*/ 3621656 h 6858000"/>
+              <a:gd name="connsiteX4" fmla="*/ 647075 w 2521425"/>
+              <a:gd name="connsiteY4" fmla="*/ 6374814 h 6858000"/>
+              <a:gd name="connsiteX5" fmla="*/ 130427 w 2521425"/>
+              <a:gd name="connsiteY5" fmla="*/ 6780599 h 6858000"/>
+              <a:gd name="connsiteX6" fmla="*/ 18671 w 2521425"/>
+              <a:gd name="connsiteY6" fmla="*/ 6858000 h 6858000"/>
+              <a:gd name="connsiteX7" fmla="*/ 0 w 2521425"/>
+              <a:gd name="connsiteY7" fmla="*/ 6858000 h 6858000"/>
+              <a:gd name="connsiteX8" fmla="*/ 111756 w 2521425"/>
+              <a:gd name="connsiteY8" fmla="*/ 6780599 h 6858000"/>
+              <a:gd name="connsiteX9" fmla="*/ 628404 w 2521425"/>
+              <a:gd name="connsiteY9" fmla="*/ 6374814 h 6858000"/>
+              <a:gd name="connsiteX10" fmla="*/ 2502754 w 2521425"/>
+              <a:gd name="connsiteY10" fmla="*/ 3621656 h 6858000"/>
+              <a:gd name="connsiteX11" fmla="*/ 901855 w 2521425"/>
+              <a:gd name="connsiteY11" fmla="*/ 14997 h 6858000"/>
+            </a:gdLst>
+            <a:ahLst/>
+            <a:cxnLst>
+              <a:cxn ang="0">
+                <a:pos x="connsiteX0" y="connsiteY0"/>
+              </a:cxn>
+              <a:cxn ang="0">
+                <a:pos x="connsiteX1" y="connsiteY1"/>
+              </a:cxn>
+              <a:cxn ang="0">
+                <a:pos x="connsiteX2" y="connsiteY2"/>
+              </a:cxn>
+              <a:cxn ang="0">
+                <a:pos x="connsiteX3" y="connsiteY3"/>
+              </a:cxn>
+              <a:cxn ang="0">
+                <a:pos x="connsiteX4" y="connsiteY4"/>
+              </a:cxn>
+              <a:cxn ang="0">
+                <a:pos x="connsiteX5" y="connsiteY5"/>
+              </a:cxn>
+              <a:cxn ang="0">
+                <a:pos x="connsiteX6" y="connsiteY6"/>
+              </a:cxn>
+              <a:cxn ang="0">
+                <a:pos x="connsiteX7" y="connsiteY7"/>
+              </a:cxn>
+              <a:cxn ang="0">
+                <a:pos x="connsiteX8" y="connsiteY8"/>
+              </a:cxn>
+              <a:cxn ang="0">
+                <a:pos x="connsiteX9" y="connsiteY9"/>
+              </a:cxn>
+              <a:cxn ang="0">
+                <a:pos x="connsiteX10" y="connsiteY10"/>
+              </a:cxn>
+              <a:cxn ang="0">
+                <a:pos x="connsiteX11" y="connsiteY11"/>
+              </a:cxn>
+            </a:cxnLst>
+            <a:rect l="l" t="t" r="r" b="b"/>
+            <a:pathLst>
+              <a:path w="2521425" h="6858000">
+                <a:moveTo>
+                  <a:pt x="879731" y="0"/>
+                </a:moveTo>
+                <a:lnTo>
+                  <a:pt x="898402" y="0"/>
+                </a:lnTo>
+                <a:lnTo>
+                  <a:pt x="920526" y="14997"/>
+                </a:lnTo>
+                <a:cubicBezTo>
+                  <a:pt x="1947689" y="754641"/>
+                  <a:pt x="2521425" y="2093192"/>
+                  <a:pt x="2521425" y="3621656"/>
+                </a:cubicBezTo>
+                <a:cubicBezTo>
+                  <a:pt x="2521425" y="4969131"/>
+                  <a:pt x="1592700" y="5602839"/>
+                  <a:pt x="647075" y="6374814"/>
+                </a:cubicBezTo>
+                <a:cubicBezTo>
+                  <a:pt x="474872" y="6515397"/>
+                  <a:pt x="304245" y="6653108"/>
+                  <a:pt x="130427" y="6780599"/>
+                </a:cubicBezTo>
+                <a:lnTo>
+                  <a:pt x="18671" y="6858000"/>
+                </a:lnTo>
+                <a:lnTo>
+                  <a:pt x="0" y="6858000"/>
+                </a:lnTo>
+                <a:lnTo>
+                  <a:pt x="111756" y="6780599"/>
+                </a:lnTo>
+                <a:cubicBezTo>
+                  <a:pt x="285574" y="6653108"/>
+                  <a:pt x="456201" y="6515397"/>
+                  <a:pt x="628404" y="6374814"/>
+                </a:cubicBezTo>
+                <a:cubicBezTo>
+                  <a:pt x="1574029" y="5602839"/>
+                  <a:pt x="2502754" y="4969131"/>
+                  <a:pt x="2502754" y="3621656"/>
+                </a:cubicBezTo>
+                <a:cubicBezTo>
+                  <a:pt x="2502754" y="2093192"/>
+                  <a:pt x="1929018" y="754641"/>
+                  <a:pt x="901855" y="14997"/>
+                </a:cubicBezTo>
+                <a:close/>
+              </a:path>
+            </a:pathLst>
+          </a:custGeom>
+          <a:solidFill>
+            <a:srgbClr val="FFFFFF"/>
+          </a:solidFill>
+          <a:ln>
+            <a:noFill/>
+          </a:ln>
+        </p:spPr>
+        <p:style>
+          <a:lnRef idx="2">
+            <a:schemeClr val="accent1">
+              <a:shade val="50000"/>
+            </a:schemeClr>
+          </a:lnRef>
+          <a:fillRef idx="1">
+            <a:schemeClr val="accent1"/>
+          </a:fillRef>
+          <a:effectRef idx="0">
+            <a:schemeClr val="accent1"/>
+          </a:effectRef>
+          <a:fontRef idx="minor">
+            <a:schemeClr val="lt1"/>
+          </a:fontRef>
+        </p:style>
+        <p:txBody>
+          <a:bodyPr wrap="square" rtlCol="0" anchor="ctr">
+            <a:noAutofit/>
+          </a:bodyPr>
+          <a:lstStyle/>
+          <a:p>
+            <a:pPr marL="0" marR="0" lvl="0" indent="0" algn="ctr" defTabSz="914400" rtl="0" eaLnBrk="1" fontAlgn="auto" latinLnBrk="0" hangingPunct="1">
+              <a:lnSpc>
+                <a:spcPct val="100000"/>
+              </a:lnSpc>
+              <a:spcBef>
+                <a:spcPts val="0"/>
+              </a:spcBef>
+              <a:spcAft>
+                <a:spcPts val="0"/>
+              </a:spcAft>
+              <a:buClrTx/>
+              <a:buSzTx/>
+              <a:buFontTx/>
+              <a:buNone/>
+              <a:tabLst/>
+              <a:defRPr/>
+            </a:pPr>
+            <a:endParaRPr kumimoji="0" lang="en-US" sz="1800" b="0" i="0" u="none" strike="noStrike" kern="1200" cap="none" spc="0" normalizeH="0" baseline="0" noProof="0" dirty="0">
+              <a:ln>
+                <a:noFill/>
+              </a:ln>
+              <a:solidFill>
+                <a:prstClr val="white"/>
+              </a:solidFill>
+              <a:effectLst/>
+              <a:uLnTx/>
+              <a:uFillTx/>
+              <a:latin typeface="Meiryo"/>
+              <a:ea typeface="+mn-ea"/>
+              <a:cs typeface="+mn-cs"/>
+            </a:endParaRPr>
+          </a:p>
+        </p:txBody>
+      </p:sp>
+      <p:sp>
+        <p:nvSpPr>
+          <p:cNvPr id="2" name="Title 1">
+            <a:extLst>
+              <a:ext uri="{FF2B5EF4-FFF2-40B4-BE49-F238E27FC236}">
+                <a16:creationId xmlns:a16="http://schemas.microsoft.com/office/drawing/2014/main" id="{6CE9F476-F7E4-81EA-498A-A011A78BD3FC}"/>
+              </a:ext>
+            </a:extLst>
+          </p:cNvPr>
+          <p:cNvSpPr>
+            <a:spLocks noGrp="1"/>
+          </p:cNvSpPr>
+          <p:nvPr>
+            <p:ph type="title"/>
+          </p:nvPr>
+        </p:nvSpPr>
+        <p:spPr>
+          <a:xfrm>
+            <a:off x="1743607" y="4887401"/>
+            <a:ext cx="8394306" cy="1396053"/>
+          </a:xfrm>
+        </p:spPr>
+        <p:txBody>
+          <a:bodyPr vert="horz" lIns="109728" tIns="109728" rIns="109728" bIns="91440" rtlCol="0" anchor="b">
+            <a:normAutofit/>
+          </a:bodyPr>
+          <a:lstStyle/>
+          <a:p>
+            <a:pPr algn="ctr">
+              <a:lnSpc>
+                <a:spcPct val="120000"/>
+              </a:lnSpc>
+            </a:pPr>
+            <a:r>
+              <a:rPr lang="en-US" sz="5400" dirty="0">
+                <a:solidFill>
+                  <a:schemeClr val="tx1">
+                    <a:lumMod val="85000"/>
+                    <a:lumOff val="15000"/>
+                  </a:schemeClr>
+                </a:solidFill>
+              </a:rPr>
+              <a:t>Flowchart</a:t>
+            </a:r>
+          </a:p>
+        </p:txBody>
+      </p:sp>
+      <p:pic>
+        <p:nvPicPr>
+          <p:cNvPr id="5" name="Content Placeholder 4" descr="A diagram of a login and register&#10;&#10;Description automatically generated">
+            <a:extLst>
+              <a:ext uri="{FF2B5EF4-FFF2-40B4-BE49-F238E27FC236}">
+                <a16:creationId xmlns:a16="http://schemas.microsoft.com/office/drawing/2014/main" id="{168696D5-7828-D86C-F203-516B2B226106}"/>
+              </a:ext>
+            </a:extLst>
+          </p:cNvPr>
+          <p:cNvPicPr>
+            <a:picLocks noGrp="1" noChangeAspect="1"/>
+          </p:cNvPicPr>
+          <p:nvPr>
+            <p:ph idx="1"/>
+          </p:nvPr>
+        </p:nvPicPr>
+        <p:blipFill>
+          <a:blip r:embed="rId2">
+            <a:extLst>
+              <a:ext uri="{28A0092B-C50C-407E-A947-70E740481C1C}">
+                <a14:useLocalDpi xmlns:a14="http://schemas.microsoft.com/office/drawing/2010/main" val="0"/>
+              </a:ext>
+            </a:extLst>
+          </a:blip>
+          <a:stretch>
+            <a:fillRect/>
+          </a:stretch>
+        </p:blipFill>
+        <p:spPr>
+          <a:xfrm>
+            <a:off x="2792019" y="304373"/>
+            <a:ext cx="6607962" cy="4278655"/>
+          </a:xfrm>
+          <a:prstGeom prst="rect">
+            <a:avLst/>
+          </a:prstGeom>
+        </p:spPr>
+      </p:pic>
+    </p:spTree>
+    <p:extLst>
+      <p:ext uri="{BB962C8B-B14F-4D97-AF65-F5344CB8AC3E}">
+        <p14:creationId xmlns:p14="http://schemas.microsoft.com/office/powerpoint/2010/main" val="395456314"/>
+      </p:ext>
+    </p:extLst>
+  </p:cSld>
+  <p:clrMapOvr>
+    <a:masterClrMapping/>
+  </p:clrMapOvr>
+</p:sld>
+</file>
+
+<file path=ppt/slides/slide11.xml><?xml version="1.0" encoding="utf-8"?>
+<p:sld xmlns:a="http://schemas.openxmlformats.org/drawingml/2006/main" xmlns:r="http://schemas.openxmlformats.org/officeDocument/2006/relationships" xmlns:p="http://schemas.openxmlformats.org/presentationml/2006/main">
+  <p:cSld>
+    <p:spTree>
+      <p:nvGrpSpPr>
+        <p:cNvPr id="1" name=""/>
+        <p:cNvGrpSpPr/>
+        <p:nvPr/>
+      </p:nvGrpSpPr>
+      <p:grpSpPr>
+        <a:xfrm>
+          <a:off x="0" y="0"/>
+          <a:ext cx="0" cy="0"/>
+          <a:chOff x="0" y="0"/>
+          <a:chExt cx="0" cy="0"/>
+        </a:xfrm>
+      </p:grpSpPr>
+      <p:sp>
+        <p:nvSpPr>
+          <p:cNvPr id="2" name="Title 1">
+            <a:extLst>
+              <a:ext uri="{FF2B5EF4-FFF2-40B4-BE49-F238E27FC236}">
+                <a16:creationId xmlns:a16="http://schemas.microsoft.com/office/drawing/2014/main" id="{65D7B69A-E0F0-BB34-9CEC-5B688DC6B154}"/>
+              </a:ext>
+            </a:extLst>
+          </p:cNvPr>
+          <p:cNvSpPr>
+            <a:spLocks noGrp="1"/>
+          </p:cNvSpPr>
+          <p:nvPr>
+            <p:ph type="title"/>
+          </p:nvPr>
+        </p:nvSpPr>
+        <p:spPr/>
+        <p:txBody>
+          <a:bodyPr/>
+          <a:lstStyle/>
+          <a:p>
+            <a:r>
+              <a:rPr lang="en-US" dirty="0"/>
+              <a:t>Cloud Diagram</a:t>
+            </a:r>
+          </a:p>
+        </p:txBody>
+      </p:sp>
+      <p:pic>
+        <p:nvPicPr>
+          <p:cNvPr id="5" name="Content Placeholder 4">
+            <a:extLst>
+              <a:ext uri="{FF2B5EF4-FFF2-40B4-BE49-F238E27FC236}">
+                <a16:creationId xmlns:a16="http://schemas.microsoft.com/office/drawing/2014/main" id="{B942B226-7EDA-AC24-633C-C16E9FA79513}"/>
+              </a:ext>
+            </a:extLst>
+          </p:cNvPr>
+          <p:cNvPicPr>
+            <a:picLocks noGrp="1" noChangeAspect="1"/>
+          </p:cNvPicPr>
+          <p:nvPr>
+            <p:ph idx="1"/>
+          </p:nvPr>
+        </p:nvPicPr>
+        <p:blipFill>
+          <a:blip r:embed="rId2">
+            <a:extLst>
+              <a:ext uri="{28A0092B-C50C-407E-A947-70E740481C1C}">
+                <a14:useLocalDpi xmlns:a14="http://schemas.microsoft.com/office/drawing/2010/main" val="0"/>
+              </a:ext>
+            </a:extLst>
+          </a:blip>
+          <a:stretch>
+            <a:fillRect/>
+          </a:stretch>
+        </p:blipFill>
+        <p:spPr>
+          <a:xfrm>
+            <a:off x="1188160" y="3141182"/>
+            <a:ext cx="9815680" cy="2619537"/>
+          </a:xfrm>
+        </p:spPr>
+      </p:pic>
+    </p:spTree>
+    <p:extLst>
+      <p:ext uri="{BB962C8B-B14F-4D97-AF65-F5344CB8AC3E}">
+        <p14:creationId xmlns:p14="http://schemas.microsoft.com/office/powerpoint/2010/main" val="4270085528"/>
+      </p:ext>
+    </p:extLst>
+  </p:cSld>
+  <p:clrMapOvr>
+    <a:masterClrMapping/>
+  </p:clrMapOvr>
+</p:sld>
+</file>
+
+<file path=ppt/slides/slide12.xml><?xml version="1.0" encoding="utf-8"?>
+<p:sld xmlns:a="http://schemas.openxmlformats.org/drawingml/2006/main" xmlns:r="http://schemas.openxmlformats.org/officeDocument/2006/relationships" xmlns:p="http://schemas.openxmlformats.org/presentationml/2006/main">
+  <p:cSld>
+    <p:bg>
+      <p:bgPr>
+        <a:solidFill>
+          <a:schemeClr val="bg2"/>
+        </a:solidFill>
+        <a:effectLst/>
+      </p:bgPr>
+    </p:bg>
+    <p:spTree>
+      <p:nvGrpSpPr>
+        <p:cNvPr id="1" name=""/>
+        <p:cNvGrpSpPr/>
+        <p:nvPr/>
+      </p:nvGrpSpPr>
+      <p:grpSpPr>
+        <a:xfrm>
+          <a:off x="0" y="0"/>
+          <a:ext cx="0" cy="0"/>
+          <a:chOff x="0" y="0"/>
+          <a:chExt cx="0" cy="0"/>
+        </a:xfrm>
+      </p:grpSpPr>
+      <p:sp useBgFill="1">
+        <p:nvSpPr>
+          <p:cNvPr id="47" name="Rectangle 46">
+            <a:extLst>
+              <a:ext uri="{FF2B5EF4-FFF2-40B4-BE49-F238E27FC236}">
+                <a16:creationId xmlns:a16="http://schemas.microsoft.com/office/drawing/2014/main" id="{47FC6A8B-34F9-40FB-AA2D-E34168F52850}"/>
+              </a:ext>
+              <a:ext uri="{C183D7F6-B498-43B3-948B-1728B52AA6E4}">
+                <adec:decorative xmlns:adec="http://schemas.microsoft.com/office/drawing/2017/decorative" val="1"/>
+              </a:ext>
+            </a:extLst>
+          </p:cNvPr>
+          <p:cNvSpPr>
+            <a:spLocks noGrp="1" noRot="1" noChangeAspect="1" noMove="1" noResize="1" noEditPoints="1" noAdjustHandles="1" noChangeArrowheads="1" noChangeShapeType="1" noTextEdit="1"/>
+          </p:cNvSpPr>
+          <p:nvPr>
+            <p:extLst>
+              <p:ext uri="{386F3935-93C4-4BCD-93E2-E3B085C9AB24}">
+                <p16:designElem xmlns:p16="http://schemas.microsoft.com/office/powerpoint/2015/main" val="1"/>
+              </p:ext>
+            </p:extLst>
+          </p:nvPr>
+        </p:nvSpPr>
+        <p:spPr>
+          <a:xfrm>
+            <a:off x="153" y="0"/>
+            <a:ext cx="12191695" cy="6858000"/>
+          </a:xfrm>
+          <a:prstGeom prst="rect">
+            <a:avLst/>
+          </a:prstGeom>
+          <a:ln>
+            <a:noFill/>
+          </a:ln>
+        </p:spPr>
+        <p:style>
+          <a:lnRef idx="2">
+            <a:schemeClr val="accent1">
+              <a:shade val="50000"/>
+            </a:schemeClr>
+          </a:lnRef>
+          <a:fillRef idx="1">
+            <a:schemeClr val="accent1"/>
+          </a:fillRef>
+          <a:effectRef idx="0">
+            <a:schemeClr val="accent1"/>
+          </a:effectRef>
+          <a:fontRef idx="minor">
+            <a:schemeClr val="lt1"/>
+          </a:fontRef>
+        </p:style>
+        <p:txBody>
+          <a:bodyPr rtlCol="0" anchor="ctr"/>
+          <a:lstStyle/>
+          <a:p>
+            <a:pPr marL="0" marR="0" lvl="0" indent="0" algn="ctr" defTabSz="457200" rtl="0" eaLnBrk="1" fontAlgn="auto" latinLnBrk="0" hangingPunct="1">
+              <a:lnSpc>
+                <a:spcPct val="100000"/>
+              </a:lnSpc>
+              <a:spcBef>
+                <a:spcPts val="0"/>
+              </a:spcBef>
+              <a:spcAft>
+                <a:spcPts val="0"/>
+              </a:spcAft>
+              <a:buClrTx/>
+              <a:buSzTx/>
+              <a:buFontTx/>
+              <a:buNone/>
+              <a:tabLst/>
+              <a:defRPr/>
+            </a:pPr>
+            <a:endParaRPr kumimoji="0" lang="en-US" sz="1800" b="0" i="0" u="none" strike="noStrike" kern="1200" cap="none" spc="0" normalizeH="0" baseline="0" noProof="0" dirty="0">
+              <a:ln>
+                <a:noFill/>
+              </a:ln>
+              <a:solidFill>
+                <a:prstClr val="white"/>
+              </a:solidFill>
+              <a:effectLst/>
+              <a:uLnTx/>
+              <a:uFillTx/>
+              <a:latin typeface="Meiryo"/>
+              <a:ea typeface="+mn-ea"/>
+              <a:cs typeface="+mn-cs"/>
+            </a:endParaRPr>
+          </a:p>
+        </p:txBody>
+      </p:sp>
+      <p:sp>
+        <p:nvSpPr>
+          <p:cNvPr id="48" name="Freeform: Shape 47">
+            <a:extLst>
+              <a:ext uri="{FF2B5EF4-FFF2-40B4-BE49-F238E27FC236}">
+                <a16:creationId xmlns:a16="http://schemas.microsoft.com/office/drawing/2014/main" id="{1EC86DB4-572A-4F71-AF8A-2395B4CA779F}"/>
+              </a:ext>
+              <a:ext uri="{C183D7F6-B498-43B3-948B-1728B52AA6E4}">
+                <adec:decorative xmlns:adec="http://schemas.microsoft.com/office/drawing/2017/decorative" val="1"/>
+              </a:ext>
+            </a:extLst>
+          </p:cNvPr>
+          <p:cNvSpPr>
+            <a:spLocks noGrp="1" noRot="1" noChangeAspect="1" noMove="1" noResize="1" noEditPoints="1" noAdjustHandles="1" noChangeArrowheads="1" noChangeShapeType="1" noTextEdit="1"/>
+          </p:cNvSpPr>
+          <p:nvPr>
+            <p:extLst>
+              <p:ext uri="{386F3935-93C4-4BCD-93E2-E3B085C9AB24}">
+                <p16:designElem xmlns:p16="http://schemas.microsoft.com/office/powerpoint/2015/main" val="1"/>
+              </p:ext>
+            </p:extLst>
+          </p:nvPr>
+        </p:nvSpPr>
+        <p:spPr>
+          <a:xfrm flipH="1" flipV="1">
+            <a:off x="756583" y="0"/>
+            <a:ext cx="11435265" cy="6858000"/>
+          </a:xfrm>
+          <a:custGeom>
+            <a:avLst/>
+            <a:gdLst>
+              <a:gd name="connsiteX0" fmla="*/ 9925983 w 11435265"/>
+              <a:gd name="connsiteY0" fmla="*/ 6858000 h 6858000"/>
+              <a:gd name="connsiteX1" fmla="*/ 0 w 11435265"/>
+              <a:gd name="connsiteY1" fmla="*/ 6858000 h 6858000"/>
+              <a:gd name="connsiteX2" fmla="*/ 0 w 11435265"/>
+              <a:gd name="connsiteY2" fmla="*/ 0 h 6858000"/>
+              <a:gd name="connsiteX3" fmla="*/ 996904 w 11435265"/>
+              <a:gd name="connsiteY3" fmla="*/ 0 h 6858000"/>
+              <a:gd name="connsiteX4" fmla="*/ 2426875 w 11435265"/>
+              <a:gd name="connsiteY4" fmla="*/ 0 h 6858000"/>
+              <a:gd name="connsiteX5" fmla="*/ 4014127 w 11435265"/>
+              <a:gd name="connsiteY5" fmla="*/ 0 h 6858000"/>
+              <a:gd name="connsiteX6" fmla="*/ 4359595 w 11435265"/>
+              <a:gd name="connsiteY6" fmla="*/ 0 h 6858000"/>
+              <a:gd name="connsiteX7" fmla="*/ 4647960 w 11435265"/>
+              <a:gd name="connsiteY7" fmla="*/ 0 h 6858000"/>
+              <a:gd name="connsiteX8" fmla="*/ 4691093 w 11435265"/>
+              <a:gd name="connsiteY8" fmla="*/ 0 h 6858000"/>
+              <a:gd name="connsiteX9" fmla="*/ 5558544 w 11435265"/>
+              <a:gd name="connsiteY9" fmla="*/ 0 h 6858000"/>
+              <a:gd name="connsiteX10" fmla="*/ 5570664 w 11435265"/>
+              <a:gd name="connsiteY10" fmla="*/ 0 h 6858000"/>
+              <a:gd name="connsiteX11" fmla="*/ 5695183 w 11435265"/>
+              <a:gd name="connsiteY11" fmla="*/ 0 h 6858000"/>
+              <a:gd name="connsiteX12" fmla="*/ 7177357 w 11435265"/>
+              <a:gd name="connsiteY12" fmla="*/ 0 h 6858000"/>
+              <a:gd name="connsiteX13" fmla="*/ 9824163 w 11435265"/>
+              <a:gd name="connsiteY13" fmla="*/ 0 h 6858000"/>
+              <a:gd name="connsiteX14" fmla="*/ 9846125 w 11435265"/>
+              <a:gd name="connsiteY14" fmla="*/ 16892 h 6858000"/>
+              <a:gd name="connsiteX15" fmla="*/ 11435265 w 11435265"/>
+              <a:gd name="connsiteY15" fmla="*/ 4079318 h 6858000"/>
+              <a:gd name="connsiteX16" fmla="*/ 10261404 w 11435265"/>
+              <a:gd name="connsiteY16" fmla="*/ 6542447 h 6858000"/>
+            </a:gdLst>
+            <a:ahLst/>
+            <a:cxnLst>
+              <a:cxn ang="0">
+                <a:pos x="connsiteX0" y="connsiteY0"/>
+              </a:cxn>
+              <a:cxn ang="0">
+                <a:pos x="connsiteX1" y="connsiteY1"/>
+              </a:cxn>
+              <a:cxn ang="0">
+                <a:pos x="connsiteX2" y="connsiteY2"/>
+              </a:cxn>
+              <a:cxn ang="0">
+                <a:pos x="connsiteX3" y="connsiteY3"/>
+              </a:cxn>
+              <a:cxn ang="0">
+                <a:pos x="connsiteX4" y="connsiteY4"/>
+              </a:cxn>
+              <a:cxn ang="0">
+                <a:pos x="connsiteX5" y="connsiteY5"/>
+              </a:cxn>
+              <a:cxn ang="0">
+                <a:pos x="connsiteX6" y="connsiteY6"/>
+              </a:cxn>
+              <a:cxn ang="0">
+                <a:pos x="connsiteX7" y="connsiteY7"/>
+              </a:cxn>
+              <a:cxn ang="0">
+                <a:pos x="connsiteX8" y="connsiteY8"/>
+              </a:cxn>
+              <a:cxn ang="0">
+                <a:pos x="connsiteX9" y="connsiteY9"/>
+              </a:cxn>
+              <a:cxn ang="0">
+                <a:pos x="connsiteX10" y="connsiteY10"/>
+              </a:cxn>
+              <a:cxn ang="0">
+                <a:pos x="connsiteX11" y="connsiteY11"/>
+              </a:cxn>
+              <a:cxn ang="0">
+                <a:pos x="connsiteX12" y="connsiteY12"/>
+              </a:cxn>
+              <a:cxn ang="0">
+                <a:pos x="connsiteX13" y="connsiteY13"/>
+              </a:cxn>
+              <a:cxn ang="0">
+                <a:pos x="connsiteX14" y="connsiteY14"/>
+              </a:cxn>
+              <a:cxn ang="0">
+                <a:pos x="connsiteX15" y="connsiteY15"/>
+              </a:cxn>
+              <a:cxn ang="0">
+                <a:pos x="connsiteX16" y="connsiteY16"/>
+              </a:cxn>
+            </a:cxnLst>
+            <a:rect l="l" t="t" r="r" b="b"/>
+            <a:pathLst>
+              <a:path w="11435265" h="6858000">
+                <a:moveTo>
+                  <a:pt x="9925983" y="6858000"/>
+                </a:moveTo>
+                <a:lnTo>
+                  <a:pt x="0" y="6858000"/>
+                </a:lnTo>
+                <a:lnTo>
+                  <a:pt x="0" y="0"/>
+                </a:lnTo>
+                <a:lnTo>
+                  <a:pt x="996904" y="0"/>
+                </a:lnTo>
+                <a:lnTo>
+                  <a:pt x="2426875" y="0"/>
+                </a:lnTo>
+                <a:lnTo>
+                  <a:pt x="4014127" y="0"/>
+                </a:lnTo>
+                <a:lnTo>
+                  <a:pt x="4359595" y="0"/>
+                </a:lnTo>
+                <a:lnTo>
+                  <a:pt x="4647960" y="0"/>
+                </a:lnTo>
+                <a:lnTo>
+                  <a:pt x="4691093" y="0"/>
+                </a:lnTo>
+                <a:lnTo>
+                  <a:pt x="5558544" y="0"/>
+                </a:lnTo>
+                <a:lnTo>
+                  <a:pt x="5570664" y="0"/>
+                </a:lnTo>
+                <a:lnTo>
+                  <a:pt x="5695183" y="0"/>
+                </a:lnTo>
+                <a:lnTo>
+                  <a:pt x="7177357" y="0"/>
+                </a:lnTo>
+                <a:lnTo>
+                  <a:pt x="9824163" y="0"/>
+                </a:lnTo>
+                <a:lnTo>
+                  <a:pt x="9846125" y="16892"/>
+                </a:lnTo>
+                <a:cubicBezTo>
+                  <a:pt x="10865743" y="850004"/>
+                  <a:pt x="11435265" y="2357705"/>
+                  <a:pt x="11435265" y="4079318"/>
+                </a:cubicBezTo>
+                <a:cubicBezTo>
+                  <a:pt x="11435265" y="5217633"/>
+                  <a:pt x="10916694" y="5903717"/>
+                  <a:pt x="10261404" y="6542447"/>
+                </a:cubicBezTo>
+                <a:close/>
+              </a:path>
+            </a:pathLst>
+          </a:custGeom>
+          <a:solidFill>
+            <a:schemeClr val="bg1">
+              <a:alpha val="60000"/>
+            </a:schemeClr>
+          </a:solidFill>
+          <a:ln>
+            <a:noFill/>
+          </a:ln>
+        </p:spPr>
+        <p:style>
+          <a:lnRef idx="2">
+            <a:schemeClr val="accent1">
+              <a:shade val="50000"/>
+            </a:schemeClr>
+          </a:lnRef>
+          <a:fillRef idx="1">
+            <a:schemeClr val="accent1"/>
+          </a:fillRef>
+          <a:effectRef idx="0">
+            <a:schemeClr val="accent1"/>
+          </a:effectRef>
+          <a:fontRef idx="minor">
+            <a:schemeClr val="lt1"/>
+          </a:fontRef>
+        </p:style>
+        <p:txBody>
+          <a:bodyPr wrap="square" rtlCol="0" anchor="ctr">
+            <a:noAutofit/>
+          </a:bodyPr>
+          <a:lstStyle/>
+          <a:p>
+            <a:pPr algn="ctr"/>
+            <a:endParaRPr lang="en-US"/>
+          </a:p>
+        </p:txBody>
+      </p:sp>
+      <p:sp>
+        <p:nvSpPr>
+          <p:cNvPr id="49" name="Freeform: Shape 48">
+            <a:extLst>
+              <a:ext uri="{FF2B5EF4-FFF2-40B4-BE49-F238E27FC236}">
+                <a16:creationId xmlns:a16="http://schemas.microsoft.com/office/drawing/2014/main" id="{71BA53A4-C4B7-4189-9FC1-6350B1AB5DFE}"/>
+              </a:ext>
+              <a:ext uri="{C183D7F6-B498-43B3-948B-1728B52AA6E4}">
+                <adec:decorative xmlns:adec="http://schemas.microsoft.com/office/drawing/2017/decorative" val="1"/>
+              </a:ext>
+            </a:extLst>
+          </p:cNvPr>
+          <p:cNvSpPr>
+            <a:spLocks noGrp="1" noRot="1" noChangeAspect="1" noMove="1" noResize="1" noEditPoints="1" noAdjustHandles="1" noChangeArrowheads="1" noChangeShapeType="1" noTextEdit="1"/>
+          </p:cNvSpPr>
+          <p:nvPr>
+            <p:extLst>
+              <p:ext uri="{386F3935-93C4-4BCD-93E2-E3B085C9AB24}">
+                <p16:designElem xmlns:p16="http://schemas.microsoft.com/office/powerpoint/2015/main" val="1"/>
+              </p:ext>
+            </p:extLst>
+          </p:nvPr>
+        </p:nvSpPr>
+        <p:spPr>
+          <a:xfrm flipH="1" flipV="1">
+            <a:off x="341199" y="0"/>
+            <a:ext cx="1518348" cy="6858000"/>
+          </a:xfrm>
+          <a:custGeom>
+            <a:avLst/>
+            <a:gdLst>
+              <a:gd name="connsiteX0" fmla="*/ 19178 w 1518348"/>
+              <a:gd name="connsiteY0" fmla="*/ 6858000 h 6858000"/>
+              <a:gd name="connsiteX1" fmla="*/ 0 w 1518348"/>
+              <a:gd name="connsiteY1" fmla="*/ 6858000 h 6858000"/>
+              <a:gd name="connsiteX2" fmla="*/ 241394 w 1518348"/>
+              <a:gd name="connsiteY2" fmla="*/ 6638611 h 6858000"/>
+              <a:gd name="connsiteX3" fmla="*/ 1493356 w 1518348"/>
+              <a:gd name="connsiteY3" fmla="*/ 4142424 h 6858000"/>
+              <a:gd name="connsiteX4" fmla="*/ 282053 w 1518348"/>
+              <a:gd name="connsiteY4" fmla="*/ 26474 h 6858000"/>
+              <a:gd name="connsiteX5" fmla="*/ 256233 w 1518348"/>
+              <a:gd name="connsiteY5" fmla="*/ 0 h 6858000"/>
+              <a:gd name="connsiteX6" fmla="*/ 273463 w 1518348"/>
+              <a:gd name="connsiteY6" fmla="*/ 0 h 6858000"/>
+              <a:gd name="connsiteX7" fmla="*/ 300199 w 1518348"/>
+              <a:gd name="connsiteY7" fmla="*/ 27414 h 6858000"/>
+              <a:gd name="connsiteX8" fmla="*/ 1511501 w 1518348"/>
+              <a:gd name="connsiteY8" fmla="*/ 4143362 h 6858000"/>
+              <a:gd name="connsiteX9" fmla="*/ 259539 w 1518348"/>
+              <a:gd name="connsiteY9" fmla="*/ 6639549 h 6858000"/>
+            </a:gdLst>
+            <a:ahLst/>
+            <a:cxnLst>
+              <a:cxn ang="0">
+                <a:pos x="connsiteX0" y="connsiteY0"/>
+              </a:cxn>
+              <a:cxn ang="0">
+                <a:pos x="connsiteX1" y="connsiteY1"/>
+              </a:cxn>
+              <a:cxn ang="0">
+                <a:pos x="connsiteX2" y="connsiteY2"/>
+              </a:cxn>
+              <a:cxn ang="0">
+                <a:pos x="connsiteX3" y="connsiteY3"/>
+              </a:cxn>
+              <a:cxn ang="0">
+                <a:pos x="connsiteX4" y="connsiteY4"/>
+              </a:cxn>
+              <a:cxn ang="0">
+                <a:pos x="connsiteX5" y="connsiteY5"/>
+              </a:cxn>
+              <a:cxn ang="0">
+                <a:pos x="connsiteX6" y="connsiteY6"/>
+              </a:cxn>
+              <a:cxn ang="0">
+                <a:pos x="connsiteX7" y="connsiteY7"/>
+              </a:cxn>
+              <a:cxn ang="0">
+                <a:pos x="connsiteX8" y="connsiteY8"/>
+              </a:cxn>
+              <a:cxn ang="0">
+                <a:pos x="connsiteX9" y="connsiteY9"/>
+              </a:cxn>
+            </a:cxnLst>
+            <a:rect l="l" t="t" r="r" b="b"/>
+            <a:pathLst>
+              <a:path w="1518348" h="6858000">
+                <a:moveTo>
+                  <a:pt x="19178" y="6858000"/>
+                </a:moveTo>
+                <a:lnTo>
+                  <a:pt x="0" y="6858000"/>
+                </a:lnTo>
+                <a:lnTo>
+                  <a:pt x="241394" y="6638611"/>
+                </a:lnTo>
+                <a:cubicBezTo>
+                  <a:pt x="909582" y="6009084"/>
+                  <a:pt x="1445892" y="5323498"/>
+                  <a:pt x="1493356" y="4142424"/>
+                </a:cubicBezTo>
+                <a:cubicBezTo>
+                  <a:pt x="1560655" y="2467784"/>
+                  <a:pt x="1130049" y="962858"/>
+                  <a:pt x="282053" y="26474"/>
+                </a:cubicBezTo>
+                <a:lnTo>
+                  <a:pt x="256233" y="0"/>
+                </a:lnTo>
+                <a:lnTo>
+                  <a:pt x="273463" y="0"/>
+                </a:lnTo>
+                <a:lnTo>
+                  <a:pt x="300199" y="27414"/>
+                </a:lnTo>
+                <a:cubicBezTo>
+                  <a:pt x="1148195" y="963796"/>
+                  <a:pt x="1578800" y="2468723"/>
+                  <a:pt x="1511501" y="4143362"/>
+                </a:cubicBezTo>
+                <a:cubicBezTo>
+                  <a:pt x="1464037" y="5324436"/>
+                  <a:pt x="927728" y="6010023"/>
+                  <a:pt x="259539" y="6639549"/>
+                </a:cubicBezTo>
+                <a:close/>
+              </a:path>
+            </a:pathLst>
+          </a:custGeom>
+          <a:solidFill>
+            <a:srgbClr val="FFFFFF"/>
+          </a:solidFill>
+          <a:ln>
+            <a:noFill/>
+          </a:ln>
+        </p:spPr>
+        <p:style>
+          <a:lnRef idx="2">
+            <a:schemeClr val="accent1">
+              <a:shade val="50000"/>
+            </a:schemeClr>
+          </a:lnRef>
+          <a:fillRef idx="1">
+            <a:schemeClr val="accent1"/>
+          </a:fillRef>
+          <a:effectRef idx="0">
+            <a:schemeClr val="accent1"/>
+          </a:effectRef>
+          <a:fontRef idx="minor">
+            <a:schemeClr val="lt1"/>
+          </a:fontRef>
+        </p:style>
+        <p:txBody>
+          <a:bodyPr wrap="square" rtlCol="0" anchor="ctr">
+            <a:noAutofit/>
+          </a:bodyPr>
+          <a:lstStyle/>
+          <a:p>
+            <a:pPr marL="0" marR="0" lvl="0" indent="0" algn="ctr" defTabSz="457200" rtl="0" eaLnBrk="1" fontAlgn="auto" latinLnBrk="0" hangingPunct="1">
+              <a:lnSpc>
+                <a:spcPct val="100000"/>
+              </a:lnSpc>
+              <a:spcBef>
+                <a:spcPts val="0"/>
+              </a:spcBef>
+              <a:spcAft>
+                <a:spcPts val="0"/>
+              </a:spcAft>
+              <a:buClrTx/>
+              <a:buSzTx/>
+              <a:buFontTx/>
+              <a:buNone/>
+              <a:tabLst/>
+              <a:defRPr/>
+            </a:pPr>
+            <a:endParaRPr kumimoji="0" lang="en-US" sz="1800" b="0" i="0" u="none" strike="noStrike" kern="1200" cap="none" spc="0" normalizeH="0" baseline="0" noProof="0" dirty="0">
+              <a:ln>
+                <a:noFill/>
+              </a:ln>
+              <a:solidFill>
+                <a:prstClr val="white"/>
+              </a:solidFill>
+              <a:effectLst/>
+              <a:uLnTx/>
+              <a:uFillTx/>
+              <a:latin typeface="Meiryo"/>
+              <a:ea typeface="+mn-ea"/>
+              <a:cs typeface="+mn-cs"/>
+            </a:endParaRPr>
+          </a:p>
+        </p:txBody>
+      </p:sp>
+      <p:sp>
+        <p:nvSpPr>
+          <p:cNvPr id="50" name="Freeform: Shape 49">
+            <a:extLst>
+              <a:ext uri="{FF2B5EF4-FFF2-40B4-BE49-F238E27FC236}">
+                <a16:creationId xmlns:a16="http://schemas.microsoft.com/office/drawing/2014/main" id="{5558AD6E-B070-4640-AA07-87E208983ED8}"/>
+              </a:ext>
+              <a:ext uri="{C183D7F6-B498-43B3-948B-1728B52AA6E4}">
+                <adec:decorative xmlns:adec="http://schemas.microsoft.com/office/drawing/2017/decorative" val="1"/>
+              </a:ext>
+            </a:extLst>
+          </p:cNvPr>
+          <p:cNvSpPr>
+            <a:spLocks noGrp="1" noRot="1" noChangeAspect="1" noMove="1" noResize="1" noEditPoints="1" noAdjustHandles="1" noChangeArrowheads="1" noChangeShapeType="1" noTextEdit="1"/>
+          </p:cNvSpPr>
+          <p:nvPr>
+            <p:extLst>
+              <p:ext uri="{386F3935-93C4-4BCD-93E2-E3B085C9AB24}">
+                <p16:designElem xmlns:p16="http://schemas.microsoft.com/office/powerpoint/2015/main" val="1"/>
+              </p:ext>
+            </p:extLst>
+          </p:nvPr>
+        </p:nvSpPr>
+        <p:spPr>
+          <a:xfrm flipH="1" flipV="1">
+            <a:off x="552928" y="0"/>
+            <a:ext cx="1644534" cy="6858000"/>
+          </a:xfrm>
+          <a:custGeom>
+            <a:avLst/>
+            <a:gdLst>
+              <a:gd name="connsiteX0" fmla="*/ 135252 w 1644534"/>
+              <a:gd name="connsiteY0" fmla="*/ 6858000 h 6858000"/>
+              <a:gd name="connsiteX1" fmla="*/ 101819 w 1644534"/>
+              <a:gd name="connsiteY1" fmla="*/ 6858000 h 6858000"/>
+              <a:gd name="connsiteX2" fmla="*/ 437240 w 1644534"/>
+              <a:gd name="connsiteY2" fmla="*/ 6542447 h 6858000"/>
+              <a:gd name="connsiteX3" fmla="*/ 1611101 w 1644534"/>
+              <a:gd name="connsiteY3" fmla="*/ 4079318 h 6858000"/>
+              <a:gd name="connsiteX4" fmla="*/ 21961 w 1644534"/>
+              <a:gd name="connsiteY4" fmla="*/ 16892 h 6858000"/>
+              <a:gd name="connsiteX5" fmla="*/ 0 w 1644534"/>
+              <a:gd name="connsiteY5" fmla="*/ 0 h 6858000"/>
+              <a:gd name="connsiteX6" fmla="*/ 33433 w 1644534"/>
+              <a:gd name="connsiteY6" fmla="*/ 0 h 6858000"/>
+              <a:gd name="connsiteX7" fmla="*/ 55394 w 1644534"/>
+              <a:gd name="connsiteY7" fmla="*/ 16892 h 6858000"/>
+              <a:gd name="connsiteX8" fmla="*/ 1644534 w 1644534"/>
+              <a:gd name="connsiteY8" fmla="*/ 4079318 h 6858000"/>
+              <a:gd name="connsiteX9" fmla="*/ 470673 w 1644534"/>
+              <a:gd name="connsiteY9" fmla="*/ 6542447 h 6858000"/>
+            </a:gdLst>
+            <a:ahLst/>
+            <a:cxnLst>
+              <a:cxn ang="0">
+                <a:pos x="connsiteX0" y="connsiteY0"/>
+              </a:cxn>
+              <a:cxn ang="0">
+                <a:pos x="connsiteX1" y="connsiteY1"/>
+              </a:cxn>
+              <a:cxn ang="0">
+                <a:pos x="connsiteX2" y="connsiteY2"/>
+              </a:cxn>
+              <a:cxn ang="0">
+                <a:pos x="connsiteX3" y="connsiteY3"/>
+              </a:cxn>
+              <a:cxn ang="0">
+                <a:pos x="connsiteX4" y="connsiteY4"/>
+              </a:cxn>
+              <a:cxn ang="0">
+                <a:pos x="connsiteX5" y="connsiteY5"/>
+              </a:cxn>
+              <a:cxn ang="0">
+                <a:pos x="connsiteX6" y="connsiteY6"/>
+              </a:cxn>
+              <a:cxn ang="0">
+                <a:pos x="connsiteX7" y="connsiteY7"/>
+              </a:cxn>
+              <a:cxn ang="0">
+                <a:pos x="connsiteX8" y="connsiteY8"/>
+              </a:cxn>
+              <a:cxn ang="0">
+                <a:pos x="connsiteX9" y="connsiteY9"/>
+              </a:cxn>
+            </a:cxnLst>
+            <a:rect l="l" t="t" r="r" b="b"/>
+            <a:pathLst>
+              <a:path w="1644534" h="6858000">
+                <a:moveTo>
+                  <a:pt x="135252" y="6858000"/>
+                </a:moveTo>
+                <a:lnTo>
+                  <a:pt x="101819" y="6858000"/>
+                </a:lnTo>
+                <a:lnTo>
+                  <a:pt x="437240" y="6542447"/>
+                </a:lnTo>
+                <a:cubicBezTo>
+                  <a:pt x="1092531" y="5903717"/>
+                  <a:pt x="1611101" y="5217633"/>
+                  <a:pt x="1611101" y="4079318"/>
+                </a:cubicBezTo>
+                <a:cubicBezTo>
+                  <a:pt x="1611101" y="2357705"/>
+                  <a:pt x="1041580" y="850004"/>
+                  <a:pt x="21961" y="16892"/>
+                </a:cubicBezTo>
+                <a:lnTo>
+                  <a:pt x="0" y="0"/>
+                </a:lnTo>
+                <a:lnTo>
+                  <a:pt x="33433" y="0"/>
+                </a:lnTo>
+                <a:lnTo>
+                  <a:pt x="55394" y="16892"/>
+                </a:lnTo>
+                <a:cubicBezTo>
+                  <a:pt x="1075012" y="850004"/>
+                  <a:pt x="1644534" y="2357705"/>
+                  <a:pt x="1644534" y="4079318"/>
+                </a:cubicBezTo>
+                <a:cubicBezTo>
+                  <a:pt x="1644534" y="5217633"/>
+                  <a:pt x="1125963" y="5903717"/>
+                  <a:pt x="470673" y="6542447"/>
+                </a:cubicBezTo>
+                <a:close/>
+              </a:path>
+            </a:pathLst>
+          </a:custGeom>
+          <a:solidFill>
+            <a:srgbClr val="FFFFFF"/>
+          </a:solidFill>
+          <a:ln>
+            <a:noFill/>
+          </a:ln>
+        </p:spPr>
+        <p:style>
+          <a:lnRef idx="2">
+            <a:schemeClr val="accent1">
+              <a:shade val="50000"/>
+            </a:schemeClr>
+          </a:lnRef>
+          <a:fillRef idx="1">
+            <a:schemeClr val="accent1"/>
+          </a:fillRef>
+          <a:effectRef idx="0">
+            <a:schemeClr val="accent1"/>
+          </a:effectRef>
+          <a:fontRef idx="minor">
+            <a:schemeClr val="lt1"/>
+          </a:fontRef>
+        </p:style>
+        <p:txBody>
+          <a:bodyPr wrap="square" rtlCol="0" anchor="ctr">
+            <a:noAutofit/>
+          </a:bodyPr>
+          <a:lstStyle/>
+          <a:p>
+            <a:pPr marL="0" marR="0" lvl="0" indent="0" algn="ctr" defTabSz="914400" rtl="0" eaLnBrk="1" fontAlgn="auto" latinLnBrk="0" hangingPunct="1">
+              <a:lnSpc>
+                <a:spcPct val="100000"/>
+              </a:lnSpc>
+              <a:spcBef>
+                <a:spcPts val="0"/>
+              </a:spcBef>
+              <a:spcAft>
+                <a:spcPts val="0"/>
+              </a:spcAft>
+              <a:buClrTx/>
+              <a:buSzTx/>
+              <a:buFontTx/>
+              <a:buNone/>
+              <a:tabLst/>
+              <a:defRPr/>
+            </a:pPr>
+            <a:endParaRPr kumimoji="0" lang="en-US" sz="1800" b="0" i="0" u="none" strike="noStrike" kern="1200" cap="none" spc="0" normalizeH="0" baseline="0" noProof="0" dirty="0">
+              <a:ln>
+                <a:noFill/>
+              </a:ln>
+              <a:solidFill>
+                <a:prstClr val="white"/>
+              </a:solidFill>
+              <a:effectLst/>
+              <a:uLnTx/>
+              <a:uFillTx/>
+              <a:latin typeface="Meiryo"/>
+              <a:ea typeface="+mn-ea"/>
+              <a:cs typeface="+mn-cs"/>
+            </a:endParaRPr>
+          </a:p>
+        </p:txBody>
+      </p:sp>
+      <p:sp>
+        <p:nvSpPr>
+          <p:cNvPr id="51" name="Freeform: Shape 50">
+            <a:extLst>
+              <a:ext uri="{FF2B5EF4-FFF2-40B4-BE49-F238E27FC236}">
+                <a16:creationId xmlns:a16="http://schemas.microsoft.com/office/drawing/2014/main" id="{36ACFB69-D148-449E-AC5A-C55AA20A7F7F}"/>
+              </a:ext>
+              <a:ext uri="{C183D7F6-B498-43B3-948B-1728B52AA6E4}">
+                <adec:decorative xmlns:adec="http://schemas.microsoft.com/office/drawing/2017/decorative" val="1"/>
+              </a:ext>
+            </a:extLst>
+          </p:cNvPr>
+          <p:cNvSpPr>
+            <a:spLocks noGrp="1" noRot="1" noChangeAspect="1" noMove="1" noResize="1" noEditPoints="1" noAdjustHandles="1" noChangeArrowheads="1" noChangeShapeType="1" noTextEdit="1"/>
+          </p:cNvSpPr>
+          <p:nvPr>
+            <p:extLst>
+              <p:ext uri="{386F3935-93C4-4BCD-93E2-E3B085C9AB24}">
+                <p16:designElem xmlns:p16="http://schemas.microsoft.com/office/powerpoint/2015/main" val="1"/>
+              </p:ext>
+            </p:extLst>
+          </p:nvPr>
+        </p:nvSpPr>
+        <p:spPr>
+          <a:xfrm flipH="1" flipV="1">
+            <a:off x="988858" y="0"/>
+            <a:ext cx="1461546" cy="6858000"/>
+          </a:xfrm>
+          <a:custGeom>
+            <a:avLst/>
+            <a:gdLst>
+              <a:gd name="connsiteX0" fmla="*/ 107940 w 1461546"/>
+              <a:gd name="connsiteY0" fmla="*/ 6858000 h 6858000"/>
+              <a:gd name="connsiteX1" fmla="*/ 91317 w 1461546"/>
+              <a:gd name="connsiteY1" fmla="*/ 6858000 h 6858000"/>
+              <a:gd name="connsiteX2" fmla="*/ 392141 w 1461546"/>
+              <a:gd name="connsiteY2" fmla="*/ 6542447 h 6858000"/>
+              <a:gd name="connsiteX3" fmla="*/ 1444924 w 1461546"/>
+              <a:gd name="connsiteY3" fmla="*/ 4079318 h 6858000"/>
+              <a:gd name="connsiteX4" fmla="*/ 19696 w 1461546"/>
+              <a:gd name="connsiteY4" fmla="*/ 16892 h 6858000"/>
+              <a:gd name="connsiteX5" fmla="*/ 0 w 1461546"/>
+              <a:gd name="connsiteY5" fmla="*/ 0 h 6858000"/>
+              <a:gd name="connsiteX6" fmla="*/ 16622 w 1461546"/>
+              <a:gd name="connsiteY6" fmla="*/ 0 h 6858000"/>
+              <a:gd name="connsiteX7" fmla="*/ 36319 w 1461546"/>
+              <a:gd name="connsiteY7" fmla="*/ 16892 h 6858000"/>
+              <a:gd name="connsiteX8" fmla="*/ 1461546 w 1461546"/>
+              <a:gd name="connsiteY8" fmla="*/ 4079318 h 6858000"/>
+              <a:gd name="connsiteX9" fmla="*/ 408763 w 1461546"/>
+              <a:gd name="connsiteY9" fmla="*/ 6542447 h 6858000"/>
+            </a:gdLst>
+            <a:ahLst/>
+            <a:cxnLst>
+              <a:cxn ang="0">
+                <a:pos x="connsiteX0" y="connsiteY0"/>
+              </a:cxn>
+              <a:cxn ang="0">
+                <a:pos x="connsiteX1" y="connsiteY1"/>
+              </a:cxn>
+              <a:cxn ang="0">
+                <a:pos x="connsiteX2" y="connsiteY2"/>
+              </a:cxn>
+              <a:cxn ang="0">
+                <a:pos x="connsiteX3" y="connsiteY3"/>
+              </a:cxn>
+              <a:cxn ang="0">
+                <a:pos x="connsiteX4" y="connsiteY4"/>
+              </a:cxn>
+              <a:cxn ang="0">
+                <a:pos x="connsiteX5" y="connsiteY5"/>
+              </a:cxn>
+              <a:cxn ang="0">
+                <a:pos x="connsiteX6" y="connsiteY6"/>
+              </a:cxn>
+              <a:cxn ang="0">
+                <a:pos x="connsiteX7" y="connsiteY7"/>
+              </a:cxn>
+              <a:cxn ang="0">
+                <a:pos x="connsiteX8" y="connsiteY8"/>
+              </a:cxn>
+              <a:cxn ang="0">
+                <a:pos x="connsiteX9" y="connsiteY9"/>
+              </a:cxn>
+            </a:cxnLst>
+            <a:rect l="l" t="t" r="r" b="b"/>
+            <a:pathLst>
+              <a:path w="1461546" h="6858000">
+                <a:moveTo>
+                  <a:pt x="107940" y="6858000"/>
+                </a:moveTo>
+                <a:lnTo>
+                  <a:pt x="91317" y="6858000"/>
+                </a:lnTo>
+                <a:lnTo>
+                  <a:pt x="392141" y="6542447"/>
+                </a:lnTo>
+                <a:cubicBezTo>
+                  <a:pt x="979841" y="5903717"/>
+                  <a:pt x="1444924" y="5217633"/>
+                  <a:pt x="1444924" y="4079318"/>
+                </a:cubicBezTo>
+                <a:cubicBezTo>
+                  <a:pt x="1444924" y="2357705"/>
+                  <a:pt x="934146" y="850004"/>
+                  <a:pt x="19696" y="16892"/>
+                </a:cubicBezTo>
+                <a:lnTo>
+                  <a:pt x="0" y="0"/>
+                </a:lnTo>
+                <a:lnTo>
+                  <a:pt x="16622" y="0"/>
+                </a:lnTo>
+                <a:lnTo>
+                  <a:pt x="36319" y="16892"/>
+                </a:lnTo>
+                <a:cubicBezTo>
+                  <a:pt x="950768" y="850004"/>
+                  <a:pt x="1461546" y="2357705"/>
+                  <a:pt x="1461546" y="4079318"/>
+                </a:cubicBezTo>
+                <a:cubicBezTo>
+                  <a:pt x="1461546" y="5217633"/>
+                  <a:pt x="996464" y="5903717"/>
+                  <a:pt x="408763" y="6542447"/>
+                </a:cubicBezTo>
+                <a:close/>
+              </a:path>
+            </a:pathLst>
+          </a:custGeom>
+          <a:solidFill>
+            <a:schemeClr val="bg2">
+              <a:lumMod val="90000"/>
+            </a:schemeClr>
+          </a:solidFill>
+          <a:ln>
+            <a:noFill/>
+          </a:ln>
+        </p:spPr>
+        <p:style>
+          <a:lnRef idx="2">
+            <a:schemeClr val="accent1">
+              <a:shade val="50000"/>
+            </a:schemeClr>
+          </a:lnRef>
+          <a:fillRef idx="1">
+            <a:schemeClr val="accent1"/>
+          </a:fillRef>
+          <a:effectRef idx="0">
+            <a:schemeClr val="accent1"/>
+          </a:effectRef>
+          <a:fontRef idx="minor">
+            <a:schemeClr val="lt1"/>
+          </a:fontRef>
+        </p:style>
+        <p:txBody>
+          <a:bodyPr wrap="square" rtlCol="0" anchor="ctr">
+            <a:noAutofit/>
+          </a:bodyPr>
+          <a:lstStyle/>
+          <a:p>
+            <a:pPr marL="0" marR="0" lvl="0" indent="0" algn="ctr" defTabSz="914400" rtl="0" eaLnBrk="1" fontAlgn="auto" latinLnBrk="0" hangingPunct="1">
+              <a:lnSpc>
+                <a:spcPct val="100000"/>
+              </a:lnSpc>
+              <a:spcBef>
+                <a:spcPts val="0"/>
+              </a:spcBef>
+              <a:spcAft>
+                <a:spcPts val="0"/>
+              </a:spcAft>
+              <a:buClrTx/>
+              <a:buSzTx/>
+              <a:buFontTx/>
+              <a:buNone/>
+              <a:tabLst/>
+              <a:defRPr/>
+            </a:pPr>
+            <a:endParaRPr kumimoji="0" lang="en-US" sz="1800" b="0" i="0" u="none" strike="noStrike" kern="1200" cap="none" spc="0" normalizeH="0" baseline="0" noProof="0">
+              <a:ln>
+                <a:noFill/>
+              </a:ln>
+              <a:solidFill>
+                <a:prstClr val="white"/>
+              </a:solidFill>
+              <a:effectLst/>
+              <a:uLnTx/>
+              <a:uFillTx/>
+              <a:latin typeface="Meiryo"/>
+              <a:ea typeface="+mn-ea"/>
+              <a:cs typeface="+mn-cs"/>
+            </a:endParaRPr>
+          </a:p>
+        </p:txBody>
+      </p:sp>
+      <p:sp>
+        <p:nvSpPr>
+          <p:cNvPr id="2" name="Title 1">
+            <a:extLst>
+              <a:ext uri="{FF2B5EF4-FFF2-40B4-BE49-F238E27FC236}">
+                <a16:creationId xmlns:a16="http://schemas.microsoft.com/office/drawing/2014/main" id="{E7DC9DC6-5789-B4AF-0FF9-433EBBC3F0AE}"/>
+              </a:ext>
+            </a:extLst>
+          </p:cNvPr>
+          <p:cNvSpPr>
+            <a:spLocks noGrp="1"/>
+          </p:cNvSpPr>
+          <p:nvPr>
+            <p:ph type="title"/>
+          </p:nvPr>
+        </p:nvSpPr>
+        <p:spPr>
+          <a:xfrm>
+            <a:off x="2377440" y="442220"/>
+            <a:ext cx="8397987" cy="1345269"/>
+          </a:xfrm>
+        </p:spPr>
+        <p:txBody>
+          <a:bodyPr anchor="b">
+            <a:normAutofit/>
+          </a:bodyPr>
+          <a:lstStyle/>
+          <a:p>
+            <a:r>
+              <a:rPr lang="en-US" dirty="0"/>
+              <a:t>Tools and Technology Used</a:t>
+            </a:r>
+          </a:p>
+        </p:txBody>
+      </p:sp>
+      <p:graphicFrame>
+        <p:nvGraphicFramePr>
+          <p:cNvPr id="52" name="Content Placeholder 2">
+            <a:extLst>
+              <a:ext uri="{FF2B5EF4-FFF2-40B4-BE49-F238E27FC236}">
+                <a16:creationId xmlns:a16="http://schemas.microsoft.com/office/drawing/2014/main" id="{B7E6C650-F2CD-62C4-796A-EC99464111DD}"/>
+              </a:ext>
+            </a:extLst>
+          </p:cNvPr>
+          <p:cNvGraphicFramePr>
+            <a:graphicFrameLocks noGrp="1"/>
+          </p:cNvGraphicFramePr>
+          <p:nvPr>
+            <p:ph idx="1"/>
+            <p:extLst>
+              <p:ext uri="{D42A27DB-BD31-4B8C-83A1-F6EECF244321}">
+                <p14:modId xmlns:p14="http://schemas.microsoft.com/office/powerpoint/2010/main" val="3225930589"/>
+              </p:ext>
+            </p:extLst>
+          </p:nvPr>
+        </p:nvGraphicFramePr>
+        <p:xfrm>
+          <a:off x="2377439" y="2312988"/>
+          <a:ext cx="8312785" cy="3411537"/>
+        </p:xfrm>
+        <a:graphic>
+          <a:graphicData uri="http://schemas.openxmlformats.org/drawingml/2006/diagram">
+            <dgm:relIds xmlns:dgm="http://schemas.openxmlformats.org/drawingml/2006/diagram" xmlns:r="http://schemas.openxmlformats.org/officeDocument/2006/relationships" r:dm="rId2" r:lo="rId3" r:qs="rId4" r:cs="rId5"/>
+          </a:graphicData>
+        </a:graphic>
+      </p:graphicFrame>
+    </p:spTree>
+    <p:extLst>
+      <p:ext uri="{BB962C8B-B14F-4D97-AF65-F5344CB8AC3E}">
+        <p14:creationId xmlns:p14="http://schemas.microsoft.com/office/powerpoint/2010/main" val="701064661"/>
+      </p:ext>
+    </p:extLst>
+  </p:cSld>
+  <p:clrMapOvr>
+    <a:masterClrMapping/>
+  </p:clrMapOvr>
+</p:sld>
+</file>
+
+<file path=ppt/slides/slide13.xml><?xml version="1.0" encoding="utf-8"?>
+<p:sld xmlns:a="http://schemas.openxmlformats.org/drawingml/2006/main" xmlns:r="http://schemas.openxmlformats.org/officeDocument/2006/relationships" xmlns:p="http://schemas.openxmlformats.org/presentationml/2006/main">
+  <p:cSld>
     <p:spTree>
       <p:nvGrpSpPr>
         <p:cNvPr id="1" name=""/>
@@ -14671,6 +18195,120 @@
           <p:cNvPr id="2" name="Title 1">
             <a:extLst>
               <a:ext uri="{FF2B5EF4-FFF2-40B4-BE49-F238E27FC236}">
+                <a16:creationId xmlns:a16="http://schemas.microsoft.com/office/drawing/2014/main" id="{B093DD8B-B3DD-298D-C453-69DEFD21B707}"/>
+              </a:ext>
+            </a:extLst>
+          </p:cNvPr>
+          <p:cNvSpPr>
+            <a:spLocks noGrp="1"/>
+          </p:cNvSpPr>
+          <p:nvPr>
+            <p:ph type="title"/>
+          </p:nvPr>
+        </p:nvSpPr>
+        <p:spPr/>
+        <p:txBody>
+          <a:bodyPr/>
+          <a:lstStyle/>
+          <a:p>
+            <a:r>
+              <a:rPr lang="en-US" dirty="0" err="1"/>
+              <a:t>OpenWeatherMap</a:t>
+            </a:r>
+            <a:r>
+              <a:rPr lang="en-US" dirty="0"/>
+              <a:t> API</a:t>
+            </a:r>
+          </a:p>
+        </p:txBody>
+      </p:sp>
+      <p:sp>
+        <p:nvSpPr>
+          <p:cNvPr id="3" name="Content Placeholder 2">
+            <a:extLst>
+              <a:ext uri="{FF2B5EF4-FFF2-40B4-BE49-F238E27FC236}">
+                <a16:creationId xmlns:a16="http://schemas.microsoft.com/office/drawing/2014/main" id="{FDBE1FB9-2262-070E-E43A-C25CA7325C63}"/>
+              </a:ext>
+            </a:extLst>
+          </p:cNvPr>
+          <p:cNvSpPr>
+            <a:spLocks noGrp="1"/>
+          </p:cNvSpPr>
+          <p:nvPr>
+            <p:ph idx="1"/>
+          </p:nvPr>
+        </p:nvSpPr>
+        <p:spPr/>
+        <p:txBody>
+          <a:bodyPr/>
+          <a:lstStyle/>
+          <a:p>
+            <a:pPr marL="285750" indent="-285750">
+              <a:buFont typeface="Arial" panose="020B0604020202020204" pitchFamily="34" charset="0"/>
+              <a:buChar char="•"/>
+            </a:pPr>
+            <a:r>
+              <a:rPr lang="en-US" dirty="0"/>
+              <a:t>This is an external API provides weather detail</a:t>
+            </a:r>
+          </a:p>
+          <a:p>
+            <a:pPr marL="285750" indent="-285750">
+              <a:buFont typeface="Arial" panose="020B0604020202020204" pitchFamily="34" charset="0"/>
+              <a:buChar char="•"/>
+            </a:pPr>
+            <a:r>
+              <a:rPr lang="en-US" dirty="0"/>
+              <a:t>This API will provide location detail</a:t>
+            </a:r>
+          </a:p>
+          <a:p>
+            <a:pPr marL="285750" indent="-285750">
+              <a:buFont typeface="Arial" panose="020B0604020202020204" pitchFamily="34" charset="0"/>
+              <a:buChar char="•"/>
+            </a:pPr>
+            <a:r>
+              <a:rPr lang="en-US" dirty="0"/>
+              <a:t>According to location details responds with weather detail</a:t>
+            </a:r>
+          </a:p>
+        </p:txBody>
+      </p:sp>
+    </p:spTree>
+    <p:extLst>
+      <p:ext uri="{BB962C8B-B14F-4D97-AF65-F5344CB8AC3E}">
+        <p14:creationId xmlns:p14="http://schemas.microsoft.com/office/powerpoint/2010/main" val="958856846"/>
+      </p:ext>
+    </p:extLst>
+  </p:cSld>
+  <p:clrMapOvr>
+    <a:masterClrMapping/>
+  </p:clrMapOvr>
+</p:sld>
+</file>
+
+<file path=ppt/slides/slide6.xml><?xml version="1.0" encoding="utf-8"?>
+<p:sld xmlns:a="http://schemas.openxmlformats.org/drawingml/2006/main" xmlns:r="http://schemas.openxmlformats.org/officeDocument/2006/relationships" xmlns:p="http://schemas.openxmlformats.org/presentationml/2006/main">
+  <p:cSld>
+    <p:spTree>
+      <p:nvGrpSpPr>
+        <p:cNvPr id="1" name=""/>
+        <p:cNvGrpSpPr/>
+        <p:nvPr/>
+      </p:nvGrpSpPr>
+      <p:grpSpPr>
+        <a:xfrm>
+          <a:off x="0" y="0"/>
+          <a:ext cx="0" cy="0"/>
+          <a:chOff x="0" y="0"/>
+          <a:chExt cx="0" cy="0"/>
+        </a:xfrm>
+      </p:grpSpPr>
+      <p:sp>
+        <p:nvSpPr>
+          <p:cNvPr id="2" name="Title 1">
+            <a:extLst>
+              <a:ext uri="{FF2B5EF4-FFF2-40B4-BE49-F238E27FC236}">
                 <a16:creationId xmlns:a16="http://schemas.microsoft.com/office/drawing/2014/main" id="{0A2B49E4-2F2A-BE32-8D4B-5823A37D113A}"/>
               </a:ext>
             </a:extLst>
@@ -14749,7 +18387,7 @@
 </p:sld>
 </file>
 
-<file path=ppt/slides/slide6.xml><?xml version="1.0" encoding="utf-8"?>
+<file path=ppt/slides/slide7.xml><?xml version="1.0" encoding="utf-8"?>
 <p:sld xmlns:a="http://schemas.openxmlformats.org/drawingml/2006/main" xmlns:r="http://schemas.openxmlformats.org/officeDocument/2006/relationships" xmlns:p="http://schemas.openxmlformats.org/presentationml/2006/main">
   <p:cSld>
     <p:spTree>
@@ -14859,7 +18497,7 @@
 </p:sld>
 </file>
 
-<file path=ppt/slides/slide7.xml><?xml version="1.0" encoding="utf-8"?>
+<file path=ppt/slides/slide8.xml><?xml version="1.0" encoding="utf-8"?>
 <p:sld xmlns:a="http://schemas.openxmlformats.org/drawingml/2006/main" xmlns:r="http://schemas.openxmlformats.org/officeDocument/2006/relationships" xmlns:p="http://schemas.openxmlformats.org/presentationml/2006/main">
   <p:cSld>
     <p:spTree>
@@ -14959,7 +18597,7 @@
 </p:sld>
 </file>
 
-<file path=ppt/slides/slide8.xml><?xml version="1.0" encoding="utf-8"?>
+<file path=ppt/slides/slide9.xml><?xml version="1.0" encoding="utf-8"?>
 <p:sld xmlns:a="http://schemas.openxmlformats.org/drawingml/2006/main" xmlns:r="http://schemas.openxmlformats.org/officeDocument/2006/relationships" xmlns:p="http://schemas.openxmlformats.org/presentationml/2006/main">
   <p:cSld>
     <p:spTree>
@@ -15060,998 +18698,6 @@
     <p:extLst>
       <p:ext uri="{BB962C8B-B14F-4D97-AF65-F5344CB8AC3E}">
         <p14:creationId xmlns:p14="http://schemas.microsoft.com/office/powerpoint/2010/main" val="548475996"/>
-      </p:ext>
-    </p:extLst>
-  </p:cSld>
-  <p:clrMapOvr>
-    <a:masterClrMapping/>
-  </p:clrMapOvr>
-</p:sld>
-</file>
-
-<file path=ppt/slides/slide9.xml><?xml version="1.0" encoding="utf-8"?>
-<p:sld xmlns:a="http://schemas.openxmlformats.org/drawingml/2006/main" xmlns:r="http://schemas.openxmlformats.org/officeDocument/2006/relationships" xmlns:p="http://schemas.openxmlformats.org/presentationml/2006/main">
-  <p:cSld>
-    <p:bg>
-      <p:bgPr>
-        <a:solidFill>
-          <a:schemeClr val="bg2"/>
-        </a:solidFill>
-        <a:effectLst/>
-      </p:bgPr>
-    </p:bg>
-    <p:spTree>
-      <p:nvGrpSpPr>
-        <p:cNvPr id="1" name=""/>
-        <p:cNvGrpSpPr/>
-        <p:nvPr/>
-      </p:nvGrpSpPr>
-      <p:grpSpPr>
-        <a:xfrm>
-          <a:off x="0" y="0"/>
-          <a:ext cx="0" cy="0"/>
-          <a:chOff x="0" y="0"/>
-          <a:chExt cx="0" cy="0"/>
-        </a:xfrm>
-      </p:grpSpPr>
-      <p:sp useBgFill="1">
-        <p:nvSpPr>
-          <p:cNvPr id="47" name="Rectangle 46">
-            <a:extLst>
-              <a:ext uri="{FF2B5EF4-FFF2-40B4-BE49-F238E27FC236}">
-                <a16:creationId xmlns:a16="http://schemas.microsoft.com/office/drawing/2014/main" id="{47FC6A8B-34F9-40FB-AA2D-E34168F52850}"/>
-              </a:ext>
-              <a:ext uri="{C183D7F6-B498-43B3-948B-1728B52AA6E4}">
-                <adec:decorative xmlns:adec="http://schemas.microsoft.com/office/drawing/2017/decorative" val="1"/>
-              </a:ext>
-            </a:extLst>
-          </p:cNvPr>
-          <p:cNvSpPr>
-            <a:spLocks noGrp="1" noRot="1" noChangeAspect="1" noMove="1" noResize="1" noEditPoints="1" noAdjustHandles="1" noChangeArrowheads="1" noChangeShapeType="1" noTextEdit="1"/>
-          </p:cNvSpPr>
-          <p:nvPr>
-            <p:extLst>
-              <p:ext uri="{386F3935-93C4-4BCD-93E2-E3B085C9AB24}">
-                <p16:designElem xmlns:p16="http://schemas.microsoft.com/office/powerpoint/2015/main" val="1"/>
-              </p:ext>
-            </p:extLst>
-          </p:nvPr>
-        </p:nvSpPr>
-        <p:spPr>
-          <a:xfrm>
-            <a:off x="153" y="0"/>
-            <a:ext cx="12191695" cy="6858000"/>
-          </a:xfrm>
-          <a:prstGeom prst="rect">
-            <a:avLst/>
-          </a:prstGeom>
-          <a:ln>
-            <a:noFill/>
-          </a:ln>
-        </p:spPr>
-        <p:style>
-          <a:lnRef idx="2">
-            <a:schemeClr val="accent1">
-              <a:shade val="50000"/>
-            </a:schemeClr>
-          </a:lnRef>
-          <a:fillRef idx="1">
-            <a:schemeClr val="accent1"/>
-          </a:fillRef>
-          <a:effectRef idx="0">
-            <a:schemeClr val="accent1"/>
-          </a:effectRef>
-          <a:fontRef idx="minor">
-            <a:schemeClr val="lt1"/>
-          </a:fontRef>
-        </p:style>
-        <p:txBody>
-          <a:bodyPr rtlCol="0" anchor="ctr"/>
-          <a:lstStyle/>
-          <a:p>
-            <a:pPr marL="0" marR="0" lvl="0" indent="0" algn="ctr" defTabSz="457200" rtl="0" eaLnBrk="1" fontAlgn="auto" latinLnBrk="0" hangingPunct="1">
-              <a:lnSpc>
-                <a:spcPct val="100000"/>
-              </a:lnSpc>
-              <a:spcBef>
-                <a:spcPts val="0"/>
-              </a:spcBef>
-              <a:spcAft>
-                <a:spcPts val="0"/>
-              </a:spcAft>
-              <a:buClrTx/>
-              <a:buSzTx/>
-              <a:buFontTx/>
-              <a:buNone/>
-              <a:tabLst/>
-              <a:defRPr/>
-            </a:pPr>
-            <a:endParaRPr kumimoji="0" lang="en-US" sz="1800" b="0" i="0" u="none" strike="noStrike" kern="1200" cap="none" spc="0" normalizeH="0" baseline="0" noProof="0" dirty="0">
-              <a:ln>
-                <a:noFill/>
-              </a:ln>
-              <a:solidFill>
-                <a:prstClr val="white"/>
-              </a:solidFill>
-              <a:effectLst/>
-              <a:uLnTx/>
-              <a:uFillTx/>
-              <a:latin typeface="Meiryo"/>
-              <a:ea typeface="+mn-ea"/>
-              <a:cs typeface="+mn-cs"/>
-            </a:endParaRPr>
-          </a:p>
-        </p:txBody>
-      </p:sp>
-      <p:sp>
-        <p:nvSpPr>
-          <p:cNvPr id="48" name="Freeform: Shape 47">
-            <a:extLst>
-              <a:ext uri="{FF2B5EF4-FFF2-40B4-BE49-F238E27FC236}">
-                <a16:creationId xmlns:a16="http://schemas.microsoft.com/office/drawing/2014/main" id="{1EC86DB4-572A-4F71-AF8A-2395B4CA779F}"/>
-              </a:ext>
-              <a:ext uri="{C183D7F6-B498-43B3-948B-1728B52AA6E4}">
-                <adec:decorative xmlns:adec="http://schemas.microsoft.com/office/drawing/2017/decorative" val="1"/>
-              </a:ext>
-            </a:extLst>
-          </p:cNvPr>
-          <p:cNvSpPr>
-            <a:spLocks noGrp="1" noRot="1" noChangeAspect="1" noMove="1" noResize="1" noEditPoints="1" noAdjustHandles="1" noChangeArrowheads="1" noChangeShapeType="1" noTextEdit="1"/>
-          </p:cNvSpPr>
-          <p:nvPr>
-            <p:extLst>
-              <p:ext uri="{386F3935-93C4-4BCD-93E2-E3B085C9AB24}">
-                <p16:designElem xmlns:p16="http://schemas.microsoft.com/office/powerpoint/2015/main" val="1"/>
-              </p:ext>
-            </p:extLst>
-          </p:nvPr>
-        </p:nvSpPr>
-        <p:spPr>
-          <a:xfrm flipH="1" flipV="1">
-            <a:off x="756583" y="0"/>
-            <a:ext cx="11435265" cy="6858000"/>
-          </a:xfrm>
-          <a:custGeom>
-            <a:avLst/>
-            <a:gdLst>
-              <a:gd name="connsiteX0" fmla="*/ 9925983 w 11435265"/>
-              <a:gd name="connsiteY0" fmla="*/ 6858000 h 6858000"/>
-              <a:gd name="connsiteX1" fmla="*/ 0 w 11435265"/>
-              <a:gd name="connsiteY1" fmla="*/ 6858000 h 6858000"/>
-              <a:gd name="connsiteX2" fmla="*/ 0 w 11435265"/>
-              <a:gd name="connsiteY2" fmla="*/ 0 h 6858000"/>
-              <a:gd name="connsiteX3" fmla="*/ 996904 w 11435265"/>
-              <a:gd name="connsiteY3" fmla="*/ 0 h 6858000"/>
-              <a:gd name="connsiteX4" fmla="*/ 2426875 w 11435265"/>
-              <a:gd name="connsiteY4" fmla="*/ 0 h 6858000"/>
-              <a:gd name="connsiteX5" fmla="*/ 4014127 w 11435265"/>
-              <a:gd name="connsiteY5" fmla="*/ 0 h 6858000"/>
-              <a:gd name="connsiteX6" fmla="*/ 4359595 w 11435265"/>
-              <a:gd name="connsiteY6" fmla="*/ 0 h 6858000"/>
-              <a:gd name="connsiteX7" fmla="*/ 4647960 w 11435265"/>
-              <a:gd name="connsiteY7" fmla="*/ 0 h 6858000"/>
-              <a:gd name="connsiteX8" fmla="*/ 4691093 w 11435265"/>
-              <a:gd name="connsiteY8" fmla="*/ 0 h 6858000"/>
-              <a:gd name="connsiteX9" fmla="*/ 5558544 w 11435265"/>
-              <a:gd name="connsiteY9" fmla="*/ 0 h 6858000"/>
-              <a:gd name="connsiteX10" fmla="*/ 5570664 w 11435265"/>
-              <a:gd name="connsiteY10" fmla="*/ 0 h 6858000"/>
-              <a:gd name="connsiteX11" fmla="*/ 5695183 w 11435265"/>
-              <a:gd name="connsiteY11" fmla="*/ 0 h 6858000"/>
-              <a:gd name="connsiteX12" fmla="*/ 7177357 w 11435265"/>
-              <a:gd name="connsiteY12" fmla="*/ 0 h 6858000"/>
-              <a:gd name="connsiteX13" fmla="*/ 9824163 w 11435265"/>
-              <a:gd name="connsiteY13" fmla="*/ 0 h 6858000"/>
-              <a:gd name="connsiteX14" fmla="*/ 9846125 w 11435265"/>
-              <a:gd name="connsiteY14" fmla="*/ 16892 h 6858000"/>
-              <a:gd name="connsiteX15" fmla="*/ 11435265 w 11435265"/>
-              <a:gd name="connsiteY15" fmla="*/ 4079318 h 6858000"/>
-              <a:gd name="connsiteX16" fmla="*/ 10261404 w 11435265"/>
-              <a:gd name="connsiteY16" fmla="*/ 6542447 h 6858000"/>
-            </a:gdLst>
-            <a:ahLst/>
-            <a:cxnLst>
-              <a:cxn ang="0">
-                <a:pos x="connsiteX0" y="connsiteY0"/>
-              </a:cxn>
-              <a:cxn ang="0">
-                <a:pos x="connsiteX1" y="connsiteY1"/>
-              </a:cxn>
-              <a:cxn ang="0">
-                <a:pos x="connsiteX2" y="connsiteY2"/>
-              </a:cxn>
-              <a:cxn ang="0">
-                <a:pos x="connsiteX3" y="connsiteY3"/>
-              </a:cxn>
-              <a:cxn ang="0">
-                <a:pos x="connsiteX4" y="connsiteY4"/>
-              </a:cxn>
-              <a:cxn ang="0">
-                <a:pos x="connsiteX5" y="connsiteY5"/>
-              </a:cxn>
-              <a:cxn ang="0">
-                <a:pos x="connsiteX6" y="connsiteY6"/>
-              </a:cxn>
-              <a:cxn ang="0">
-                <a:pos x="connsiteX7" y="connsiteY7"/>
-              </a:cxn>
-              <a:cxn ang="0">
-                <a:pos x="connsiteX8" y="connsiteY8"/>
-              </a:cxn>
-              <a:cxn ang="0">
-                <a:pos x="connsiteX9" y="connsiteY9"/>
-              </a:cxn>
-              <a:cxn ang="0">
-                <a:pos x="connsiteX10" y="connsiteY10"/>
-              </a:cxn>
-              <a:cxn ang="0">
-                <a:pos x="connsiteX11" y="connsiteY11"/>
-              </a:cxn>
-              <a:cxn ang="0">
-                <a:pos x="connsiteX12" y="connsiteY12"/>
-              </a:cxn>
-              <a:cxn ang="0">
-                <a:pos x="connsiteX13" y="connsiteY13"/>
-              </a:cxn>
-              <a:cxn ang="0">
-                <a:pos x="connsiteX14" y="connsiteY14"/>
-              </a:cxn>
-              <a:cxn ang="0">
-                <a:pos x="connsiteX15" y="connsiteY15"/>
-              </a:cxn>
-              <a:cxn ang="0">
-                <a:pos x="connsiteX16" y="connsiteY16"/>
-              </a:cxn>
-            </a:cxnLst>
-            <a:rect l="l" t="t" r="r" b="b"/>
-            <a:pathLst>
-              <a:path w="11435265" h="6858000">
-                <a:moveTo>
-                  <a:pt x="9925983" y="6858000"/>
-                </a:moveTo>
-                <a:lnTo>
-                  <a:pt x="0" y="6858000"/>
-                </a:lnTo>
-                <a:lnTo>
-                  <a:pt x="0" y="0"/>
-                </a:lnTo>
-                <a:lnTo>
-                  <a:pt x="996904" y="0"/>
-                </a:lnTo>
-                <a:lnTo>
-                  <a:pt x="2426875" y="0"/>
-                </a:lnTo>
-                <a:lnTo>
-                  <a:pt x="4014127" y="0"/>
-                </a:lnTo>
-                <a:lnTo>
-                  <a:pt x="4359595" y="0"/>
-                </a:lnTo>
-                <a:lnTo>
-                  <a:pt x="4647960" y="0"/>
-                </a:lnTo>
-                <a:lnTo>
-                  <a:pt x="4691093" y="0"/>
-                </a:lnTo>
-                <a:lnTo>
-                  <a:pt x="5558544" y="0"/>
-                </a:lnTo>
-                <a:lnTo>
-                  <a:pt x="5570664" y="0"/>
-                </a:lnTo>
-                <a:lnTo>
-                  <a:pt x="5695183" y="0"/>
-                </a:lnTo>
-                <a:lnTo>
-                  <a:pt x="7177357" y="0"/>
-                </a:lnTo>
-                <a:lnTo>
-                  <a:pt x="9824163" y="0"/>
-                </a:lnTo>
-                <a:lnTo>
-                  <a:pt x="9846125" y="16892"/>
-                </a:lnTo>
-                <a:cubicBezTo>
-                  <a:pt x="10865743" y="850004"/>
-                  <a:pt x="11435265" y="2357705"/>
-                  <a:pt x="11435265" y="4079318"/>
-                </a:cubicBezTo>
-                <a:cubicBezTo>
-                  <a:pt x="11435265" y="5217633"/>
-                  <a:pt x="10916694" y="5903717"/>
-                  <a:pt x="10261404" y="6542447"/>
-                </a:cubicBezTo>
-                <a:close/>
-              </a:path>
-            </a:pathLst>
-          </a:custGeom>
-          <a:solidFill>
-            <a:schemeClr val="bg1">
-              <a:alpha val="60000"/>
-            </a:schemeClr>
-          </a:solidFill>
-          <a:ln>
-            <a:noFill/>
-          </a:ln>
-        </p:spPr>
-        <p:style>
-          <a:lnRef idx="2">
-            <a:schemeClr val="accent1">
-              <a:shade val="50000"/>
-            </a:schemeClr>
-          </a:lnRef>
-          <a:fillRef idx="1">
-            <a:schemeClr val="accent1"/>
-          </a:fillRef>
-          <a:effectRef idx="0">
-            <a:schemeClr val="accent1"/>
-          </a:effectRef>
-          <a:fontRef idx="minor">
-            <a:schemeClr val="lt1"/>
-          </a:fontRef>
-        </p:style>
-        <p:txBody>
-          <a:bodyPr wrap="square" rtlCol="0" anchor="ctr">
-            <a:noAutofit/>
-          </a:bodyPr>
-          <a:lstStyle/>
-          <a:p>
-            <a:pPr algn="ctr"/>
-            <a:endParaRPr lang="en-US"/>
-          </a:p>
-        </p:txBody>
-      </p:sp>
-      <p:sp>
-        <p:nvSpPr>
-          <p:cNvPr id="49" name="Freeform: Shape 48">
-            <a:extLst>
-              <a:ext uri="{FF2B5EF4-FFF2-40B4-BE49-F238E27FC236}">
-                <a16:creationId xmlns:a16="http://schemas.microsoft.com/office/drawing/2014/main" id="{71BA53A4-C4B7-4189-9FC1-6350B1AB5DFE}"/>
-              </a:ext>
-              <a:ext uri="{C183D7F6-B498-43B3-948B-1728B52AA6E4}">
-                <adec:decorative xmlns:adec="http://schemas.microsoft.com/office/drawing/2017/decorative" val="1"/>
-              </a:ext>
-            </a:extLst>
-          </p:cNvPr>
-          <p:cNvSpPr>
-            <a:spLocks noGrp="1" noRot="1" noChangeAspect="1" noMove="1" noResize="1" noEditPoints="1" noAdjustHandles="1" noChangeArrowheads="1" noChangeShapeType="1" noTextEdit="1"/>
-          </p:cNvSpPr>
-          <p:nvPr>
-            <p:extLst>
-              <p:ext uri="{386F3935-93C4-4BCD-93E2-E3B085C9AB24}">
-                <p16:designElem xmlns:p16="http://schemas.microsoft.com/office/powerpoint/2015/main" val="1"/>
-              </p:ext>
-            </p:extLst>
-          </p:nvPr>
-        </p:nvSpPr>
-        <p:spPr>
-          <a:xfrm flipH="1" flipV="1">
-            <a:off x="341199" y="0"/>
-            <a:ext cx="1518348" cy="6858000"/>
-          </a:xfrm>
-          <a:custGeom>
-            <a:avLst/>
-            <a:gdLst>
-              <a:gd name="connsiteX0" fmla="*/ 19178 w 1518348"/>
-              <a:gd name="connsiteY0" fmla="*/ 6858000 h 6858000"/>
-              <a:gd name="connsiteX1" fmla="*/ 0 w 1518348"/>
-              <a:gd name="connsiteY1" fmla="*/ 6858000 h 6858000"/>
-              <a:gd name="connsiteX2" fmla="*/ 241394 w 1518348"/>
-              <a:gd name="connsiteY2" fmla="*/ 6638611 h 6858000"/>
-              <a:gd name="connsiteX3" fmla="*/ 1493356 w 1518348"/>
-              <a:gd name="connsiteY3" fmla="*/ 4142424 h 6858000"/>
-              <a:gd name="connsiteX4" fmla="*/ 282053 w 1518348"/>
-              <a:gd name="connsiteY4" fmla="*/ 26474 h 6858000"/>
-              <a:gd name="connsiteX5" fmla="*/ 256233 w 1518348"/>
-              <a:gd name="connsiteY5" fmla="*/ 0 h 6858000"/>
-              <a:gd name="connsiteX6" fmla="*/ 273463 w 1518348"/>
-              <a:gd name="connsiteY6" fmla="*/ 0 h 6858000"/>
-              <a:gd name="connsiteX7" fmla="*/ 300199 w 1518348"/>
-              <a:gd name="connsiteY7" fmla="*/ 27414 h 6858000"/>
-              <a:gd name="connsiteX8" fmla="*/ 1511501 w 1518348"/>
-              <a:gd name="connsiteY8" fmla="*/ 4143362 h 6858000"/>
-              <a:gd name="connsiteX9" fmla="*/ 259539 w 1518348"/>
-              <a:gd name="connsiteY9" fmla="*/ 6639549 h 6858000"/>
-            </a:gdLst>
-            <a:ahLst/>
-            <a:cxnLst>
-              <a:cxn ang="0">
-                <a:pos x="connsiteX0" y="connsiteY0"/>
-              </a:cxn>
-              <a:cxn ang="0">
-                <a:pos x="connsiteX1" y="connsiteY1"/>
-              </a:cxn>
-              <a:cxn ang="0">
-                <a:pos x="connsiteX2" y="connsiteY2"/>
-              </a:cxn>
-              <a:cxn ang="0">
-                <a:pos x="connsiteX3" y="connsiteY3"/>
-              </a:cxn>
-              <a:cxn ang="0">
-                <a:pos x="connsiteX4" y="connsiteY4"/>
-              </a:cxn>
-              <a:cxn ang="0">
-                <a:pos x="connsiteX5" y="connsiteY5"/>
-              </a:cxn>
-              <a:cxn ang="0">
-                <a:pos x="connsiteX6" y="connsiteY6"/>
-              </a:cxn>
-              <a:cxn ang="0">
-                <a:pos x="connsiteX7" y="connsiteY7"/>
-              </a:cxn>
-              <a:cxn ang="0">
-                <a:pos x="connsiteX8" y="connsiteY8"/>
-              </a:cxn>
-              <a:cxn ang="0">
-                <a:pos x="connsiteX9" y="connsiteY9"/>
-              </a:cxn>
-            </a:cxnLst>
-            <a:rect l="l" t="t" r="r" b="b"/>
-            <a:pathLst>
-              <a:path w="1518348" h="6858000">
-                <a:moveTo>
-                  <a:pt x="19178" y="6858000"/>
-                </a:moveTo>
-                <a:lnTo>
-                  <a:pt x="0" y="6858000"/>
-                </a:lnTo>
-                <a:lnTo>
-                  <a:pt x="241394" y="6638611"/>
-                </a:lnTo>
-                <a:cubicBezTo>
-                  <a:pt x="909582" y="6009084"/>
-                  <a:pt x="1445892" y="5323498"/>
-                  <a:pt x="1493356" y="4142424"/>
-                </a:cubicBezTo>
-                <a:cubicBezTo>
-                  <a:pt x="1560655" y="2467784"/>
-                  <a:pt x="1130049" y="962858"/>
-                  <a:pt x="282053" y="26474"/>
-                </a:cubicBezTo>
-                <a:lnTo>
-                  <a:pt x="256233" y="0"/>
-                </a:lnTo>
-                <a:lnTo>
-                  <a:pt x="273463" y="0"/>
-                </a:lnTo>
-                <a:lnTo>
-                  <a:pt x="300199" y="27414"/>
-                </a:lnTo>
-                <a:cubicBezTo>
-                  <a:pt x="1148195" y="963796"/>
-                  <a:pt x="1578800" y="2468723"/>
-                  <a:pt x="1511501" y="4143362"/>
-                </a:cubicBezTo>
-                <a:cubicBezTo>
-                  <a:pt x="1464037" y="5324436"/>
-                  <a:pt x="927728" y="6010023"/>
-                  <a:pt x="259539" y="6639549"/>
-                </a:cubicBezTo>
-                <a:close/>
-              </a:path>
-            </a:pathLst>
-          </a:custGeom>
-          <a:solidFill>
-            <a:srgbClr val="FFFFFF"/>
-          </a:solidFill>
-          <a:ln>
-            <a:noFill/>
-          </a:ln>
-        </p:spPr>
-        <p:style>
-          <a:lnRef idx="2">
-            <a:schemeClr val="accent1">
-              <a:shade val="50000"/>
-            </a:schemeClr>
-          </a:lnRef>
-          <a:fillRef idx="1">
-            <a:schemeClr val="accent1"/>
-          </a:fillRef>
-          <a:effectRef idx="0">
-            <a:schemeClr val="accent1"/>
-          </a:effectRef>
-          <a:fontRef idx="minor">
-            <a:schemeClr val="lt1"/>
-          </a:fontRef>
-        </p:style>
-        <p:txBody>
-          <a:bodyPr wrap="square" rtlCol="0" anchor="ctr">
-            <a:noAutofit/>
-          </a:bodyPr>
-          <a:lstStyle/>
-          <a:p>
-            <a:pPr marL="0" marR="0" lvl="0" indent="0" algn="ctr" defTabSz="457200" rtl="0" eaLnBrk="1" fontAlgn="auto" latinLnBrk="0" hangingPunct="1">
-              <a:lnSpc>
-                <a:spcPct val="100000"/>
-              </a:lnSpc>
-              <a:spcBef>
-                <a:spcPts val="0"/>
-              </a:spcBef>
-              <a:spcAft>
-                <a:spcPts val="0"/>
-              </a:spcAft>
-              <a:buClrTx/>
-              <a:buSzTx/>
-              <a:buFontTx/>
-              <a:buNone/>
-              <a:tabLst/>
-              <a:defRPr/>
-            </a:pPr>
-            <a:endParaRPr kumimoji="0" lang="en-US" sz="1800" b="0" i="0" u="none" strike="noStrike" kern="1200" cap="none" spc="0" normalizeH="0" baseline="0" noProof="0" dirty="0">
-              <a:ln>
-                <a:noFill/>
-              </a:ln>
-              <a:solidFill>
-                <a:prstClr val="white"/>
-              </a:solidFill>
-              <a:effectLst/>
-              <a:uLnTx/>
-              <a:uFillTx/>
-              <a:latin typeface="Meiryo"/>
-              <a:ea typeface="+mn-ea"/>
-              <a:cs typeface="+mn-cs"/>
-            </a:endParaRPr>
-          </a:p>
-        </p:txBody>
-      </p:sp>
-      <p:sp>
-        <p:nvSpPr>
-          <p:cNvPr id="50" name="Freeform: Shape 49">
-            <a:extLst>
-              <a:ext uri="{FF2B5EF4-FFF2-40B4-BE49-F238E27FC236}">
-                <a16:creationId xmlns:a16="http://schemas.microsoft.com/office/drawing/2014/main" id="{5558AD6E-B070-4640-AA07-87E208983ED8}"/>
-              </a:ext>
-              <a:ext uri="{C183D7F6-B498-43B3-948B-1728B52AA6E4}">
-                <adec:decorative xmlns:adec="http://schemas.microsoft.com/office/drawing/2017/decorative" val="1"/>
-              </a:ext>
-            </a:extLst>
-          </p:cNvPr>
-          <p:cNvSpPr>
-            <a:spLocks noGrp="1" noRot="1" noChangeAspect="1" noMove="1" noResize="1" noEditPoints="1" noAdjustHandles="1" noChangeArrowheads="1" noChangeShapeType="1" noTextEdit="1"/>
-          </p:cNvSpPr>
-          <p:nvPr>
-            <p:extLst>
-              <p:ext uri="{386F3935-93C4-4BCD-93E2-E3B085C9AB24}">
-                <p16:designElem xmlns:p16="http://schemas.microsoft.com/office/powerpoint/2015/main" val="1"/>
-              </p:ext>
-            </p:extLst>
-          </p:nvPr>
-        </p:nvSpPr>
-        <p:spPr>
-          <a:xfrm flipH="1" flipV="1">
-            <a:off x="552928" y="0"/>
-            <a:ext cx="1644534" cy="6858000"/>
-          </a:xfrm>
-          <a:custGeom>
-            <a:avLst/>
-            <a:gdLst>
-              <a:gd name="connsiteX0" fmla="*/ 135252 w 1644534"/>
-              <a:gd name="connsiteY0" fmla="*/ 6858000 h 6858000"/>
-              <a:gd name="connsiteX1" fmla="*/ 101819 w 1644534"/>
-              <a:gd name="connsiteY1" fmla="*/ 6858000 h 6858000"/>
-              <a:gd name="connsiteX2" fmla="*/ 437240 w 1644534"/>
-              <a:gd name="connsiteY2" fmla="*/ 6542447 h 6858000"/>
-              <a:gd name="connsiteX3" fmla="*/ 1611101 w 1644534"/>
-              <a:gd name="connsiteY3" fmla="*/ 4079318 h 6858000"/>
-              <a:gd name="connsiteX4" fmla="*/ 21961 w 1644534"/>
-              <a:gd name="connsiteY4" fmla="*/ 16892 h 6858000"/>
-              <a:gd name="connsiteX5" fmla="*/ 0 w 1644534"/>
-              <a:gd name="connsiteY5" fmla="*/ 0 h 6858000"/>
-              <a:gd name="connsiteX6" fmla="*/ 33433 w 1644534"/>
-              <a:gd name="connsiteY6" fmla="*/ 0 h 6858000"/>
-              <a:gd name="connsiteX7" fmla="*/ 55394 w 1644534"/>
-              <a:gd name="connsiteY7" fmla="*/ 16892 h 6858000"/>
-              <a:gd name="connsiteX8" fmla="*/ 1644534 w 1644534"/>
-              <a:gd name="connsiteY8" fmla="*/ 4079318 h 6858000"/>
-              <a:gd name="connsiteX9" fmla="*/ 470673 w 1644534"/>
-              <a:gd name="connsiteY9" fmla="*/ 6542447 h 6858000"/>
-            </a:gdLst>
-            <a:ahLst/>
-            <a:cxnLst>
-              <a:cxn ang="0">
-                <a:pos x="connsiteX0" y="connsiteY0"/>
-              </a:cxn>
-              <a:cxn ang="0">
-                <a:pos x="connsiteX1" y="connsiteY1"/>
-              </a:cxn>
-              <a:cxn ang="0">
-                <a:pos x="connsiteX2" y="connsiteY2"/>
-              </a:cxn>
-              <a:cxn ang="0">
-                <a:pos x="connsiteX3" y="connsiteY3"/>
-              </a:cxn>
-              <a:cxn ang="0">
-                <a:pos x="connsiteX4" y="connsiteY4"/>
-              </a:cxn>
-              <a:cxn ang="0">
-                <a:pos x="connsiteX5" y="connsiteY5"/>
-              </a:cxn>
-              <a:cxn ang="0">
-                <a:pos x="connsiteX6" y="connsiteY6"/>
-              </a:cxn>
-              <a:cxn ang="0">
-                <a:pos x="connsiteX7" y="connsiteY7"/>
-              </a:cxn>
-              <a:cxn ang="0">
-                <a:pos x="connsiteX8" y="connsiteY8"/>
-              </a:cxn>
-              <a:cxn ang="0">
-                <a:pos x="connsiteX9" y="connsiteY9"/>
-              </a:cxn>
-            </a:cxnLst>
-            <a:rect l="l" t="t" r="r" b="b"/>
-            <a:pathLst>
-              <a:path w="1644534" h="6858000">
-                <a:moveTo>
-                  <a:pt x="135252" y="6858000"/>
-                </a:moveTo>
-                <a:lnTo>
-                  <a:pt x="101819" y="6858000"/>
-                </a:lnTo>
-                <a:lnTo>
-                  <a:pt x="437240" y="6542447"/>
-                </a:lnTo>
-                <a:cubicBezTo>
-                  <a:pt x="1092531" y="5903717"/>
-                  <a:pt x="1611101" y="5217633"/>
-                  <a:pt x="1611101" y="4079318"/>
-                </a:cubicBezTo>
-                <a:cubicBezTo>
-                  <a:pt x="1611101" y="2357705"/>
-                  <a:pt x="1041580" y="850004"/>
-                  <a:pt x="21961" y="16892"/>
-                </a:cubicBezTo>
-                <a:lnTo>
-                  <a:pt x="0" y="0"/>
-                </a:lnTo>
-                <a:lnTo>
-                  <a:pt x="33433" y="0"/>
-                </a:lnTo>
-                <a:lnTo>
-                  <a:pt x="55394" y="16892"/>
-                </a:lnTo>
-                <a:cubicBezTo>
-                  <a:pt x="1075012" y="850004"/>
-                  <a:pt x="1644534" y="2357705"/>
-                  <a:pt x="1644534" y="4079318"/>
-                </a:cubicBezTo>
-                <a:cubicBezTo>
-                  <a:pt x="1644534" y="5217633"/>
-                  <a:pt x="1125963" y="5903717"/>
-                  <a:pt x="470673" y="6542447"/>
-                </a:cubicBezTo>
-                <a:close/>
-              </a:path>
-            </a:pathLst>
-          </a:custGeom>
-          <a:solidFill>
-            <a:srgbClr val="FFFFFF"/>
-          </a:solidFill>
-          <a:ln>
-            <a:noFill/>
-          </a:ln>
-        </p:spPr>
-        <p:style>
-          <a:lnRef idx="2">
-            <a:schemeClr val="accent1">
-              <a:shade val="50000"/>
-            </a:schemeClr>
-          </a:lnRef>
-          <a:fillRef idx="1">
-            <a:schemeClr val="accent1"/>
-          </a:fillRef>
-          <a:effectRef idx="0">
-            <a:schemeClr val="accent1"/>
-          </a:effectRef>
-          <a:fontRef idx="minor">
-            <a:schemeClr val="lt1"/>
-          </a:fontRef>
-        </p:style>
-        <p:txBody>
-          <a:bodyPr wrap="square" rtlCol="0" anchor="ctr">
-            <a:noAutofit/>
-          </a:bodyPr>
-          <a:lstStyle/>
-          <a:p>
-            <a:pPr marL="0" marR="0" lvl="0" indent="0" algn="ctr" defTabSz="914400" rtl="0" eaLnBrk="1" fontAlgn="auto" latinLnBrk="0" hangingPunct="1">
-              <a:lnSpc>
-                <a:spcPct val="100000"/>
-              </a:lnSpc>
-              <a:spcBef>
-                <a:spcPts val="0"/>
-              </a:spcBef>
-              <a:spcAft>
-                <a:spcPts val="0"/>
-              </a:spcAft>
-              <a:buClrTx/>
-              <a:buSzTx/>
-              <a:buFontTx/>
-              <a:buNone/>
-              <a:tabLst/>
-              <a:defRPr/>
-            </a:pPr>
-            <a:endParaRPr kumimoji="0" lang="en-US" sz="1800" b="0" i="0" u="none" strike="noStrike" kern="1200" cap="none" spc="0" normalizeH="0" baseline="0" noProof="0" dirty="0">
-              <a:ln>
-                <a:noFill/>
-              </a:ln>
-              <a:solidFill>
-                <a:prstClr val="white"/>
-              </a:solidFill>
-              <a:effectLst/>
-              <a:uLnTx/>
-              <a:uFillTx/>
-              <a:latin typeface="Meiryo"/>
-              <a:ea typeface="+mn-ea"/>
-              <a:cs typeface="+mn-cs"/>
-            </a:endParaRPr>
-          </a:p>
-        </p:txBody>
-      </p:sp>
-      <p:sp>
-        <p:nvSpPr>
-          <p:cNvPr id="51" name="Freeform: Shape 50">
-            <a:extLst>
-              <a:ext uri="{FF2B5EF4-FFF2-40B4-BE49-F238E27FC236}">
-                <a16:creationId xmlns:a16="http://schemas.microsoft.com/office/drawing/2014/main" id="{36ACFB69-D148-449E-AC5A-C55AA20A7F7F}"/>
-              </a:ext>
-              <a:ext uri="{C183D7F6-B498-43B3-948B-1728B52AA6E4}">
-                <adec:decorative xmlns:adec="http://schemas.microsoft.com/office/drawing/2017/decorative" val="1"/>
-              </a:ext>
-            </a:extLst>
-          </p:cNvPr>
-          <p:cNvSpPr>
-            <a:spLocks noGrp="1" noRot="1" noChangeAspect="1" noMove="1" noResize="1" noEditPoints="1" noAdjustHandles="1" noChangeArrowheads="1" noChangeShapeType="1" noTextEdit="1"/>
-          </p:cNvSpPr>
-          <p:nvPr>
-            <p:extLst>
-              <p:ext uri="{386F3935-93C4-4BCD-93E2-E3B085C9AB24}">
-                <p16:designElem xmlns:p16="http://schemas.microsoft.com/office/powerpoint/2015/main" val="1"/>
-              </p:ext>
-            </p:extLst>
-          </p:nvPr>
-        </p:nvSpPr>
-        <p:spPr>
-          <a:xfrm flipH="1" flipV="1">
-            <a:off x="988858" y="0"/>
-            <a:ext cx="1461546" cy="6858000"/>
-          </a:xfrm>
-          <a:custGeom>
-            <a:avLst/>
-            <a:gdLst>
-              <a:gd name="connsiteX0" fmla="*/ 107940 w 1461546"/>
-              <a:gd name="connsiteY0" fmla="*/ 6858000 h 6858000"/>
-              <a:gd name="connsiteX1" fmla="*/ 91317 w 1461546"/>
-              <a:gd name="connsiteY1" fmla="*/ 6858000 h 6858000"/>
-              <a:gd name="connsiteX2" fmla="*/ 392141 w 1461546"/>
-              <a:gd name="connsiteY2" fmla="*/ 6542447 h 6858000"/>
-              <a:gd name="connsiteX3" fmla="*/ 1444924 w 1461546"/>
-              <a:gd name="connsiteY3" fmla="*/ 4079318 h 6858000"/>
-              <a:gd name="connsiteX4" fmla="*/ 19696 w 1461546"/>
-              <a:gd name="connsiteY4" fmla="*/ 16892 h 6858000"/>
-              <a:gd name="connsiteX5" fmla="*/ 0 w 1461546"/>
-              <a:gd name="connsiteY5" fmla="*/ 0 h 6858000"/>
-              <a:gd name="connsiteX6" fmla="*/ 16622 w 1461546"/>
-              <a:gd name="connsiteY6" fmla="*/ 0 h 6858000"/>
-              <a:gd name="connsiteX7" fmla="*/ 36319 w 1461546"/>
-              <a:gd name="connsiteY7" fmla="*/ 16892 h 6858000"/>
-              <a:gd name="connsiteX8" fmla="*/ 1461546 w 1461546"/>
-              <a:gd name="connsiteY8" fmla="*/ 4079318 h 6858000"/>
-              <a:gd name="connsiteX9" fmla="*/ 408763 w 1461546"/>
-              <a:gd name="connsiteY9" fmla="*/ 6542447 h 6858000"/>
-            </a:gdLst>
-            <a:ahLst/>
-            <a:cxnLst>
-              <a:cxn ang="0">
-                <a:pos x="connsiteX0" y="connsiteY0"/>
-              </a:cxn>
-              <a:cxn ang="0">
-                <a:pos x="connsiteX1" y="connsiteY1"/>
-              </a:cxn>
-              <a:cxn ang="0">
-                <a:pos x="connsiteX2" y="connsiteY2"/>
-              </a:cxn>
-              <a:cxn ang="0">
-                <a:pos x="connsiteX3" y="connsiteY3"/>
-              </a:cxn>
-              <a:cxn ang="0">
-                <a:pos x="connsiteX4" y="connsiteY4"/>
-              </a:cxn>
-              <a:cxn ang="0">
-                <a:pos x="connsiteX5" y="connsiteY5"/>
-              </a:cxn>
-              <a:cxn ang="0">
-                <a:pos x="connsiteX6" y="connsiteY6"/>
-              </a:cxn>
-              <a:cxn ang="0">
-                <a:pos x="connsiteX7" y="connsiteY7"/>
-              </a:cxn>
-              <a:cxn ang="0">
-                <a:pos x="connsiteX8" y="connsiteY8"/>
-              </a:cxn>
-              <a:cxn ang="0">
-                <a:pos x="connsiteX9" y="connsiteY9"/>
-              </a:cxn>
-            </a:cxnLst>
-            <a:rect l="l" t="t" r="r" b="b"/>
-            <a:pathLst>
-              <a:path w="1461546" h="6858000">
-                <a:moveTo>
-                  <a:pt x="107940" y="6858000"/>
-                </a:moveTo>
-                <a:lnTo>
-                  <a:pt x="91317" y="6858000"/>
-                </a:lnTo>
-                <a:lnTo>
-                  <a:pt x="392141" y="6542447"/>
-                </a:lnTo>
-                <a:cubicBezTo>
-                  <a:pt x="979841" y="5903717"/>
-                  <a:pt x="1444924" y="5217633"/>
-                  <a:pt x="1444924" y="4079318"/>
-                </a:cubicBezTo>
-                <a:cubicBezTo>
-                  <a:pt x="1444924" y="2357705"/>
-                  <a:pt x="934146" y="850004"/>
-                  <a:pt x="19696" y="16892"/>
-                </a:cubicBezTo>
-                <a:lnTo>
-                  <a:pt x="0" y="0"/>
-                </a:lnTo>
-                <a:lnTo>
-                  <a:pt x="16622" y="0"/>
-                </a:lnTo>
-                <a:lnTo>
-                  <a:pt x="36319" y="16892"/>
-                </a:lnTo>
-                <a:cubicBezTo>
-                  <a:pt x="950768" y="850004"/>
-                  <a:pt x="1461546" y="2357705"/>
-                  <a:pt x="1461546" y="4079318"/>
-                </a:cubicBezTo>
-                <a:cubicBezTo>
-                  <a:pt x="1461546" y="5217633"/>
-                  <a:pt x="996464" y="5903717"/>
-                  <a:pt x="408763" y="6542447"/>
-                </a:cubicBezTo>
-                <a:close/>
-              </a:path>
-            </a:pathLst>
-          </a:custGeom>
-          <a:solidFill>
-            <a:schemeClr val="bg2">
-              <a:lumMod val="90000"/>
-            </a:schemeClr>
-          </a:solidFill>
-          <a:ln>
-            <a:noFill/>
-          </a:ln>
-        </p:spPr>
-        <p:style>
-          <a:lnRef idx="2">
-            <a:schemeClr val="accent1">
-              <a:shade val="50000"/>
-            </a:schemeClr>
-          </a:lnRef>
-          <a:fillRef idx="1">
-            <a:schemeClr val="accent1"/>
-          </a:fillRef>
-          <a:effectRef idx="0">
-            <a:schemeClr val="accent1"/>
-          </a:effectRef>
-          <a:fontRef idx="minor">
-            <a:schemeClr val="lt1"/>
-          </a:fontRef>
-        </p:style>
-        <p:txBody>
-          <a:bodyPr wrap="square" rtlCol="0" anchor="ctr">
-            <a:noAutofit/>
-          </a:bodyPr>
-          <a:lstStyle/>
-          <a:p>
-            <a:pPr marL="0" marR="0" lvl="0" indent="0" algn="ctr" defTabSz="914400" rtl="0" eaLnBrk="1" fontAlgn="auto" latinLnBrk="0" hangingPunct="1">
-              <a:lnSpc>
-                <a:spcPct val="100000"/>
-              </a:lnSpc>
-              <a:spcBef>
-                <a:spcPts val="0"/>
-              </a:spcBef>
-              <a:spcAft>
-                <a:spcPts val="0"/>
-              </a:spcAft>
-              <a:buClrTx/>
-              <a:buSzTx/>
-              <a:buFontTx/>
-              <a:buNone/>
-              <a:tabLst/>
-              <a:defRPr/>
-            </a:pPr>
-            <a:endParaRPr kumimoji="0" lang="en-US" sz="1800" b="0" i="0" u="none" strike="noStrike" kern="1200" cap="none" spc="0" normalizeH="0" baseline="0" noProof="0">
-              <a:ln>
-                <a:noFill/>
-              </a:ln>
-              <a:solidFill>
-                <a:prstClr val="white"/>
-              </a:solidFill>
-              <a:effectLst/>
-              <a:uLnTx/>
-              <a:uFillTx/>
-              <a:latin typeface="Meiryo"/>
-              <a:ea typeface="+mn-ea"/>
-              <a:cs typeface="+mn-cs"/>
-            </a:endParaRPr>
-          </a:p>
-        </p:txBody>
-      </p:sp>
-      <p:sp>
-        <p:nvSpPr>
-          <p:cNvPr id="2" name="Title 1">
-            <a:extLst>
-              <a:ext uri="{FF2B5EF4-FFF2-40B4-BE49-F238E27FC236}">
-                <a16:creationId xmlns:a16="http://schemas.microsoft.com/office/drawing/2014/main" id="{E7DC9DC6-5789-B4AF-0FF9-433EBBC3F0AE}"/>
-              </a:ext>
-            </a:extLst>
-          </p:cNvPr>
-          <p:cNvSpPr>
-            <a:spLocks noGrp="1"/>
-          </p:cNvSpPr>
-          <p:nvPr>
-            <p:ph type="title"/>
-          </p:nvPr>
-        </p:nvSpPr>
-        <p:spPr>
-          <a:xfrm>
-            <a:off x="2377440" y="442220"/>
-            <a:ext cx="8397987" cy="1345269"/>
-          </a:xfrm>
-        </p:spPr>
-        <p:txBody>
-          <a:bodyPr anchor="b">
-            <a:normAutofit/>
-          </a:bodyPr>
-          <a:lstStyle/>
-          <a:p>
-            <a:r>
-              <a:rPr lang="en-US" dirty="0"/>
-              <a:t>Tools and Technology Used</a:t>
-            </a:r>
-          </a:p>
-        </p:txBody>
-      </p:sp>
-      <p:graphicFrame>
-        <p:nvGraphicFramePr>
-          <p:cNvPr id="52" name="Content Placeholder 2">
-            <a:extLst>
-              <a:ext uri="{FF2B5EF4-FFF2-40B4-BE49-F238E27FC236}">
-                <a16:creationId xmlns:a16="http://schemas.microsoft.com/office/drawing/2014/main" id="{B7E6C650-F2CD-62C4-796A-EC99464111DD}"/>
-              </a:ext>
-            </a:extLst>
-          </p:cNvPr>
-          <p:cNvGraphicFramePr>
-            <a:graphicFrameLocks noGrp="1"/>
-          </p:cNvGraphicFramePr>
-          <p:nvPr>
-            <p:ph idx="1"/>
-            <p:extLst>
-              <p:ext uri="{D42A27DB-BD31-4B8C-83A1-F6EECF244321}">
-                <p14:modId xmlns:p14="http://schemas.microsoft.com/office/powerpoint/2010/main" val="3225930589"/>
-              </p:ext>
-            </p:extLst>
-          </p:nvPr>
-        </p:nvGraphicFramePr>
-        <p:xfrm>
-          <a:off x="2377439" y="2312988"/>
-          <a:ext cx="8312785" cy="3411537"/>
-        </p:xfrm>
-        <a:graphic>
-          <a:graphicData uri="http://schemas.openxmlformats.org/drawingml/2006/diagram">
-            <dgm:relIds xmlns:dgm="http://schemas.openxmlformats.org/drawingml/2006/diagram" xmlns:r="http://schemas.openxmlformats.org/officeDocument/2006/relationships" r:dm="rId2" r:lo="rId3" r:qs="rId4" r:cs="rId5"/>
-          </a:graphicData>
-        </a:graphic>
-      </p:graphicFrame>
-    </p:spTree>
-    <p:extLst>
-      <p:ext uri="{BB962C8B-B14F-4D97-AF65-F5344CB8AC3E}">
-        <p14:creationId xmlns:p14="http://schemas.microsoft.com/office/powerpoint/2010/main" val="701064661"/>
       </p:ext>
     </p:extLst>
   </p:cSld>
